--- a/자료/sqld/DB_PPT/5장. 함수.pptx
+++ b/자료/sqld/DB_PPT/5장. 함수.pptx
@@ -5,7 +5,7 @@
     <p:sldMasterId id="2147483648" r:id="rId1"/>
   </p:sldMasterIdLst>
   <p:notesMasterIdLst>
-    <p:notesMasterId r:id="rId29"/>
+    <p:notesMasterId r:id="rId31"/>
   </p:notesMasterIdLst>
   <p:sldIdLst>
     <p:sldId id="256" r:id="rId2"/>
@@ -16,25 +16,27 @@
     <p:sldId id="295" r:id="rId7"/>
     <p:sldId id="267" r:id="rId8"/>
     <p:sldId id="286" r:id="rId9"/>
-    <p:sldId id="287" r:id="rId10"/>
-    <p:sldId id="280" r:id="rId11"/>
-    <p:sldId id="289" r:id="rId12"/>
-    <p:sldId id="297" r:id="rId13"/>
-    <p:sldId id="281" r:id="rId14"/>
-    <p:sldId id="282" r:id="rId15"/>
-    <p:sldId id="298" r:id="rId16"/>
-    <p:sldId id="290" r:id="rId17"/>
-    <p:sldId id="271" r:id="rId18"/>
-    <p:sldId id="284" r:id="rId19"/>
-    <p:sldId id="292" r:id="rId20"/>
-    <p:sldId id="293" r:id="rId21"/>
-    <p:sldId id="269" r:id="rId22"/>
-    <p:sldId id="291" r:id="rId23"/>
-    <p:sldId id="299" r:id="rId24"/>
-    <p:sldId id="300" r:id="rId25"/>
-    <p:sldId id="301" r:id="rId26"/>
-    <p:sldId id="270" r:id="rId27"/>
-    <p:sldId id="283" r:id="rId28"/>
+    <p:sldId id="302" r:id="rId10"/>
+    <p:sldId id="287" r:id="rId11"/>
+    <p:sldId id="280" r:id="rId12"/>
+    <p:sldId id="289" r:id="rId13"/>
+    <p:sldId id="297" r:id="rId14"/>
+    <p:sldId id="281" r:id="rId15"/>
+    <p:sldId id="282" r:id="rId16"/>
+    <p:sldId id="298" r:id="rId17"/>
+    <p:sldId id="290" r:id="rId18"/>
+    <p:sldId id="303" r:id="rId19"/>
+    <p:sldId id="304" r:id="rId20"/>
+    <p:sldId id="271" r:id="rId21"/>
+    <p:sldId id="305" r:id="rId22"/>
+    <p:sldId id="306" r:id="rId23"/>
+    <p:sldId id="308" r:id="rId24"/>
+    <p:sldId id="307" r:id="rId25"/>
+    <p:sldId id="284" r:id="rId26"/>
+    <p:sldId id="292" r:id="rId27"/>
+    <p:sldId id="299" r:id="rId28"/>
+    <p:sldId id="300" r:id="rId29"/>
+    <p:sldId id="301" r:id="rId30"/>
   </p:sldIdLst>
   <p:sldSz cx="9144000" cy="6858000" type="screen4x3"/>
   <p:notesSz cx="6858000" cy="9144000"/>
@@ -234,7 +236,7 @@
           <a:p>
             <a:fld id="{7665CDAC-D627-4E87-877A-1B781DD4CADC}" type="datetimeFigureOut">
               <a:rPr lang="ko-KR" altLang="en-US" smtClean="0"/>
-              <a:t>2023-04-09</a:t>
+              <a:t>2023-04-13</a:t>
             </a:fld>
             <a:endParaRPr lang="ko-KR" altLang="en-US"/>
           </a:p>
@@ -1090,7 +1092,7 @@
           <a:p>
             <a:fld id="{E240FE80-3752-4C44-80B8-E31C3450070D}" type="datetime1">
               <a:rPr lang="ko-KR" altLang="en-US" smtClean="0"/>
-              <a:t>2023-04-09</a:t>
+              <a:t>2023-04-13</a:t>
             </a:fld>
             <a:endParaRPr lang="ko-KR" altLang="en-US"/>
           </a:p>
@@ -1270,7 +1272,7 @@
           <a:p>
             <a:fld id="{5FA88D13-428F-4553-BC93-2E91B1DA3F5C}" type="datetime1">
               <a:rPr lang="ko-KR" altLang="en-US" smtClean="0"/>
-              <a:t>2023-04-09</a:t>
+              <a:t>2023-04-13</a:t>
             </a:fld>
             <a:endParaRPr lang="ko-KR" altLang="en-US"/>
           </a:p>
@@ -1444,7 +1446,7 @@
           <a:p>
             <a:fld id="{4E9D4779-FB94-4D0A-9770-16BB460ADD4B}" type="datetime1">
               <a:rPr lang="ko-KR" altLang="en-US" smtClean="0"/>
-              <a:t>2023-04-09</a:t>
+              <a:t>2023-04-13</a:t>
             </a:fld>
             <a:endParaRPr lang="ko-KR" altLang="en-US"/>
           </a:p>
@@ -1690,7 +1692,7 @@
           <a:p>
             <a:fld id="{DD687F0D-089E-4098-8EE9-5721C76E52EC}" type="datetime1">
               <a:rPr lang="ko-KR" altLang="en-US" smtClean="0"/>
-              <a:t>2023-04-09</a:t>
+              <a:t>2023-04-13</a:t>
             </a:fld>
             <a:endParaRPr lang="ko-KR" altLang="en-US"/>
           </a:p>
@@ -1978,7 +1980,7 @@
           <a:p>
             <a:fld id="{09C650FE-E6B2-4D57-AAF6-1B2A37421AAD}" type="datetime1">
               <a:rPr lang="ko-KR" altLang="en-US" smtClean="0"/>
-              <a:t>2023-04-09</a:t>
+              <a:t>2023-04-13</a:t>
             </a:fld>
             <a:endParaRPr lang="ko-KR" altLang="en-US"/>
           </a:p>
@@ -2400,7 +2402,7 @@
           <a:p>
             <a:fld id="{E87F20C2-C949-4E4F-9580-FEE4F2DAC554}" type="datetime1">
               <a:rPr lang="ko-KR" altLang="en-US" smtClean="0"/>
-              <a:t>2023-04-09</a:t>
+              <a:t>2023-04-13</a:t>
             </a:fld>
             <a:endParaRPr lang="ko-KR" altLang="en-US"/>
           </a:p>
@@ -2518,7 +2520,7 @@
           <a:p>
             <a:fld id="{476DBFE0-70CA-4AA9-9C17-F02054822E7E}" type="datetime1">
               <a:rPr lang="ko-KR" altLang="en-US" smtClean="0"/>
-              <a:t>2023-04-09</a:t>
+              <a:t>2023-04-13</a:t>
             </a:fld>
             <a:endParaRPr lang="ko-KR" altLang="en-US"/>
           </a:p>
@@ -2613,7 +2615,7 @@
           <a:p>
             <a:fld id="{6DA84A72-C6AC-45C3-AE5A-9CF6D245353A}" type="datetime1">
               <a:rPr lang="ko-KR" altLang="en-US" smtClean="0"/>
-              <a:t>2023-04-09</a:t>
+              <a:t>2023-04-13</a:t>
             </a:fld>
             <a:endParaRPr lang="ko-KR" altLang="en-US"/>
           </a:p>
@@ -2890,7 +2892,7 @@
           <a:p>
             <a:fld id="{092D9E8D-7616-4FA8-9B12-88059974D499}" type="datetime1">
               <a:rPr lang="ko-KR" altLang="en-US" smtClean="0"/>
-              <a:t>2023-04-09</a:t>
+              <a:t>2023-04-13</a:t>
             </a:fld>
             <a:endParaRPr lang="ko-KR" altLang="en-US"/>
           </a:p>
@@ -3143,7 +3145,7 @@
           <a:p>
             <a:fld id="{79F4C3F6-B4DC-4E51-8609-BCC628ECDBF3}" type="datetime1">
               <a:rPr lang="ko-KR" altLang="en-US" smtClean="0"/>
-              <a:t>2023-04-09</a:t>
+              <a:t>2023-04-13</a:t>
             </a:fld>
             <a:endParaRPr lang="ko-KR" altLang="en-US"/>
           </a:p>
@@ -3323,7 +3325,7 @@
           <a:p>
             <a:fld id="{B2C4C586-F21B-48DD-B591-4B12E73E0749}" type="datetime1">
               <a:rPr lang="ko-KR" altLang="en-US" smtClean="0"/>
-              <a:t>2023-04-09</a:t>
+              <a:t>2023-04-13</a:t>
             </a:fld>
             <a:endParaRPr lang="ko-KR" altLang="en-US"/>
           </a:p>
@@ -4161,8 +4163,12 @@
               <a:t>  </a:t>
             </a:r>
             <a:r>
-              <a:rPr lang="ko-KR" altLang="en-US" dirty="0" err="1" smtClean="0"/>
-              <a:t>단일행</a:t>
+              <a:rPr lang="ko-KR" altLang="en-US" dirty="0" smtClean="0"/>
+              <a:t>문자타</a:t>
+            </a:r>
+            <a:r>
+              <a:rPr lang="ko-KR" altLang="en-US" dirty="0"/>
+              <a:t>입</a:t>
             </a:r>
             <a:r>
               <a:rPr lang="ko-KR" altLang="en-US" dirty="0" smtClean="0"/>
@@ -4190,6 +4196,208 @@
             <a:fld id="{1BDE3FE7-3AEA-4B05-AC5A-802D1816ACF0}" type="slidenum">
               <a:rPr lang="ko-KR" altLang="en-US" smtClean="0"/>
               <a:t>10</a:t>
+            </a:fld>
+            <a:endParaRPr lang="ko-KR" altLang="en-US"/>
+          </a:p>
+        </p:txBody>
+      </p:sp>
+      <p:pic>
+        <p:nvPicPr>
+          <p:cNvPr id="5" name="그림 4"/>
+          <p:cNvPicPr>
+            <a:picLocks noChangeAspect="1"/>
+          </p:cNvPicPr>
+          <p:nvPr/>
+        </p:nvPicPr>
+        <p:blipFill>
+          <a:blip r:embed="rId2">
+            <a:extLst>
+              <a:ext uri="{28A0092B-C50C-407E-A947-70E740481C1C}">
+                <a14:useLocalDpi xmlns:a14="http://schemas.microsoft.com/office/drawing/2010/main" val="0"/>
+              </a:ext>
+            </a:extLst>
+          </a:blip>
+          <a:stretch>
+            <a:fillRect/>
+          </a:stretch>
+        </p:blipFill>
+        <p:spPr>
+          <a:xfrm>
+            <a:off x="1218208" y="3776299"/>
+            <a:ext cx="5159187" cy="1668925"/>
+          </a:xfrm>
+          <a:prstGeom prst="rect">
+            <a:avLst/>
+          </a:prstGeom>
+          <a:ln>
+            <a:solidFill>
+              <a:schemeClr val="bg1">
+                <a:lumMod val="85000"/>
+              </a:schemeClr>
+            </a:solidFill>
+          </a:ln>
+        </p:spPr>
+      </p:pic>
+      <p:pic>
+        <p:nvPicPr>
+          <p:cNvPr id="6" name="그림 5"/>
+          <p:cNvPicPr>
+            <a:picLocks noChangeAspect="1"/>
+          </p:cNvPicPr>
+          <p:nvPr/>
+        </p:nvPicPr>
+        <p:blipFill>
+          <a:blip r:embed="rId3">
+            <a:extLst>
+              <a:ext uri="{28A0092B-C50C-407E-A947-70E740481C1C}">
+                <a14:useLocalDpi xmlns:a14="http://schemas.microsoft.com/office/drawing/2010/main" val="0"/>
+              </a:ext>
+            </a:extLst>
+          </a:blip>
+          <a:stretch>
+            <a:fillRect/>
+          </a:stretch>
+        </p:blipFill>
+        <p:spPr>
+          <a:xfrm>
+            <a:off x="6697362" y="4064331"/>
+            <a:ext cx="944962" cy="1303133"/>
+          </a:xfrm>
+          <a:prstGeom prst="rect">
+            <a:avLst/>
+          </a:prstGeom>
+          <a:ln>
+            <a:solidFill>
+              <a:schemeClr val="bg1">
+                <a:lumMod val="85000"/>
+              </a:schemeClr>
+            </a:solidFill>
+          </a:ln>
+        </p:spPr>
+      </p:pic>
+      <p:pic>
+        <p:nvPicPr>
+          <p:cNvPr id="7" name="그림 6"/>
+          <p:cNvPicPr>
+            <a:picLocks noChangeAspect="1"/>
+          </p:cNvPicPr>
+          <p:nvPr/>
+        </p:nvPicPr>
+        <p:blipFill>
+          <a:blip r:embed="rId4">
+            <a:extLst>
+              <a:ext uri="{28A0092B-C50C-407E-A947-70E740481C1C}">
+                <a14:useLocalDpi xmlns:a14="http://schemas.microsoft.com/office/drawing/2010/main" val="0"/>
+              </a:ext>
+            </a:extLst>
+          </a:blip>
+          <a:stretch>
+            <a:fillRect/>
+          </a:stretch>
+        </p:blipFill>
+        <p:spPr>
+          <a:xfrm>
+            <a:off x="1214760" y="1563491"/>
+            <a:ext cx="5875529" cy="1486029"/>
+          </a:xfrm>
+          <a:prstGeom prst="rect">
+            <a:avLst/>
+          </a:prstGeom>
+          <a:ln>
+            <a:solidFill>
+              <a:schemeClr val="bg1">
+                <a:lumMod val="85000"/>
+              </a:schemeClr>
+            </a:solidFill>
+          </a:ln>
+        </p:spPr>
+      </p:pic>
+    </p:spTree>
+    <p:extLst>
+      <p:ext uri="{BB962C8B-B14F-4D97-AF65-F5344CB8AC3E}">
+        <p14:creationId xmlns:p14="http://schemas.microsoft.com/office/powerpoint/2010/main" val="618482571"/>
+      </p:ext>
+    </p:extLst>
+  </p:cSld>
+  <p:clrMapOvr>
+    <a:masterClrMapping/>
+  </p:clrMapOvr>
+  <p:timing>
+    <p:tnLst>
+      <p:par>
+        <p:cTn id="1" dur="indefinite" restart="never" nodeType="tmRoot"/>
+      </p:par>
+    </p:tnLst>
+  </p:timing>
+</p:sld>
+</file>
+
+<file path=ppt/slides/slide11.xml><?xml version="1.0" encoding="utf-8"?>
+<p:sld xmlns:a="http://schemas.openxmlformats.org/drawingml/2006/main" xmlns:r="http://schemas.openxmlformats.org/officeDocument/2006/relationships" xmlns:p="http://schemas.openxmlformats.org/presentationml/2006/main">
+  <p:cSld>
+    <p:spTree>
+      <p:nvGrpSpPr>
+        <p:cNvPr id="1" name=""/>
+        <p:cNvGrpSpPr/>
+        <p:nvPr/>
+      </p:nvGrpSpPr>
+      <p:grpSpPr>
+        <a:xfrm>
+          <a:off x="0" y="0"/>
+          <a:ext cx="0" cy="0"/>
+          <a:chOff x="0" y="0"/>
+          <a:chExt cx="0" cy="0"/>
+        </a:xfrm>
+      </p:grpSpPr>
+      <p:sp>
+        <p:nvSpPr>
+          <p:cNvPr id="2" name="제목 1"/>
+          <p:cNvSpPr>
+            <a:spLocks noGrp="1"/>
+          </p:cNvSpPr>
+          <p:nvPr>
+            <p:ph type="title"/>
+          </p:nvPr>
+        </p:nvSpPr>
+        <p:spPr/>
+        <p:txBody>
+          <a:bodyPr/>
+          <a:lstStyle/>
+          <a:p>
+            <a:r>
+              <a:rPr lang="en-US" altLang="ko-KR" dirty="0" smtClean="0"/>
+              <a:t>  </a:t>
+            </a:r>
+            <a:r>
+              <a:rPr lang="ko-KR" altLang="en-US" dirty="0" err="1" smtClean="0"/>
+              <a:t>단일행</a:t>
+            </a:r>
+            <a:r>
+              <a:rPr lang="ko-KR" altLang="en-US" dirty="0" smtClean="0"/>
+              <a:t> 함수</a:t>
+            </a:r>
+            <a:endParaRPr lang="ko-KR" altLang="en-US" dirty="0"/>
+          </a:p>
+        </p:txBody>
+      </p:sp>
+      <p:sp>
+        <p:nvSpPr>
+          <p:cNvPr id="4" name="슬라이드 번호 개체 틀 3"/>
+          <p:cNvSpPr>
+            <a:spLocks noGrp="1"/>
+          </p:cNvSpPr>
+          <p:nvPr>
+            <p:ph type="sldNum" sz="quarter" idx="12"/>
+          </p:nvPr>
+        </p:nvSpPr>
+        <p:spPr/>
+        <p:txBody>
+          <a:bodyPr/>
+          <a:lstStyle/>
+          <a:p>
+            <a:fld id="{1BDE3FE7-3AEA-4B05-AC5A-802D1816ACF0}" type="slidenum">
+              <a:rPr lang="ko-KR" altLang="en-US" smtClean="0"/>
+              <a:t>11</a:t>
             </a:fld>
             <a:endParaRPr lang="ko-KR" altLang="en-US"/>
           </a:p>
@@ -5497,7 +5705,7 @@
 </p:sld>
 </file>
 
-<file path=ppt/slides/slide11.xml><?xml version="1.0" encoding="utf-8"?>
+<file path=ppt/slides/slide12.xml><?xml version="1.0" encoding="utf-8"?>
 <p:sld xmlns:a="http://schemas.openxmlformats.org/drawingml/2006/main" xmlns:r="http://schemas.openxmlformats.org/officeDocument/2006/relationships" xmlns:p="http://schemas.openxmlformats.org/presentationml/2006/main">
   <p:cSld>
     <p:spTree>
@@ -5566,7 +5774,7 @@
           <a:p>
             <a:fld id="{1BDE3FE7-3AEA-4B05-AC5A-802D1816ACF0}" type="slidenum">
               <a:rPr lang="ko-KR" altLang="en-US" smtClean="0"/>
-              <a:t>11</a:t>
+              <a:t>12</a:t>
             </a:fld>
             <a:endParaRPr lang="ko-KR" altLang="en-US"/>
           </a:p>
@@ -5666,7 +5874,7 @@
 </p:sld>
 </file>
 
-<file path=ppt/slides/slide12.xml><?xml version="1.0" encoding="utf-8"?>
+<file path=ppt/slides/slide13.xml><?xml version="1.0" encoding="utf-8"?>
 <p:sld xmlns:a="http://schemas.openxmlformats.org/drawingml/2006/main" xmlns:r="http://schemas.openxmlformats.org/officeDocument/2006/relationships" xmlns:p="http://schemas.openxmlformats.org/presentationml/2006/main">
   <p:cSld>
     <p:spTree>
@@ -5735,7 +5943,7 @@
           <a:p>
             <a:fld id="{1BDE3FE7-3AEA-4B05-AC5A-802D1816ACF0}" type="slidenum">
               <a:rPr lang="ko-KR" altLang="en-US" smtClean="0"/>
-              <a:t>12</a:t>
+              <a:t>13</a:t>
             </a:fld>
             <a:endParaRPr lang="ko-KR" altLang="en-US"/>
           </a:p>
@@ -5909,7 +6117,7 @@
 </p:sld>
 </file>
 
-<file path=ppt/slides/slide13.xml><?xml version="1.0" encoding="utf-8"?>
+<file path=ppt/slides/slide14.xml><?xml version="1.0" encoding="utf-8"?>
 <p:sld xmlns:a="http://schemas.openxmlformats.org/drawingml/2006/main" xmlns:r="http://schemas.openxmlformats.org/officeDocument/2006/relationships" xmlns:p="http://schemas.openxmlformats.org/presentationml/2006/main">
   <p:cSld>
     <p:spTree>
@@ -5974,7 +6182,7 @@
           <a:p>
             <a:fld id="{1BDE3FE7-3AEA-4B05-AC5A-802D1816ACF0}" type="slidenum">
               <a:rPr lang="ko-KR" altLang="en-US" smtClean="0"/>
-              <a:t>13</a:t>
+              <a:t>14</a:t>
             </a:fld>
             <a:endParaRPr lang="ko-KR" altLang="en-US"/>
           </a:p>
@@ -6883,7 +7091,7 @@
 </p:sld>
 </file>
 
-<file path=ppt/slides/slide14.xml><?xml version="1.0" encoding="utf-8"?>
+<file path=ppt/slides/slide15.xml><?xml version="1.0" encoding="utf-8"?>
 <p:sld xmlns:a="http://schemas.openxmlformats.org/drawingml/2006/main" xmlns:r="http://schemas.openxmlformats.org/officeDocument/2006/relationships" xmlns:p="http://schemas.openxmlformats.org/presentationml/2006/main">
   <p:cSld>
     <p:spTree>
@@ -6948,7 +7156,7 @@
           <a:p>
             <a:fld id="{1BDE3FE7-3AEA-4B05-AC5A-802D1816ACF0}" type="slidenum">
               <a:rPr lang="ko-KR" altLang="en-US" smtClean="0"/>
-              <a:t>14</a:t>
+              <a:t>15</a:t>
             </a:fld>
             <a:endParaRPr lang="ko-KR" altLang="en-US"/>
           </a:p>
@@ -7714,7 +7922,7 @@
 </p:sld>
 </file>
 
-<file path=ppt/slides/slide15.xml><?xml version="1.0" encoding="utf-8"?>
+<file path=ppt/slides/slide16.xml><?xml version="1.0" encoding="utf-8"?>
 <p:sld xmlns:a="http://schemas.openxmlformats.org/drawingml/2006/main" xmlns:r="http://schemas.openxmlformats.org/officeDocument/2006/relationships" xmlns:p="http://schemas.openxmlformats.org/presentationml/2006/main">
   <p:cSld>
     <p:spTree>
@@ -7779,7 +7987,7 @@
           <a:p>
             <a:fld id="{1BDE3FE7-3AEA-4B05-AC5A-802D1816ACF0}" type="slidenum">
               <a:rPr lang="ko-KR" altLang="en-US" smtClean="0"/>
-              <a:t>15</a:t>
+              <a:t>16</a:t>
             </a:fld>
             <a:endParaRPr lang="ko-KR" altLang="en-US"/>
           </a:p>
@@ -7953,245 +8161,6 @@
 </p:sld>
 </file>
 
-<file path=ppt/slides/slide16.xml><?xml version="1.0" encoding="utf-8"?>
-<p:sld xmlns:a="http://schemas.openxmlformats.org/drawingml/2006/main" xmlns:r="http://schemas.openxmlformats.org/officeDocument/2006/relationships" xmlns:p="http://schemas.openxmlformats.org/presentationml/2006/main">
-  <p:cSld>
-    <p:spTree>
-      <p:nvGrpSpPr>
-        <p:cNvPr id="1" name=""/>
-        <p:cNvGrpSpPr/>
-        <p:nvPr/>
-      </p:nvGrpSpPr>
-      <p:grpSpPr>
-        <a:xfrm>
-          <a:off x="0" y="0"/>
-          <a:ext cx="0" cy="0"/>
-          <a:chOff x="0" y="0"/>
-          <a:chExt cx="0" cy="0"/>
-        </a:xfrm>
-      </p:grpSpPr>
-      <p:sp>
-        <p:nvSpPr>
-          <p:cNvPr id="2" name="제목 1"/>
-          <p:cNvSpPr>
-            <a:spLocks noGrp="1"/>
-          </p:cNvSpPr>
-          <p:nvPr>
-            <p:ph type="title"/>
-          </p:nvPr>
-        </p:nvSpPr>
-        <p:spPr/>
-        <p:txBody>
-          <a:bodyPr/>
-          <a:lstStyle/>
-          <a:p>
-            <a:r>
-              <a:rPr lang="en-US" altLang="ko-KR" dirty="0" smtClean="0"/>
-              <a:t>  </a:t>
-            </a:r>
-            <a:r>
-              <a:rPr lang="ko-KR" altLang="en-US" dirty="0" err="1" smtClean="0"/>
-              <a:t>단일행</a:t>
-            </a:r>
-            <a:r>
-              <a:rPr lang="ko-KR" altLang="en-US" dirty="0" smtClean="0"/>
-              <a:t> 함수</a:t>
-            </a:r>
-            <a:endParaRPr lang="ko-KR" altLang="en-US" dirty="0"/>
-          </a:p>
-        </p:txBody>
-      </p:sp>
-      <p:sp>
-        <p:nvSpPr>
-          <p:cNvPr id="4" name="슬라이드 번호 개체 틀 3"/>
-          <p:cNvSpPr>
-            <a:spLocks noGrp="1"/>
-          </p:cNvSpPr>
-          <p:nvPr>
-            <p:ph type="sldNum" sz="quarter" idx="12"/>
-          </p:nvPr>
-        </p:nvSpPr>
-        <p:spPr/>
-        <p:txBody>
-          <a:bodyPr/>
-          <a:lstStyle/>
-          <a:p>
-            <a:fld id="{1BDE3FE7-3AEA-4B05-AC5A-802D1816ACF0}" type="slidenum">
-              <a:rPr lang="ko-KR" altLang="en-US" smtClean="0"/>
-              <a:t>16</a:t>
-            </a:fld>
-            <a:endParaRPr lang="ko-KR" altLang="en-US"/>
-          </a:p>
-        </p:txBody>
-      </p:sp>
-      <p:pic>
-        <p:nvPicPr>
-          <p:cNvPr id="8" name="그림 7"/>
-          <p:cNvPicPr>
-            <a:picLocks noChangeAspect="1"/>
-          </p:cNvPicPr>
-          <p:nvPr/>
-        </p:nvPicPr>
-        <p:blipFill>
-          <a:blip r:embed="rId2">
-            <a:extLst>
-              <a:ext uri="{28A0092B-C50C-407E-A947-70E740481C1C}">
-                <a14:useLocalDpi xmlns:a14="http://schemas.microsoft.com/office/drawing/2010/main" val="0"/>
-              </a:ext>
-            </a:extLst>
-          </a:blip>
-          <a:stretch>
-            <a:fillRect/>
-          </a:stretch>
-        </p:blipFill>
-        <p:spPr>
-          <a:xfrm>
-            <a:off x="949278" y="3806067"/>
-            <a:ext cx="6162934" cy="1129871"/>
-          </a:xfrm>
-          <a:prstGeom prst="rect">
-            <a:avLst/>
-          </a:prstGeom>
-          <a:ln>
-            <a:solidFill>
-              <a:schemeClr val="bg1">
-                <a:lumMod val="85000"/>
-              </a:schemeClr>
-            </a:solidFill>
-          </a:ln>
-        </p:spPr>
-      </p:pic>
-      <p:pic>
-        <p:nvPicPr>
-          <p:cNvPr id="11" name="그림 10"/>
-          <p:cNvPicPr>
-            <a:picLocks noChangeAspect="1"/>
-          </p:cNvPicPr>
-          <p:nvPr/>
-        </p:nvPicPr>
-        <p:blipFill>
-          <a:blip r:embed="rId3">
-            <a:extLst>
-              <a:ext uri="{28A0092B-C50C-407E-A947-70E740481C1C}">
-                <a14:useLocalDpi xmlns:a14="http://schemas.microsoft.com/office/drawing/2010/main" val="0"/>
-              </a:ext>
-            </a:extLst>
-          </a:blip>
-          <a:stretch>
-            <a:fillRect/>
-          </a:stretch>
-        </p:blipFill>
-        <p:spPr>
-          <a:xfrm>
-            <a:off x="971600" y="1340768"/>
-            <a:ext cx="4158962" cy="1740761"/>
-          </a:xfrm>
-          <a:prstGeom prst="rect">
-            <a:avLst/>
-          </a:prstGeom>
-          <a:ln>
-            <a:solidFill>
-              <a:schemeClr val="bg1">
-                <a:lumMod val="85000"/>
-              </a:schemeClr>
-            </a:solidFill>
-          </a:ln>
-        </p:spPr>
-      </p:pic>
-      <p:pic>
-        <p:nvPicPr>
-          <p:cNvPr id="3" name="그림 2"/>
-          <p:cNvPicPr>
-            <a:picLocks noChangeAspect="1"/>
-          </p:cNvPicPr>
-          <p:nvPr/>
-        </p:nvPicPr>
-        <p:blipFill>
-          <a:blip r:embed="rId4">
-            <a:extLst>
-              <a:ext uri="{28A0092B-C50C-407E-A947-70E740481C1C}">
-                <a14:useLocalDpi xmlns:a14="http://schemas.microsoft.com/office/drawing/2010/main" val="0"/>
-              </a:ext>
-            </a:extLst>
-          </a:blip>
-          <a:stretch>
-            <a:fillRect/>
-          </a:stretch>
-        </p:blipFill>
-        <p:spPr>
-          <a:xfrm>
-            <a:off x="5436096" y="2422455"/>
-            <a:ext cx="2560542" cy="525826"/>
-          </a:xfrm>
-          <a:prstGeom prst="rect">
-            <a:avLst/>
-          </a:prstGeom>
-          <a:ln>
-            <a:solidFill>
-              <a:schemeClr val="bg1">
-                <a:lumMod val="85000"/>
-              </a:schemeClr>
-            </a:solidFill>
-          </a:ln>
-        </p:spPr>
-      </p:pic>
-      <p:pic>
-        <p:nvPicPr>
-          <p:cNvPr id="5" name="그림 4"/>
-          <p:cNvPicPr>
-            <a:picLocks noChangeAspect="1"/>
-          </p:cNvPicPr>
-          <p:nvPr/>
-        </p:nvPicPr>
-        <p:blipFill>
-          <a:blip r:embed="rId5">
-            <a:extLst>
-              <a:ext uri="{28A0092B-C50C-407E-A947-70E740481C1C}">
-                <a14:useLocalDpi xmlns:a14="http://schemas.microsoft.com/office/drawing/2010/main" val="0"/>
-              </a:ext>
-            </a:extLst>
-          </a:blip>
-          <a:stretch>
-            <a:fillRect/>
-          </a:stretch>
-        </p:blipFill>
-        <p:spPr>
-          <a:xfrm>
-            <a:off x="5161752" y="5097754"/>
-            <a:ext cx="2834886" cy="495343"/>
-          </a:xfrm>
-          <a:prstGeom prst="rect">
-            <a:avLst/>
-          </a:prstGeom>
-          <a:ln>
-            <a:solidFill>
-              <a:schemeClr val="bg1">
-                <a:lumMod val="85000"/>
-              </a:schemeClr>
-            </a:solidFill>
-          </a:ln>
-        </p:spPr>
-      </p:pic>
-    </p:spTree>
-    <p:extLst>
-      <p:ext uri="{BB962C8B-B14F-4D97-AF65-F5344CB8AC3E}">
-        <p14:creationId xmlns:p14="http://schemas.microsoft.com/office/powerpoint/2010/main" val="3465345748"/>
-      </p:ext>
-    </p:extLst>
-  </p:cSld>
-  <p:clrMapOvr>
-    <a:masterClrMapping/>
-  </p:clrMapOvr>
-  <p:timing>
-    <p:tnLst>
-      <p:par>
-        <p:cTn id="1" dur="indefinite" restart="never" nodeType="tmRoot"/>
-      </p:par>
-    </p:tnLst>
-  </p:timing>
-</p:sld>
-</file>
-
 <file path=ppt/slides/slide17.xml><?xml version="1.0" encoding="utf-8"?>
 <p:sld xmlns:a="http://schemas.openxmlformats.org/drawingml/2006/main" xmlns:r="http://schemas.openxmlformats.org/officeDocument/2006/relationships" xmlns:p="http://schemas.openxmlformats.org/presentationml/2006/main">
   <p:cSld>
@@ -8225,8 +8194,16 @@
           <a:lstStyle/>
           <a:p>
             <a:r>
+              <a:rPr lang="en-US" altLang="ko-KR" dirty="0" smtClean="0"/>
+              <a:t>  </a:t>
+            </a:r>
+            <a:r>
+              <a:rPr lang="ko-KR" altLang="en-US" dirty="0" err="1" smtClean="0"/>
+              <a:t>단일행</a:t>
+            </a:r>
+            <a:r>
               <a:rPr lang="ko-KR" altLang="en-US" dirty="0" smtClean="0"/>
-              <a:t> 그룹 함수</a:t>
+              <a:t> 함수</a:t>
             </a:r>
             <a:endParaRPr lang="ko-KR" altLang="en-US" dirty="0"/>
           </a:p>
@@ -8255,409 +8232,9 @@
           </a:p>
         </p:txBody>
       </p:sp>
-      <p:sp>
-        <p:nvSpPr>
-          <p:cNvPr id="12" name="내용 개체 틀 2"/>
-          <p:cNvSpPr txBox="1">
-            <a:spLocks/>
-          </p:cNvSpPr>
-          <p:nvPr/>
-        </p:nvSpPr>
-        <p:spPr>
-          <a:xfrm>
-            <a:off x="467544" y="1052736"/>
-            <a:ext cx="8136904" cy="1008112"/>
-          </a:xfrm>
-          <a:prstGeom prst="rect">
-            <a:avLst/>
-          </a:prstGeom>
-        </p:spPr>
-        <p:txBody>
-          <a:bodyPr vert="horz" lIns="91440" tIns="45720" rIns="91440" bIns="45720" rtlCol="0">
-            <a:noAutofit/>
-          </a:bodyPr>
-          <a:lstStyle>
-            <a:lvl1pPr marL="342900" indent="-342900" algn="l" defTabSz="914400" rtl="0" eaLnBrk="1" latinLnBrk="1" hangingPunct="1">
-              <a:spcBef>
-                <a:spcPct val="20000"/>
-              </a:spcBef>
-              <a:buFont typeface="Arial" panose="020B0604020202020204" pitchFamily="34" charset="0"/>
-              <a:buChar char="•"/>
-              <a:defRPr sz="3200" kern="1200">
-                <a:solidFill>
-                  <a:schemeClr val="tx1"/>
-                </a:solidFill>
-                <a:latin typeface="+mn-lt"/>
-                <a:ea typeface="+mn-ea"/>
-                <a:cs typeface="+mn-cs"/>
-              </a:defRPr>
-            </a:lvl1pPr>
-            <a:lvl2pPr marL="742950" indent="-285750" algn="l" defTabSz="914400" rtl="0" eaLnBrk="1" latinLnBrk="1" hangingPunct="1">
-              <a:spcBef>
-                <a:spcPct val="20000"/>
-              </a:spcBef>
-              <a:buFont typeface="Arial" panose="020B0604020202020204" pitchFamily="34" charset="0"/>
-              <a:buChar char="–"/>
-              <a:defRPr sz="2800" kern="1200">
-                <a:solidFill>
-                  <a:schemeClr val="tx1"/>
-                </a:solidFill>
-                <a:latin typeface="+mn-lt"/>
-                <a:ea typeface="+mn-ea"/>
-                <a:cs typeface="+mn-cs"/>
-              </a:defRPr>
-            </a:lvl2pPr>
-            <a:lvl3pPr marL="1143000" indent="-228600" algn="l" defTabSz="914400" rtl="0" eaLnBrk="1" latinLnBrk="1" hangingPunct="1">
-              <a:spcBef>
-                <a:spcPct val="20000"/>
-              </a:spcBef>
-              <a:buFont typeface="Arial" panose="020B0604020202020204" pitchFamily="34" charset="0"/>
-              <a:buChar char="•"/>
-              <a:defRPr sz="2400" kern="1200">
-                <a:solidFill>
-                  <a:schemeClr val="tx1"/>
-                </a:solidFill>
-                <a:latin typeface="+mn-lt"/>
-                <a:ea typeface="+mn-ea"/>
-                <a:cs typeface="+mn-cs"/>
-              </a:defRPr>
-            </a:lvl3pPr>
-            <a:lvl4pPr marL="1600200" indent="-228600" algn="l" defTabSz="914400" rtl="0" eaLnBrk="1" latinLnBrk="1" hangingPunct="1">
-              <a:spcBef>
-                <a:spcPct val="20000"/>
-              </a:spcBef>
-              <a:buFont typeface="Arial" panose="020B0604020202020204" pitchFamily="34" charset="0"/>
-              <a:buChar char="–"/>
-              <a:defRPr sz="2000" kern="1200">
-                <a:solidFill>
-                  <a:schemeClr val="tx1"/>
-                </a:solidFill>
-                <a:latin typeface="+mn-lt"/>
-                <a:ea typeface="+mn-ea"/>
-                <a:cs typeface="+mn-cs"/>
-              </a:defRPr>
-            </a:lvl4pPr>
-            <a:lvl5pPr marL="2057400" indent="-228600" algn="l" defTabSz="914400" rtl="0" eaLnBrk="1" latinLnBrk="1" hangingPunct="1">
-              <a:spcBef>
-                <a:spcPct val="20000"/>
-              </a:spcBef>
-              <a:buFont typeface="Arial" panose="020B0604020202020204" pitchFamily="34" charset="0"/>
-              <a:buChar char="»"/>
-              <a:defRPr sz="2000" kern="1200">
-                <a:solidFill>
-                  <a:schemeClr val="tx1"/>
-                </a:solidFill>
-                <a:latin typeface="+mn-lt"/>
-                <a:ea typeface="+mn-ea"/>
-                <a:cs typeface="+mn-cs"/>
-              </a:defRPr>
-            </a:lvl5pPr>
-            <a:lvl6pPr marL="2514600" indent="-228600" algn="l" defTabSz="914400" rtl="0" eaLnBrk="1" latinLnBrk="1" hangingPunct="1">
-              <a:spcBef>
-                <a:spcPct val="20000"/>
-              </a:spcBef>
-              <a:buFont typeface="Arial" panose="020B0604020202020204" pitchFamily="34" charset="0"/>
-              <a:buChar char="•"/>
-              <a:defRPr sz="2000" kern="1200">
-                <a:solidFill>
-                  <a:schemeClr val="tx1"/>
-                </a:solidFill>
-                <a:latin typeface="+mn-lt"/>
-                <a:ea typeface="+mn-ea"/>
-                <a:cs typeface="+mn-cs"/>
-              </a:defRPr>
-            </a:lvl6pPr>
-            <a:lvl7pPr marL="2971800" indent="-228600" algn="l" defTabSz="914400" rtl="0" eaLnBrk="1" latinLnBrk="1" hangingPunct="1">
-              <a:spcBef>
-                <a:spcPct val="20000"/>
-              </a:spcBef>
-              <a:buFont typeface="Arial" panose="020B0604020202020204" pitchFamily="34" charset="0"/>
-              <a:buChar char="•"/>
-              <a:defRPr sz="2000" kern="1200">
-                <a:solidFill>
-                  <a:schemeClr val="tx1"/>
-                </a:solidFill>
-                <a:latin typeface="+mn-lt"/>
-                <a:ea typeface="+mn-ea"/>
-                <a:cs typeface="+mn-cs"/>
-              </a:defRPr>
-            </a:lvl7pPr>
-            <a:lvl8pPr marL="3429000" indent="-228600" algn="l" defTabSz="914400" rtl="0" eaLnBrk="1" latinLnBrk="1" hangingPunct="1">
-              <a:spcBef>
-                <a:spcPct val="20000"/>
-              </a:spcBef>
-              <a:buFont typeface="Arial" panose="020B0604020202020204" pitchFamily="34" charset="0"/>
-              <a:buChar char="•"/>
-              <a:defRPr sz="2000" kern="1200">
-                <a:solidFill>
-                  <a:schemeClr val="tx1"/>
-                </a:solidFill>
-                <a:latin typeface="+mn-lt"/>
-                <a:ea typeface="+mn-ea"/>
-                <a:cs typeface="+mn-cs"/>
-              </a:defRPr>
-            </a:lvl8pPr>
-            <a:lvl9pPr marL="3886200" indent="-228600" algn="l" defTabSz="914400" rtl="0" eaLnBrk="1" latinLnBrk="1" hangingPunct="1">
-              <a:spcBef>
-                <a:spcPct val="20000"/>
-              </a:spcBef>
-              <a:buFont typeface="Arial" panose="020B0604020202020204" pitchFamily="34" charset="0"/>
-              <a:buChar char="•"/>
-              <a:defRPr sz="2000" kern="1200">
-                <a:solidFill>
-                  <a:schemeClr val="tx1"/>
-                </a:solidFill>
-                <a:latin typeface="+mn-lt"/>
-                <a:ea typeface="+mn-ea"/>
-                <a:cs typeface="+mn-cs"/>
-              </a:defRPr>
-            </a:lvl9pPr>
-          </a:lstStyle>
-          <a:p>
-            <a:pPr marL="0" indent="0">
-              <a:lnSpc>
-                <a:spcPct val="150000"/>
-              </a:lnSpc>
-              <a:buFont typeface="Arial" panose="020B0604020202020204" pitchFamily="34" charset="0"/>
-              <a:buNone/>
-            </a:pPr>
-            <a:r>
-              <a:rPr lang="en-US" altLang="ko-KR" sz="1800" dirty="0"/>
-              <a:t> </a:t>
-            </a:r>
-            <a:r>
-              <a:rPr lang="ko-KR" altLang="en-US" sz="2000" b="1" dirty="0" smtClean="0"/>
-              <a:t>그룹 함수 </a:t>
-            </a:r>
-            <a:r>
-              <a:rPr lang="en-US" altLang="ko-KR" sz="1800" dirty="0" smtClean="0"/>
-              <a:t>– </a:t>
-            </a:r>
-            <a:r>
-              <a:rPr lang="ko-KR" altLang="en-US" sz="1800" dirty="0" smtClean="0"/>
-              <a:t>단일 행 함수와 달리 여러 행에 대해 함수가 적용되어 하나의 </a:t>
-            </a:r>
-            <a:endParaRPr lang="en-US" altLang="ko-KR" sz="1800" dirty="0" smtClean="0"/>
-          </a:p>
-          <a:p>
-            <a:pPr marL="0" indent="0">
-              <a:lnSpc>
-                <a:spcPct val="150000"/>
-              </a:lnSpc>
-              <a:buFont typeface="Arial" panose="020B0604020202020204" pitchFamily="34" charset="0"/>
-              <a:buNone/>
-            </a:pPr>
-            <a:r>
-              <a:rPr lang="en-US" altLang="ko-KR" sz="1800" dirty="0"/>
-              <a:t> </a:t>
-            </a:r>
-            <a:r>
-              <a:rPr lang="en-US" altLang="ko-KR" sz="1800" dirty="0" smtClean="0"/>
-              <a:t>                </a:t>
-            </a:r>
-            <a:r>
-              <a:rPr lang="ko-KR" altLang="en-US" sz="1800" dirty="0" smtClean="0"/>
-              <a:t>결과를 나타내는 함수</a:t>
-            </a:r>
-            <a:endParaRPr lang="en-US" altLang="ko-KR" sz="1800" dirty="0" smtClean="0"/>
-          </a:p>
-        </p:txBody>
-      </p:sp>
-      <p:graphicFrame>
-        <p:nvGraphicFramePr>
-          <p:cNvPr id="10" name="내용 개체 틀 4"/>
-          <p:cNvGraphicFramePr>
-            <a:graphicFrameLocks/>
-          </p:cNvGraphicFramePr>
-          <p:nvPr>
-            <p:extLst>
-              <p:ext uri="{D42A27DB-BD31-4B8C-83A1-F6EECF244321}">
-                <p14:modId xmlns:p14="http://schemas.microsoft.com/office/powerpoint/2010/main" val="628659698"/>
-              </p:ext>
-            </p:extLst>
-          </p:nvPr>
-        </p:nvGraphicFramePr>
-        <p:xfrm>
-          <a:off x="1907704" y="2204864"/>
-          <a:ext cx="2736304" cy="1872208"/>
-        </p:xfrm>
-        <a:graphic>
-          <a:graphicData uri="http://schemas.openxmlformats.org/drawingml/2006/table">
-            <a:tbl>
-              <a:tblPr firstRow="1">
-                <a:tableStyleId>{21E4AEA4-8DFA-4A89-87EB-49C32662AFE0}</a:tableStyleId>
-              </a:tblPr>
-              <a:tblGrid>
-                <a:gridCol w="987950">
-                  <a:extLst>
-                    <a:ext uri="{9D8B030D-6E8A-4147-A177-3AD203B41FA5}">
-                      <a16:colId xmlns:a16="http://schemas.microsoft.com/office/drawing/2014/main" val="20000"/>
-                    </a:ext>
-                  </a:extLst>
-                </a:gridCol>
-                <a:gridCol w="1748354">
-                  <a:extLst>
-                    <a:ext uri="{9D8B030D-6E8A-4147-A177-3AD203B41FA5}">
-                      <a16:colId xmlns:a16="http://schemas.microsoft.com/office/drawing/2014/main" val="20001"/>
-                    </a:ext>
-                  </a:extLst>
-                </a:gridCol>
-              </a:tblGrid>
-              <a:tr h="402625">
-                <a:tc>
-                  <a:txBody>
-                    <a:bodyPr/>
-                    <a:lstStyle/>
-                    <a:p>
-                      <a:pPr algn="ctr" latinLnBrk="1"/>
-                      <a:r>
-                        <a:rPr lang="ko-KR" altLang="en-US" sz="1600" dirty="0" smtClean="0"/>
-                        <a:t>함수</a:t>
-                      </a:r>
-                      <a:endParaRPr lang="ko-KR" altLang="en-US" sz="1600" dirty="0"/>
-                    </a:p>
-                  </a:txBody>
-                  <a:tcPr anchor="ctr"/>
-                </a:tc>
-                <a:tc>
-                  <a:txBody>
-                    <a:bodyPr/>
-                    <a:lstStyle/>
-                    <a:p>
-                      <a:pPr algn="ctr" latinLnBrk="1"/>
-                      <a:r>
-                        <a:rPr lang="ko-KR" altLang="en-US" sz="1600" dirty="0" smtClean="0"/>
-                        <a:t>예</a:t>
-                      </a:r>
-                      <a:endParaRPr lang="ko-KR" altLang="en-US" sz="1600" dirty="0"/>
-                    </a:p>
-                  </a:txBody>
-                  <a:tcPr anchor="ctr"/>
-                </a:tc>
-                <a:extLst>
-                  <a:ext uri="{0D108BD9-81ED-4DB2-BD59-A6C34878D82A}">
-                    <a16:rowId xmlns:a16="http://schemas.microsoft.com/office/drawing/2014/main" val="10000"/>
-                  </a:ext>
-                </a:extLst>
-              </a:tr>
-              <a:tr h="489861">
-                <a:tc>
-                  <a:txBody>
-                    <a:bodyPr/>
-                    <a:lstStyle/>
-                    <a:p>
-                      <a:pPr algn="ctr" latinLnBrk="1"/>
-                      <a:r>
-                        <a:rPr lang="en-US" altLang="ko-KR" sz="1600" dirty="0" smtClean="0"/>
-                        <a:t>COUNT</a:t>
-                      </a:r>
-                      <a:endParaRPr lang="ko-KR" altLang="en-US" sz="1600" dirty="0"/>
-                    </a:p>
-                  </a:txBody>
-                  <a:tcPr anchor="ctr"/>
-                </a:tc>
-                <a:tc>
-                  <a:txBody>
-                    <a:bodyPr/>
-                    <a:lstStyle/>
-                    <a:p>
-                      <a:pPr algn="l" latinLnBrk="1"/>
-                      <a:r>
-                        <a:rPr lang="en-US" altLang="ko-KR" sz="1600" dirty="0" smtClean="0"/>
-                        <a:t>COUNT(salary)</a:t>
-                      </a:r>
-                      <a:endParaRPr lang="ko-KR" altLang="en-US" sz="1600" dirty="0"/>
-                    </a:p>
-                  </a:txBody>
-                  <a:tcPr anchor="ctr"/>
-                </a:tc>
-                <a:extLst>
-                  <a:ext uri="{0D108BD9-81ED-4DB2-BD59-A6C34878D82A}">
-                    <a16:rowId xmlns:a16="http://schemas.microsoft.com/office/drawing/2014/main" val="10001"/>
-                  </a:ext>
-                </a:extLst>
-              </a:tr>
-              <a:tr h="489861">
-                <a:tc>
-                  <a:txBody>
-                    <a:bodyPr/>
-                    <a:lstStyle/>
-                    <a:p>
-                      <a:pPr algn="ctr" latinLnBrk="1"/>
-                      <a:r>
-                        <a:rPr lang="en-US" altLang="ko-KR" sz="1600" dirty="0" smtClean="0"/>
-                        <a:t>SUM</a:t>
-                      </a:r>
-                      <a:endParaRPr lang="ko-KR" altLang="en-US" sz="1600" dirty="0"/>
-                    </a:p>
-                  </a:txBody>
-                  <a:tcPr anchor="ctr"/>
-                </a:tc>
-                <a:tc>
-                  <a:txBody>
-                    <a:bodyPr/>
-                    <a:lstStyle/>
-                    <a:p>
-                      <a:pPr algn="l" latinLnBrk="1"/>
-                      <a:r>
-                        <a:rPr lang="en-US" altLang="ko-KR" sz="1600" dirty="0" smtClean="0"/>
-                        <a:t>SUM(salary)</a:t>
-                      </a:r>
-                      <a:endParaRPr lang="ko-KR" altLang="en-US" sz="1600" dirty="0"/>
-                    </a:p>
-                  </a:txBody>
-                  <a:tcPr anchor="ctr"/>
-                </a:tc>
-                <a:extLst>
-                  <a:ext uri="{0D108BD9-81ED-4DB2-BD59-A6C34878D82A}">
-                    <a16:rowId xmlns:a16="http://schemas.microsoft.com/office/drawing/2014/main" val="10002"/>
-                  </a:ext>
-                </a:extLst>
-              </a:tr>
-              <a:tr h="489861">
-                <a:tc>
-                  <a:txBody>
-                    <a:bodyPr/>
-                    <a:lstStyle/>
-                    <a:p>
-                      <a:pPr algn="ctr" latinLnBrk="1"/>
-                      <a:r>
-                        <a:rPr lang="en-US" altLang="ko-KR" sz="1600" dirty="0" smtClean="0"/>
-                        <a:t>AVG</a:t>
-                      </a:r>
-                      <a:endParaRPr lang="ko-KR" altLang="en-US" sz="1600" dirty="0"/>
-                    </a:p>
-                  </a:txBody>
-                  <a:tcPr anchor="ctr"/>
-                </a:tc>
-                <a:tc>
-                  <a:txBody>
-                    <a:bodyPr/>
-                    <a:lstStyle/>
-                    <a:p>
-                      <a:pPr algn="l" latinLnBrk="1"/>
-                      <a:r>
-                        <a:rPr lang="en-US" altLang="ko-KR" sz="1600" dirty="0" smtClean="0"/>
-                        <a:t>AVG(salary)</a:t>
-                      </a:r>
-                      <a:endParaRPr lang="ko-KR" altLang="en-US" sz="1600" dirty="0"/>
-                    </a:p>
-                  </a:txBody>
-                  <a:tcPr anchor="ctr"/>
-                </a:tc>
-                <a:extLst>
-                  <a:ext uri="{0D108BD9-81ED-4DB2-BD59-A6C34878D82A}">
-                    <a16:rowId xmlns:a16="http://schemas.microsoft.com/office/drawing/2014/main" val="10003"/>
-                  </a:ext>
-                </a:extLst>
-              </a:tr>
-            </a:tbl>
-          </a:graphicData>
-        </a:graphic>
-      </p:graphicFrame>
       <p:pic>
         <p:nvPicPr>
-          <p:cNvPr id="3" name="그림 2"/>
+          <p:cNvPr id="8" name="그림 7"/>
           <p:cNvPicPr>
             <a:picLocks noChangeAspect="1"/>
           </p:cNvPicPr>
@@ -8677,8 +8254,8 @@
         </p:blipFill>
         <p:spPr>
           <a:xfrm>
-            <a:off x="1619672" y="4437112"/>
-            <a:ext cx="3399465" cy="1458192"/>
+            <a:off x="949278" y="4215554"/>
+            <a:ext cx="6162934" cy="1129871"/>
           </a:xfrm>
           <a:prstGeom prst="rect">
             <a:avLst/>
@@ -8694,7 +8271,7 @@
       </p:pic>
       <p:pic>
         <p:nvPicPr>
-          <p:cNvPr id="7" name="그림 6"/>
+          <p:cNvPr id="5" name="그림 4"/>
           <p:cNvPicPr>
             <a:picLocks noChangeAspect="1"/>
           </p:cNvPicPr>
@@ -8714,18 +8291,62 @@
         </p:blipFill>
         <p:spPr>
           <a:xfrm>
-            <a:off x="5508103" y="4869160"/>
-            <a:ext cx="1221007" cy="432048"/>
+            <a:off x="4324282" y="5538853"/>
+            <a:ext cx="2834886" cy="495343"/>
           </a:xfrm>
           <a:prstGeom prst="rect">
             <a:avLst/>
           </a:prstGeom>
+          <a:ln>
+            <a:solidFill>
+              <a:schemeClr val="bg1">
+                <a:lumMod val="85000"/>
+              </a:schemeClr>
+            </a:solidFill>
+          </a:ln>
+        </p:spPr>
+      </p:pic>
+      <p:pic>
+        <p:nvPicPr>
+          <p:cNvPr id="6" name="그림 5"/>
+          <p:cNvPicPr>
+            <a:picLocks noChangeAspect="1"/>
+          </p:cNvPicPr>
+          <p:nvPr/>
+        </p:nvPicPr>
+        <p:blipFill>
+          <a:blip r:embed="rId4">
+            <a:extLst>
+              <a:ext uri="{28A0092B-C50C-407E-A947-70E740481C1C}">
+                <a14:useLocalDpi xmlns:a14="http://schemas.microsoft.com/office/drawing/2010/main" val="0"/>
+              </a:ext>
+            </a:extLst>
+          </a:blip>
+          <a:stretch>
+            <a:fillRect/>
+          </a:stretch>
+        </p:blipFill>
+        <p:spPr>
+          <a:xfrm>
+            <a:off x="946641" y="1358705"/>
+            <a:ext cx="4381880" cy="2415749"/>
+          </a:xfrm>
+          <a:prstGeom prst="rect">
+            <a:avLst/>
+          </a:prstGeom>
+          <a:ln>
+            <a:solidFill>
+              <a:schemeClr val="bg1">
+                <a:lumMod val="85000"/>
+              </a:schemeClr>
+            </a:solidFill>
+          </a:ln>
         </p:spPr>
       </p:pic>
     </p:spTree>
     <p:extLst>
       <p:ext uri="{BB962C8B-B14F-4D97-AF65-F5344CB8AC3E}">
-        <p14:creationId xmlns:p14="http://schemas.microsoft.com/office/powerpoint/2010/main" val="2358011673"/>
+        <p14:creationId xmlns:p14="http://schemas.microsoft.com/office/powerpoint/2010/main" val="3465345748"/>
       </p:ext>
     </p:extLst>
   </p:cSld>
@@ -8761,6 +8382,43 @@
       </p:grpSpPr>
       <p:sp>
         <p:nvSpPr>
+          <p:cNvPr id="2" name="제목 1"/>
+          <p:cNvSpPr>
+            <a:spLocks noGrp="1"/>
+          </p:cNvSpPr>
+          <p:nvPr>
+            <p:ph type="title"/>
+          </p:nvPr>
+        </p:nvSpPr>
+        <p:spPr/>
+        <p:txBody>
+          <a:bodyPr>
+            <a:normAutofit/>
+          </a:bodyPr>
+          <a:lstStyle/>
+          <a:p>
+            <a:r>
+              <a:rPr lang="en-US" altLang="ko-KR" sz="2800" dirty="0" smtClean="0"/>
+              <a:t>  </a:t>
+            </a:r>
+            <a:r>
+              <a:rPr lang="ko-KR" altLang="en-US" sz="2800" b="1" dirty="0" smtClean="0"/>
+              <a:t>일반 함수 </a:t>
+            </a:r>
+            <a:r>
+              <a:rPr lang="en-US" altLang="ko-KR" sz="2800" b="1" dirty="0" smtClean="0"/>
+              <a:t>– NVL() </a:t>
+            </a:r>
+            <a:r>
+              <a:rPr lang="ko-KR" altLang="en-US" sz="2800" b="1" dirty="0" smtClean="0"/>
+              <a:t>함수</a:t>
+            </a:r>
+            <a:endParaRPr lang="ko-KR" altLang="en-US" sz="2800" b="1" dirty="0"/>
+          </a:p>
+        </p:txBody>
+      </p:sp>
+      <p:sp>
+        <p:nvSpPr>
           <p:cNvPr id="4" name="슬라이드 번호 개체 틀 3"/>
           <p:cNvSpPr>
             <a:spLocks noGrp="1"/>
@@ -8777,6 +8435,2971 @@
             <a:fld id="{1BDE3FE7-3AEA-4B05-AC5A-802D1816ACF0}" type="slidenum">
               <a:rPr lang="ko-KR" altLang="en-US" smtClean="0"/>
               <a:t>18</a:t>
+            </a:fld>
+            <a:endParaRPr lang="ko-KR" altLang="en-US"/>
+          </a:p>
+        </p:txBody>
+      </p:sp>
+      <p:sp>
+        <p:nvSpPr>
+          <p:cNvPr id="3" name="TextBox 2"/>
+          <p:cNvSpPr txBox="1"/>
+          <p:nvPr/>
+        </p:nvSpPr>
+        <p:spPr>
+          <a:xfrm>
+            <a:off x="827584" y="1052736"/>
+            <a:ext cx="3816424" cy="400110"/>
+          </a:xfrm>
+          <a:prstGeom prst="rect">
+            <a:avLst/>
+          </a:prstGeom>
+          <a:noFill/>
+        </p:spPr>
+        <p:txBody>
+          <a:bodyPr wrap="square" rtlCol="0">
+            <a:spAutoFit/>
+          </a:bodyPr>
+          <a:lstStyle/>
+          <a:p>
+            <a:r>
+              <a:rPr lang="en-US" altLang="ko-KR" sz="2000" b="1" dirty="0" smtClean="0"/>
+              <a:t>NVL </a:t>
+            </a:r>
+            <a:r>
+              <a:rPr lang="ko-KR" altLang="en-US" sz="2000" b="1" dirty="0" smtClean="0"/>
+              <a:t>함수 </a:t>
+            </a:r>
+            <a:r>
+              <a:rPr lang="en-US" altLang="ko-KR" sz="2000" b="1" dirty="0" smtClean="0"/>
+              <a:t>– NULL </a:t>
+            </a:r>
+            <a:r>
+              <a:rPr lang="ko-KR" altLang="en-US" sz="2000" b="1" dirty="0" smtClean="0"/>
+              <a:t>값 처리하기</a:t>
+            </a:r>
+            <a:endParaRPr lang="ko-KR" altLang="en-US" sz="2000" b="1" dirty="0"/>
+          </a:p>
+        </p:txBody>
+      </p:sp>
+      <p:sp>
+        <p:nvSpPr>
+          <p:cNvPr id="9" name="TextBox 8"/>
+          <p:cNvSpPr txBox="1"/>
+          <p:nvPr/>
+        </p:nvSpPr>
+        <p:spPr>
+          <a:xfrm>
+            <a:off x="795332" y="1484784"/>
+            <a:ext cx="7881124" cy="1569660"/>
+          </a:xfrm>
+          <a:prstGeom prst="rect">
+            <a:avLst/>
+          </a:prstGeom>
+          <a:noFill/>
+        </p:spPr>
+        <p:txBody>
+          <a:bodyPr wrap="square" rtlCol="0">
+            <a:spAutoFit/>
+          </a:bodyPr>
+          <a:lstStyle/>
+          <a:p>
+            <a:pPr>
+              <a:lnSpc>
+                <a:spcPct val="150000"/>
+              </a:lnSpc>
+            </a:pPr>
+            <a:r>
+              <a:rPr lang="en-US" altLang="ko-KR" sz="1600" dirty="0"/>
+              <a:t>NULL</a:t>
+            </a:r>
+            <a:r>
+              <a:rPr lang="ko-KR" altLang="en-US" sz="1600" dirty="0"/>
+              <a:t>값이란 아직 지정되지 않은 값을 말한다</a:t>
+            </a:r>
+            <a:r>
+              <a:rPr lang="en-US" altLang="ko-KR" sz="1600" dirty="0"/>
+              <a:t>. </a:t>
+            </a:r>
+            <a:r>
+              <a:rPr lang="ko-KR" altLang="en-US" sz="1600" dirty="0" smtClean="0"/>
+              <a:t>지정되지 </a:t>
+            </a:r>
+            <a:r>
+              <a:rPr lang="ko-KR" altLang="en-US" sz="1600" dirty="0"/>
+              <a:t>않았다는 것은 값을 </a:t>
+            </a:r>
+            <a:r>
+              <a:rPr lang="ko-KR" altLang="en-US" sz="1600" dirty="0" err="1"/>
+              <a:t>알수도</a:t>
+            </a:r>
+            <a:r>
+              <a:rPr lang="ko-KR" altLang="en-US" sz="1600" dirty="0"/>
+              <a:t> 없고 적용할 수도 없다는 뜻이다</a:t>
+            </a:r>
+            <a:r>
+              <a:rPr lang="en-US" altLang="ko-KR" sz="1600" dirty="0" smtClean="0"/>
+              <a:t>.</a:t>
+            </a:r>
+          </a:p>
+          <a:p>
+            <a:pPr>
+              <a:lnSpc>
+                <a:spcPct val="150000"/>
+              </a:lnSpc>
+            </a:pPr>
+            <a:r>
+              <a:rPr lang="ko-KR" altLang="en-US" sz="1600" dirty="0" smtClean="0"/>
+              <a:t>특정 열의 행에 대한 데이터 값이 없다면 데이터 값은 </a:t>
+            </a:r>
+            <a:r>
+              <a:rPr lang="en-US" altLang="ko-KR" sz="1600" dirty="0" smtClean="0"/>
+              <a:t>null</a:t>
+            </a:r>
+            <a:r>
+              <a:rPr lang="ko-KR" altLang="en-US" sz="1600" dirty="0" smtClean="0"/>
+              <a:t>이 된다</a:t>
+            </a:r>
+            <a:r>
+              <a:rPr lang="en-US" altLang="ko-KR" sz="1600" dirty="0" smtClean="0"/>
+              <a:t>. </a:t>
+            </a:r>
+            <a:r>
+              <a:rPr lang="ko-KR" altLang="en-US" sz="1600" dirty="0" smtClean="0"/>
+              <a:t>테이블을 정의할 때 </a:t>
+            </a:r>
+            <a:r>
+              <a:rPr lang="en-US" altLang="ko-KR" sz="1600" dirty="0" smtClean="0"/>
+              <a:t>NOT NULL</a:t>
+            </a:r>
+            <a:r>
+              <a:rPr lang="ko-KR" altLang="en-US" sz="1600" dirty="0" smtClean="0"/>
+              <a:t>을 지정하면 </a:t>
+            </a:r>
+            <a:r>
+              <a:rPr lang="en-US" altLang="ko-KR" sz="1600" dirty="0" smtClean="0"/>
+              <a:t>null </a:t>
+            </a:r>
+            <a:r>
+              <a:rPr lang="ko-KR" altLang="en-US" sz="1600" dirty="0" smtClean="0"/>
+              <a:t>값을 가질 수 없다</a:t>
+            </a:r>
+            <a:r>
+              <a:rPr lang="en-US" altLang="ko-KR" sz="1600" dirty="0" smtClean="0"/>
+              <a:t>.</a:t>
+            </a:r>
+          </a:p>
+        </p:txBody>
+      </p:sp>
+      <p:sp>
+        <p:nvSpPr>
+          <p:cNvPr id="10" name="내용 개체 틀 2"/>
+          <p:cNvSpPr txBox="1">
+            <a:spLocks/>
+          </p:cNvSpPr>
+          <p:nvPr/>
+        </p:nvSpPr>
+        <p:spPr>
+          <a:xfrm>
+            <a:off x="861616" y="3462099"/>
+            <a:ext cx="2736304" cy="507452"/>
+          </a:xfrm>
+          <a:prstGeom prst="rect">
+            <a:avLst/>
+          </a:prstGeom>
+          <a:solidFill>
+            <a:schemeClr val="accent5">
+              <a:lumMod val="20000"/>
+              <a:lumOff val="80000"/>
+            </a:schemeClr>
+          </a:solidFill>
+        </p:spPr>
+        <p:txBody>
+          <a:bodyPr vert="horz" lIns="91440" tIns="45720" rIns="91440" bIns="45720" rtlCol="0">
+            <a:normAutofit/>
+          </a:bodyPr>
+          <a:lstStyle>
+            <a:lvl1pPr marL="342900" indent="-342900" algn="l" defTabSz="914400" rtl="0" eaLnBrk="1" latinLnBrk="1" hangingPunct="1">
+              <a:spcBef>
+                <a:spcPct val="20000"/>
+              </a:spcBef>
+              <a:buFont typeface="Arial" panose="020B0604020202020204" pitchFamily="34" charset="0"/>
+              <a:buChar char="•"/>
+              <a:defRPr sz="3200" kern="1200">
+                <a:solidFill>
+                  <a:schemeClr val="tx1"/>
+                </a:solidFill>
+                <a:latin typeface="+mn-lt"/>
+                <a:ea typeface="+mn-ea"/>
+                <a:cs typeface="+mn-cs"/>
+              </a:defRPr>
+            </a:lvl1pPr>
+            <a:lvl2pPr marL="742950" indent="-285750" algn="l" defTabSz="914400" rtl="0" eaLnBrk="1" latinLnBrk="1" hangingPunct="1">
+              <a:spcBef>
+                <a:spcPct val="20000"/>
+              </a:spcBef>
+              <a:buFont typeface="Arial" panose="020B0604020202020204" pitchFamily="34" charset="0"/>
+              <a:buChar char="–"/>
+              <a:defRPr sz="2800" kern="1200">
+                <a:solidFill>
+                  <a:schemeClr val="tx1"/>
+                </a:solidFill>
+                <a:latin typeface="+mn-lt"/>
+                <a:ea typeface="+mn-ea"/>
+                <a:cs typeface="+mn-cs"/>
+              </a:defRPr>
+            </a:lvl2pPr>
+            <a:lvl3pPr marL="1143000" indent="-228600" algn="l" defTabSz="914400" rtl="0" eaLnBrk="1" latinLnBrk="1" hangingPunct="1">
+              <a:spcBef>
+                <a:spcPct val="20000"/>
+              </a:spcBef>
+              <a:buFont typeface="Arial" panose="020B0604020202020204" pitchFamily="34" charset="0"/>
+              <a:buChar char="•"/>
+              <a:defRPr sz="2400" kern="1200">
+                <a:solidFill>
+                  <a:schemeClr val="tx1"/>
+                </a:solidFill>
+                <a:latin typeface="+mn-lt"/>
+                <a:ea typeface="+mn-ea"/>
+                <a:cs typeface="+mn-cs"/>
+              </a:defRPr>
+            </a:lvl3pPr>
+            <a:lvl4pPr marL="1600200" indent="-228600" algn="l" defTabSz="914400" rtl="0" eaLnBrk="1" latinLnBrk="1" hangingPunct="1">
+              <a:spcBef>
+                <a:spcPct val="20000"/>
+              </a:spcBef>
+              <a:buFont typeface="Arial" panose="020B0604020202020204" pitchFamily="34" charset="0"/>
+              <a:buChar char="–"/>
+              <a:defRPr sz="2000" kern="1200">
+                <a:solidFill>
+                  <a:schemeClr val="tx1"/>
+                </a:solidFill>
+                <a:latin typeface="+mn-lt"/>
+                <a:ea typeface="+mn-ea"/>
+                <a:cs typeface="+mn-cs"/>
+              </a:defRPr>
+            </a:lvl4pPr>
+            <a:lvl5pPr marL="2057400" indent="-228600" algn="l" defTabSz="914400" rtl="0" eaLnBrk="1" latinLnBrk="1" hangingPunct="1">
+              <a:spcBef>
+                <a:spcPct val="20000"/>
+              </a:spcBef>
+              <a:buFont typeface="Arial" panose="020B0604020202020204" pitchFamily="34" charset="0"/>
+              <a:buChar char="»"/>
+              <a:defRPr sz="2000" kern="1200">
+                <a:solidFill>
+                  <a:schemeClr val="tx1"/>
+                </a:solidFill>
+                <a:latin typeface="+mn-lt"/>
+                <a:ea typeface="+mn-ea"/>
+                <a:cs typeface="+mn-cs"/>
+              </a:defRPr>
+            </a:lvl5pPr>
+            <a:lvl6pPr marL="2514600" indent="-228600" algn="l" defTabSz="914400" rtl="0" eaLnBrk="1" latinLnBrk="1" hangingPunct="1">
+              <a:spcBef>
+                <a:spcPct val="20000"/>
+              </a:spcBef>
+              <a:buFont typeface="Arial" panose="020B0604020202020204" pitchFamily="34" charset="0"/>
+              <a:buChar char="•"/>
+              <a:defRPr sz="2000" kern="1200">
+                <a:solidFill>
+                  <a:schemeClr val="tx1"/>
+                </a:solidFill>
+                <a:latin typeface="+mn-lt"/>
+                <a:ea typeface="+mn-ea"/>
+                <a:cs typeface="+mn-cs"/>
+              </a:defRPr>
+            </a:lvl6pPr>
+            <a:lvl7pPr marL="2971800" indent="-228600" algn="l" defTabSz="914400" rtl="0" eaLnBrk="1" latinLnBrk="1" hangingPunct="1">
+              <a:spcBef>
+                <a:spcPct val="20000"/>
+              </a:spcBef>
+              <a:buFont typeface="Arial" panose="020B0604020202020204" pitchFamily="34" charset="0"/>
+              <a:buChar char="•"/>
+              <a:defRPr sz="2000" kern="1200">
+                <a:solidFill>
+                  <a:schemeClr val="tx1"/>
+                </a:solidFill>
+                <a:latin typeface="+mn-lt"/>
+                <a:ea typeface="+mn-ea"/>
+                <a:cs typeface="+mn-cs"/>
+              </a:defRPr>
+            </a:lvl7pPr>
+            <a:lvl8pPr marL="3429000" indent="-228600" algn="l" defTabSz="914400" rtl="0" eaLnBrk="1" latinLnBrk="1" hangingPunct="1">
+              <a:spcBef>
+                <a:spcPct val="20000"/>
+              </a:spcBef>
+              <a:buFont typeface="Arial" panose="020B0604020202020204" pitchFamily="34" charset="0"/>
+              <a:buChar char="•"/>
+              <a:defRPr sz="2000" kern="1200">
+                <a:solidFill>
+                  <a:schemeClr val="tx1"/>
+                </a:solidFill>
+                <a:latin typeface="+mn-lt"/>
+                <a:ea typeface="+mn-ea"/>
+                <a:cs typeface="+mn-cs"/>
+              </a:defRPr>
+            </a:lvl8pPr>
+            <a:lvl9pPr marL="3886200" indent="-228600" algn="l" defTabSz="914400" rtl="0" eaLnBrk="1" latinLnBrk="1" hangingPunct="1">
+              <a:spcBef>
+                <a:spcPct val="20000"/>
+              </a:spcBef>
+              <a:buFont typeface="Arial" panose="020B0604020202020204" pitchFamily="34" charset="0"/>
+              <a:buChar char="•"/>
+              <a:defRPr sz="2000" kern="1200">
+                <a:solidFill>
+                  <a:schemeClr val="tx1"/>
+                </a:solidFill>
+                <a:latin typeface="+mn-lt"/>
+                <a:ea typeface="+mn-ea"/>
+                <a:cs typeface="+mn-cs"/>
+              </a:defRPr>
+            </a:lvl9pPr>
+          </a:lstStyle>
+          <a:p>
+            <a:pPr marL="0" indent="0">
+              <a:lnSpc>
+                <a:spcPct val="150000"/>
+              </a:lnSpc>
+              <a:buFont typeface="Arial" panose="020B0604020202020204" pitchFamily="34" charset="0"/>
+              <a:buNone/>
+            </a:pPr>
+            <a:r>
+              <a:rPr lang="en-US" altLang="ko-KR" sz="1800" b="1" dirty="0" smtClean="0"/>
+              <a:t>NVL (</a:t>
+            </a:r>
+            <a:r>
+              <a:rPr lang="ko-KR" altLang="en-US" sz="1800" b="1" dirty="0" smtClean="0"/>
+              <a:t>인수</a:t>
+            </a:r>
+            <a:r>
+              <a:rPr lang="en-US" altLang="ko-KR" sz="1800" b="1" dirty="0" smtClean="0"/>
+              <a:t>1, </a:t>
+            </a:r>
+            <a:r>
+              <a:rPr lang="ko-KR" altLang="en-US" sz="1800" b="1" dirty="0" smtClean="0"/>
+              <a:t>인수</a:t>
+            </a:r>
+            <a:r>
+              <a:rPr lang="en-US" altLang="ko-KR" sz="1800" b="1" dirty="0" smtClean="0"/>
+              <a:t>2)</a:t>
+            </a:r>
+          </a:p>
+        </p:txBody>
+      </p:sp>
+      <p:sp>
+        <p:nvSpPr>
+          <p:cNvPr id="11" name="TextBox 10"/>
+          <p:cNvSpPr txBox="1"/>
+          <p:nvPr/>
+        </p:nvSpPr>
+        <p:spPr>
+          <a:xfrm>
+            <a:off x="795332" y="4110171"/>
+            <a:ext cx="7881124" cy="830997"/>
+          </a:xfrm>
+          <a:prstGeom prst="rect">
+            <a:avLst/>
+          </a:prstGeom>
+          <a:noFill/>
+        </p:spPr>
+        <p:txBody>
+          <a:bodyPr wrap="square" rtlCol="0">
+            <a:spAutoFit/>
+          </a:bodyPr>
+          <a:lstStyle/>
+          <a:p>
+            <a:pPr>
+              <a:lnSpc>
+                <a:spcPct val="150000"/>
+              </a:lnSpc>
+            </a:pPr>
+            <a:r>
+              <a:rPr lang="ko-KR" altLang="en-US" sz="1600" dirty="0" smtClean="0"/>
+              <a:t>인수</a:t>
+            </a:r>
+            <a:r>
+              <a:rPr lang="en-US" altLang="ko-KR" sz="1600" dirty="0" smtClean="0"/>
+              <a:t>1</a:t>
+            </a:r>
+            <a:r>
+              <a:rPr lang="ko-KR" altLang="en-US" sz="1600" dirty="0" smtClean="0"/>
+              <a:t>의 값이 </a:t>
+            </a:r>
+            <a:r>
+              <a:rPr lang="en-US" altLang="ko-KR" sz="1600" dirty="0" smtClean="0"/>
+              <a:t>NULL</a:t>
+            </a:r>
+            <a:r>
+              <a:rPr lang="ko-KR" altLang="en-US" sz="1600" dirty="0" smtClean="0"/>
+              <a:t>일 경우 인수</a:t>
+            </a:r>
+            <a:r>
+              <a:rPr lang="en-US" altLang="ko-KR" sz="1600" dirty="0" smtClean="0"/>
+              <a:t>2</a:t>
+            </a:r>
+            <a:r>
+              <a:rPr lang="ko-KR" altLang="en-US" sz="1600" dirty="0" smtClean="0"/>
+              <a:t>를 반환하고 </a:t>
+            </a:r>
+            <a:r>
+              <a:rPr lang="en-US" altLang="ko-KR" sz="1600" dirty="0" smtClean="0"/>
+              <a:t>NULL</a:t>
+            </a:r>
+            <a:r>
+              <a:rPr lang="ko-KR" altLang="en-US" sz="1600" dirty="0" smtClean="0"/>
+              <a:t>이 아닌 경우 인수</a:t>
+            </a:r>
+            <a:r>
+              <a:rPr lang="en-US" altLang="ko-KR" sz="1600" dirty="0" smtClean="0"/>
+              <a:t>1</a:t>
+            </a:r>
+            <a:r>
+              <a:rPr lang="ko-KR" altLang="en-US" sz="1600" dirty="0" smtClean="0"/>
+              <a:t>을 반환해 주는 함수</a:t>
+            </a:r>
+            <a:endParaRPr lang="en-US" altLang="ko-KR" sz="1600" dirty="0" smtClean="0"/>
+          </a:p>
+        </p:txBody>
+      </p:sp>
+    </p:spTree>
+    <p:extLst>
+      <p:ext uri="{BB962C8B-B14F-4D97-AF65-F5344CB8AC3E}">
+        <p14:creationId xmlns:p14="http://schemas.microsoft.com/office/powerpoint/2010/main" val="1571068545"/>
+      </p:ext>
+    </p:extLst>
+  </p:cSld>
+  <p:clrMapOvr>
+    <a:masterClrMapping/>
+  </p:clrMapOvr>
+  <p:timing>
+    <p:tnLst>
+      <p:par>
+        <p:cTn id="1" dur="indefinite" restart="never" nodeType="tmRoot"/>
+      </p:par>
+    </p:tnLst>
+  </p:timing>
+</p:sld>
+</file>
+
+<file path=ppt/slides/slide19.xml><?xml version="1.0" encoding="utf-8"?>
+<p:sld xmlns:a="http://schemas.openxmlformats.org/drawingml/2006/main" xmlns:r="http://schemas.openxmlformats.org/officeDocument/2006/relationships" xmlns:p="http://schemas.openxmlformats.org/presentationml/2006/main">
+  <p:cSld>
+    <p:spTree>
+      <p:nvGrpSpPr>
+        <p:cNvPr id="1" name=""/>
+        <p:cNvGrpSpPr/>
+        <p:nvPr/>
+      </p:nvGrpSpPr>
+      <p:grpSpPr>
+        <a:xfrm>
+          <a:off x="0" y="0"/>
+          <a:ext cx="0" cy="0"/>
+          <a:chOff x="0" y="0"/>
+          <a:chExt cx="0" cy="0"/>
+        </a:xfrm>
+      </p:grpSpPr>
+      <p:sp>
+        <p:nvSpPr>
+          <p:cNvPr id="4" name="슬라이드 번호 개체 틀 3"/>
+          <p:cNvSpPr>
+            <a:spLocks noGrp="1"/>
+          </p:cNvSpPr>
+          <p:nvPr>
+            <p:ph type="sldNum" sz="quarter" idx="12"/>
+          </p:nvPr>
+        </p:nvSpPr>
+        <p:spPr/>
+        <p:txBody>
+          <a:bodyPr/>
+          <a:lstStyle/>
+          <a:p>
+            <a:fld id="{1BDE3FE7-3AEA-4B05-AC5A-802D1816ACF0}" type="slidenum">
+              <a:rPr lang="ko-KR" altLang="en-US" smtClean="0"/>
+              <a:t>19</a:t>
+            </a:fld>
+            <a:endParaRPr lang="ko-KR" altLang="en-US"/>
+          </a:p>
+        </p:txBody>
+      </p:sp>
+      <p:sp>
+        <p:nvSpPr>
+          <p:cNvPr id="3" name="TextBox 2"/>
+          <p:cNvSpPr txBox="1"/>
+          <p:nvPr/>
+        </p:nvSpPr>
+        <p:spPr>
+          <a:xfrm>
+            <a:off x="827584" y="1052736"/>
+            <a:ext cx="3816424" cy="400110"/>
+          </a:xfrm>
+          <a:prstGeom prst="rect">
+            <a:avLst/>
+          </a:prstGeom>
+          <a:noFill/>
+        </p:spPr>
+        <p:txBody>
+          <a:bodyPr wrap="square" rtlCol="0">
+            <a:spAutoFit/>
+          </a:bodyPr>
+          <a:lstStyle/>
+          <a:p>
+            <a:r>
+              <a:rPr lang="en-US" altLang="ko-KR" sz="2000" b="1" dirty="0" smtClean="0"/>
+              <a:t>NVL </a:t>
+            </a:r>
+            <a:r>
+              <a:rPr lang="ko-KR" altLang="en-US" sz="2000" b="1" dirty="0" smtClean="0"/>
+              <a:t>함수 </a:t>
+            </a:r>
+            <a:r>
+              <a:rPr lang="en-US" altLang="ko-KR" sz="2000" b="1" dirty="0" smtClean="0"/>
+              <a:t>– NULL </a:t>
+            </a:r>
+            <a:r>
+              <a:rPr lang="ko-KR" altLang="en-US" sz="2000" b="1" dirty="0" smtClean="0"/>
+              <a:t>값 처리하기</a:t>
+            </a:r>
+            <a:endParaRPr lang="ko-KR" altLang="en-US" sz="2000" b="1" dirty="0"/>
+          </a:p>
+        </p:txBody>
+      </p:sp>
+      <p:sp>
+        <p:nvSpPr>
+          <p:cNvPr id="10" name="제목 1"/>
+          <p:cNvSpPr>
+            <a:spLocks noGrp="1"/>
+          </p:cNvSpPr>
+          <p:nvPr>
+            <p:ph type="title"/>
+          </p:nvPr>
+        </p:nvSpPr>
+        <p:spPr>
+          <a:xfrm>
+            <a:off x="1" y="-18256"/>
+            <a:ext cx="5724128" cy="854968"/>
+          </a:xfrm>
+        </p:spPr>
+        <p:txBody>
+          <a:bodyPr>
+            <a:normAutofit/>
+          </a:bodyPr>
+          <a:lstStyle/>
+          <a:p>
+            <a:r>
+              <a:rPr lang="en-US" altLang="ko-KR" sz="2800" dirty="0" smtClean="0"/>
+              <a:t>  </a:t>
+            </a:r>
+            <a:r>
+              <a:rPr lang="ko-KR" altLang="en-US" sz="2800" b="1" dirty="0" smtClean="0"/>
+              <a:t>일반 함수 </a:t>
+            </a:r>
+            <a:r>
+              <a:rPr lang="en-US" altLang="ko-KR" sz="2800" b="1" dirty="0" smtClean="0"/>
+              <a:t>– NVL() </a:t>
+            </a:r>
+            <a:r>
+              <a:rPr lang="ko-KR" altLang="en-US" sz="2800" b="1" dirty="0" smtClean="0"/>
+              <a:t>함수</a:t>
+            </a:r>
+            <a:endParaRPr lang="ko-KR" altLang="en-US" sz="2800" b="1" dirty="0"/>
+          </a:p>
+        </p:txBody>
+      </p:sp>
+      <p:pic>
+        <p:nvPicPr>
+          <p:cNvPr id="2" name="그림 1"/>
+          <p:cNvPicPr>
+            <a:picLocks noChangeAspect="1"/>
+          </p:cNvPicPr>
+          <p:nvPr/>
+        </p:nvPicPr>
+        <p:blipFill>
+          <a:blip r:embed="rId2">
+            <a:extLst>
+              <a:ext uri="{28A0092B-C50C-407E-A947-70E740481C1C}">
+                <a14:useLocalDpi xmlns:a14="http://schemas.microsoft.com/office/drawing/2010/main" val="0"/>
+              </a:ext>
+            </a:extLst>
+          </a:blip>
+          <a:stretch>
+            <a:fillRect/>
+          </a:stretch>
+        </p:blipFill>
+        <p:spPr>
+          <a:xfrm>
+            <a:off x="1331640" y="1772816"/>
+            <a:ext cx="4346354" cy="4104456"/>
+          </a:xfrm>
+          <a:prstGeom prst="rect">
+            <a:avLst/>
+          </a:prstGeom>
+          <a:ln>
+            <a:solidFill>
+              <a:schemeClr val="bg1">
+                <a:lumMod val="85000"/>
+              </a:schemeClr>
+            </a:solidFill>
+          </a:ln>
+        </p:spPr>
+      </p:pic>
+    </p:spTree>
+    <p:extLst>
+      <p:ext uri="{BB962C8B-B14F-4D97-AF65-F5344CB8AC3E}">
+        <p14:creationId xmlns:p14="http://schemas.microsoft.com/office/powerpoint/2010/main" val="3213251629"/>
+      </p:ext>
+    </p:extLst>
+  </p:cSld>
+  <p:clrMapOvr>
+    <a:masterClrMapping/>
+  </p:clrMapOvr>
+  <p:timing>
+    <p:tnLst>
+      <p:par>
+        <p:cTn id="1" dur="indefinite" restart="never" nodeType="tmRoot"/>
+      </p:par>
+    </p:tnLst>
+  </p:timing>
+</p:sld>
+</file>
+
+<file path=ppt/slides/slide2.xml><?xml version="1.0" encoding="utf-8"?>
+<p:sld xmlns:a="http://schemas.openxmlformats.org/drawingml/2006/main" xmlns:r="http://schemas.openxmlformats.org/officeDocument/2006/relationships" xmlns:p="http://schemas.openxmlformats.org/presentationml/2006/main">
+  <p:cSld>
+    <p:spTree>
+      <p:nvGrpSpPr>
+        <p:cNvPr id="1" name=""/>
+        <p:cNvGrpSpPr/>
+        <p:nvPr/>
+      </p:nvGrpSpPr>
+      <p:grpSpPr>
+        <a:xfrm>
+          <a:off x="0" y="0"/>
+          <a:ext cx="0" cy="0"/>
+          <a:chOff x="0" y="0"/>
+          <a:chExt cx="0" cy="0"/>
+        </a:xfrm>
+      </p:grpSpPr>
+      <p:sp>
+        <p:nvSpPr>
+          <p:cNvPr id="2" name="제목 1"/>
+          <p:cNvSpPr>
+            <a:spLocks noGrp="1"/>
+          </p:cNvSpPr>
+          <p:nvPr>
+            <p:ph type="title"/>
+          </p:nvPr>
+        </p:nvSpPr>
+        <p:spPr/>
+        <p:txBody>
+          <a:bodyPr/>
+          <a:lstStyle/>
+          <a:p>
+            <a:r>
+              <a:rPr lang="en-US" altLang="ko-KR" dirty="0" smtClean="0"/>
+              <a:t>  SQL </a:t>
+            </a:r>
+            <a:r>
+              <a:rPr lang="ko-KR" altLang="en-US" dirty="0" smtClean="0"/>
+              <a:t>내장 함수</a:t>
+            </a:r>
+            <a:endParaRPr lang="ko-KR" altLang="en-US" dirty="0"/>
+          </a:p>
+        </p:txBody>
+      </p:sp>
+      <p:sp>
+        <p:nvSpPr>
+          <p:cNvPr id="4" name="슬라이드 번호 개체 틀 3"/>
+          <p:cNvSpPr>
+            <a:spLocks noGrp="1"/>
+          </p:cNvSpPr>
+          <p:nvPr>
+            <p:ph type="sldNum" sz="quarter" idx="12"/>
+          </p:nvPr>
+        </p:nvSpPr>
+        <p:spPr/>
+        <p:txBody>
+          <a:bodyPr/>
+          <a:lstStyle/>
+          <a:p>
+            <a:fld id="{1BDE3FE7-3AEA-4B05-AC5A-802D1816ACF0}" type="slidenum">
+              <a:rPr lang="ko-KR" altLang="en-US" smtClean="0"/>
+              <a:t>2</a:t>
+            </a:fld>
+            <a:endParaRPr lang="ko-KR" altLang="en-US"/>
+          </a:p>
+        </p:txBody>
+      </p:sp>
+      <p:sp>
+        <p:nvSpPr>
+          <p:cNvPr id="12" name="내용 개체 틀 2"/>
+          <p:cNvSpPr txBox="1">
+            <a:spLocks/>
+          </p:cNvSpPr>
+          <p:nvPr/>
+        </p:nvSpPr>
+        <p:spPr>
+          <a:xfrm>
+            <a:off x="467544" y="1052736"/>
+            <a:ext cx="2160240" cy="504056"/>
+          </a:xfrm>
+          <a:prstGeom prst="rect">
+            <a:avLst/>
+          </a:prstGeom>
+        </p:spPr>
+        <p:txBody>
+          <a:bodyPr vert="horz" lIns="91440" tIns="45720" rIns="91440" bIns="45720" rtlCol="0">
+            <a:noAutofit/>
+          </a:bodyPr>
+          <a:lstStyle>
+            <a:lvl1pPr marL="342900" indent="-342900" algn="l" defTabSz="914400" rtl="0" eaLnBrk="1" latinLnBrk="1" hangingPunct="1">
+              <a:spcBef>
+                <a:spcPct val="20000"/>
+              </a:spcBef>
+              <a:buFont typeface="Arial" panose="020B0604020202020204" pitchFamily="34" charset="0"/>
+              <a:buChar char="•"/>
+              <a:defRPr sz="3200" kern="1200">
+                <a:solidFill>
+                  <a:schemeClr val="tx1"/>
+                </a:solidFill>
+                <a:latin typeface="+mn-lt"/>
+                <a:ea typeface="+mn-ea"/>
+                <a:cs typeface="+mn-cs"/>
+              </a:defRPr>
+            </a:lvl1pPr>
+            <a:lvl2pPr marL="742950" indent="-285750" algn="l" defTabSz="914400" rtl="0" eaLnBrk="1" latinLnBrk="1" hangingPunct="1">
+              <a:spcBef>
+                <a:spcPct val="20000"/>
+              </a:spcBef>
+              <a:buFont typeface="Arial" panose="020B0604020202020204" pitchFamily="34" charset="0"/>
+              <a:buChar char="–"/>
+              <a:defRPr sz="2800" kern="1200">
+                <a:solidFill>
+                  <a:schemeClr val="tx1"/>
+                </a:solidFill>
+                <a:latin typeface="+mn-lt"/>
+                <a:ea typeface="+mn-ea"/>
+                <a:cs typeface="+mn-cs"/>
+              </a:defRPr>
+            </a:lvl2pPr>
+            <a:lvl3pPr marL="1143000" indent="-228600" algn="l" defTabSz="914400" rtl="0" eaLnBrk="1" latinLnBrk="1" hangingPunct="1">
+              <a:spcBef>
+                <a:spcPct val="20000"/>
+              </a:spcBef>
+              <a:buFont typeface="Arial" panose="020B0604020202020204" pitchFamily="34" charset="0"/>
+              <a:buChar char="•"/>
+              <a:defRPr sz="2400" kern="1200">
+                <a:solidFill>
+                  <a:schemeClr val="tx1"/>
+                </a:solidFill>
+                <a:latin typeface="+mn-lt"/>
+                <a:ea typeface="+mn-ea"/>
+                <a:cs typeface="+mn-cs"/>
+              </a:defRPr>
+            </a:lvl3pPr>
+            <a:lvl4pPr marL="1600200" indent="-228600" algn="l" defTabSz="914400" rtl="0" eaLnBrk="1" latinLnBrk="1" hangingPunct="1">
+              <a:spcBef>
+                <a:spcPct val="20000"/>
+              </a:spcBef>
+              <a:buFont typeface="Arial" panose="020B0604020202020204" pitchFamily="34" charset="0"/>
+              <a:buChar char="–"/>
+              <a:defRPr sz="2000" kern="1200">
+                <a:solidFill>
+                  <a:schemeClr val="tx1"/>
+                </a:solidFill>
+                <a:latin typeface="+mn-lt"/>
+                <a:ea typeface="+mn-ea"/>
+                <a:cs typeface="+mn-cs"/>
+              </a:defRPr>
+            </a:lvl4pPr>
+            <a:lvl5pPr marL="2057400" indent="-228600" algn="l" defTabSz="914400" rtl="0" eaLnBrk="1" latinLnBrk="1" hangingPunct="1">
+              <a:spcBef>
+                <a:spcPct val="20000"/>
+              </a:spcBef>
+              <a:buFont typeface="Arial" panose="020B0604020202020204" pitchFamily="34" charset="0"/>
+              <a:buChar char="»"/>
+              <a:defRPr sz="2000" kern="1200">
+                <a:solidFill>
+                  <a:schemeClr val="tx1"/>
+                </a:solidFill>
+                <a:latin typeface="+mn-lt"/>
+                <a:ea typeface="+mn-ea"/>
+                <a:cs typeface="+mn-cs"/>
+              </a:defRPr>
+            </a:lvl5pPr>
+            <a:lvl6pPr marL="2514600" indent="-228600" algn="l" defTabSz="914400" rtl="0" eaLnBrk="1" latinLnBrk="1" hangingPunct="1">
+              <a:spcBef>
+                <a:spcPct val="20000"/>
+              </a:spcBef>
+              <a:buFont typeface="Arial" panose="020B0604020202020204" pitchFamily="34" charset="0"/>
+              <a:buChar char="•"/>
+              <a:defRPr sz="2000" kern="1200">
+                <a:solidFill>
+                  <a:schemeClr val="tx1"/>
+                </a:solidFill>
+                <a:latin typeface="+mn-lt"/>
+                <a:ea typeface="+mn-ea"/>
+                <a:cs typeface="+mn-cs"/>
+              </a:defRPr>
+            </a:lvl6pPr>
+            <a:lvl7pPr marL="2971800" indent="-228600" algn="l" defTabSz="914400" rtl="0" eaLnBrk="1" latinLnBrk="1" hangingPunct="1">
+              <a:spcBef>
+                <a:spcPct val="20000"/>
+              </a:spcBef>
+              <a:buFont typeface="Arial" panose="020B0604020202020204" pitchFamily="34" charset="0"/>
+              <a:buChar char="•"/>
+              <a:defRPr sz="2000" kern="1200">
+                <a:solidFill>
+                  <a:schemeClr val="tx1"/>
+                </a:solidFill>
+                <a:latin typeface="+mn-lt"/>
+                <a:ea typeface="+mn-ea"/>
+                <a:cs typeface="+mn-cs"/>
+              </a:defRPr>
+            </a:lvl7pPr>
+            <a:lvl8pPr marL="3429000" indent="-228600" algn="l" defTabSz="914400" rtl="0" eaLnBrk="1" latinLnBrk="1" hangingPunct="1">
+              <a:spcBef>
+                <a:spcPct val="20000"/>
+              </a:spcBef>
+              <a:buFont typeface="Arial" panose="020B0604020202020204" pitchFamily="34" charset="0"/>
+              <a:buChar char="•"/>
+              <a:defRPr sz="2000" kern="1200">
+                <a:solidFill>
+                  <a:schemeClr val="tx1"/>
+                </a:solidFill>
+                <a:latin typeface="+mn-lt"/>
+                <a:ea typeface="+mn-ea"/>
+                <a:cs typeface="+mn-cs"/>
+              </a:defRPr>
+            </a:lvl8pPr>
+            <a:lvl9pPr marL="3886200" indent="-228600" algn="l" defTabSz="914400" rtl="0" eaLnBrk="1" latinLnBrk="1" hangingPunct="1">
+              <a:spcBef>
+                <a:spcPct val="20000"/>
+              </a:spcBef>
+              <a:buFont typeface="Arial" panose="020B0604020202020204" pitchFamily="34" charset="0"/>
+              <a:buChar char="•"/>
+              <a:defRPr sz="2000" kern="1200">
+                <a:solidFill>
+                  <a:schemeClr val="tx1"/>
+                </a:solidFill>
+                <a:latin typeface="+mn-lt"/>
+                <a:ea typeface="+mn-ea"/>
+                <a:cs typeface="+mn-cs"/>
+              </a:defRPr>
+            </a:lvl9pPr>
+          </a:lstStyle>
+          <a:p>
+            <a:pPr marL="0" indent="0">
+              <a:lnSpc>
+                <a:spcPct val="150000"/>
+              </a:lnSpc>
+              <a:buFont typeface="Arial" panose="020B0604020202020204" pitchFamily="34" charset="0"/>
+              <a:buNone/>
+            </a:pPr>
+            <a:r>
+              <a:rPr lang="en-US" altLang="ko-KR" sz="1800" dirty="0"/>
+              <a:t> </a:t>
+            </a:r>
+            <a:r>
+              <a:rPr lang="en-US" altLang="ko-KR" sz="2000" b="1" dirty="0" smtClean="0"/>
+              <a:t>SQL </a:t>
+            </a:r>
+            <a:r>
+              <a:rPr lang="ko-KR" altLang="en-US" sz="2000" b="1" dirty="0" smtClean="0"/>
+              <a:t>내장함수</a:t>
+            </a:r>
+            <a:endParaRPr lang="en-US" altLang="ko-KR" sz="1800" dirty="0" smtClean="0"/>
+          </a:p>
+        </p:txBody>
+      </p:sp>
+      <p:sp>
+        <p:nvSpPr>
+          <p:cNvPr id="3" name="TextBox 2"/>
+          <p:cNvSpPr txBox="1"/>
+          <p:nvPr/>
+        </p:nvSpPr>
+        <p:spPr>
+          <a:xfrm>
+            <a:off x="683568" y="1732166"/>
+            <a:ext cx="7920880" cy="1200329"/>
+          </a:xfrm>
+          <a:prstGeom prst="rect">
+            <a:avLst/>
+          </a:prstGeom>
+          <a:noFill/>
+        </p:spPr>
+        <p:txBody>
+          <a:bodyPr wrap="square" rtlCol="0">
+            <a:spAutoFit/>
+          </a:bodyPr>
+          <a:lstStyle/>
+          <a:p>
+            <a:pPr>
+              <a:lnSpc>
+                <a:spcPct val="150000"/>
+              </a:lnSpc>
+            </a:pPr>
+            <a:r>
+              <a:rPr lang="ko-KR" altLang="en-US" sz="1600" dirty="0" smtClean="0"/>
+              <a:t>수학에서 함수 </a:t>
+            </a:r>
+            <a:r>
+              <a:rPr lang="en-US" altLang="ko-KR" sz="1600" dirty="0" smtClean="0"/>
+              <a:t>y=f(x)</a:t>
+            </a:r>
+            <a:r>
+              <a:rPr lang="ko-KR" altLang="en-US" sz="1600" dirty="0" smtClean="0"/>
+              <a:t>는</a:t>
+            </a:r>
+            <a:r>
+              <a:rPr lang="en-US" altLang="ko-KR" sz="1600" dirty="0" smtClean="0"/>
+              <a:t> </a:t>
+            </a:r>
+            <a:r>
+              <a:rPr lang="ko-KR" altLang="en-US" sz="1600" dirty="0" smtClean="0"/>
+              <a:t>값 </a:t>
+            </a:r>
+            <a:r>
+              <a:rPr lang="en-US" altLang="ko-KR" sz="1600" dirty="0" smtClean="0"/>
+              <a:t>x</a:t>
+            </a:r>
+            <a:r>
+              <a:rPr lang="ko-KR" altLang="en-US" sz="1600" dirty="0" smtClean="0"/>
+              <a:t>를 함수 </a:t>
+            </a:r>
+            <a:r>
+              <a:rPr lang="en-US" altLang="ko-KR" sz="1600" dirty="0" smtClean="0"/>
+              <a:t>f</a:t>
+            </a:r>
+            <a:r>
+              <a:rPr lang="ko-KR" altLang="en-US" sz="1600" dirty="0" smtClean="0"/>
+              <a:t>에 넣으면 </a:t>
+            </a:r>
+            <a:r>
+              <a:rPr lang="en-US" altLang="ko-KR" sz="1600" dirty="0" smtClean="0"/>
+              <a:t>y</a:t>
+            </a:r>
+            <a:r>
+              <a:rPr lang="ko-KR" altLang="en-US" sz="1600" dirty="0" smtClean="0"/>
+              <a:t>값을 결과로 반환한다는 의미이다</a:t>
+            </a:r>
+            <a:r>
+              <a:rPr lang="en-US" altLang="ko-KR" sz="1600" dirty="0" smtClean="0"/>
+              <a:t>.</a:t>
+            </a:r>
+            <a:endParaRPr lang="en-US" altLang="ko-KR" sz="1600" dirty="0"/>
+          </a:p>
+          <a:p>
+            <a:pPr>
+              <a:lnSpc>
+                <a:spcPct val="150000"/>
+              </a:lnSpc>
+            </a:pPr>
+            <a:r>
+              <a:rPr lang="ko-KR" altLang="en-US" sz="1600" dirty="0" smtClean="0"/>
+              <a:t>수학의 함수와 마찬가지로 특정 값이나 열이 값을 </a:t>
+            </a:r>
+            <a:r>
+              <a:rPr lang="ko-KR" altLang="en-US" sz="1600" dirty="0" err="1" smtClean="0"/>
+              <a:t>입력받아</a:t>
+            </a:r>
+            <a:r>
+              <a:rPr lang="ko-KR" altLang="en-US" sz="1600" dirty="0" smtClean="0"/>
+              <a:t> 그 값을 계산하여 결과값을 돌려 준다</a:t>
+            </a:r>
+            <a:r>
+              <a:rPr lang="en-US" altLang="ko-KR" sz="1600" dirty="0" smtClean="0"/>
+              <a:t>.</a:t>
+            </a:r>
+          </a:p>
+        </p:txBody>
+      </p:sp>
+      <p:sp>
+        <p:nvSpPr>
+          <p:cNvPr id="6" name="TextBox 5"/>
+          <p:cNvSpPr txBox="1"/>
+          <p:nvPr/>
+        </p:nvSpPr>
+        <p:spPr>
+          <a:xfrm>
+            <a:off x="683568" y="3212976"/>
+            <a:ext cx="6213560" cy="1569660"/>
+          </a:xfrm>
+          <a:prstGeom prst="rect">
+            <a:avLst/>
+          </a:prstGeom>
+          <a:noFill/>
+        </p:spPr>
+        <p:txBody>
+          <a:bodyPr wrap="none" rtlCol="0">
+            <a:spAutoFit/>
+          </a:bodyPr>
+          <a:lstStyle/>
+          <a:p>
+            <a:pPr>
+              <a:lnSpc>
+                <a:spcPct val="150000"/>
+              </a:lnSpc>
+            </a:pPr>
+            <a:r>
+              <a:rPr lang="ko-KR" altLang="en-US" sz="1600" dirty="0" smtClean="0"/>
+              <a:t>상수나 속성 이름을 입력 값으로 받아 단일 값을 결과로 반환한다</a:t>
+            </a:r>
+            <a:r>
+              <a:rPr lang="en-US" altLang="ko-KR" sz="1600" dirty="0" smtClean="0"/>
+              <a:t>.</a:t>
+            </a:r>
+          </a:p>
+          <a:p>
+            <a:pPr>
+              <a:lnSpc>
+                <a:spcPct val="150000"/>
+              </a:lnSpc>
+            </a:pPr>
+            <a:r>
+              <a:rPr lang="ko-KR" altLang="en-US" sz="1600" dirty="0" smtClean="0"/>
+              <a:t>모든 내장 함수는 최초에 선언될 때 유효한 </a:t>
+            </a:r>
+            <a:r>
+              <a:rPr lang="ko-KR" altLang="en-US" sz="1600" dirty="0" err="1" smtClean="0"/>
+              <a:t>입력값을</a:t>
+            </a:r>
+            <a:r>
+              <a:rPr lang="ko-KR" altLang="en-US" sz="1600" dirty="0" smtClean="0"/>
+              <a:t> 받아야 한다</a:t>
+            </a:r>
+            <a:r>
+              <a:rPr lang="en-US" altLang="ko-KR" sz="1600" dirty="0" smtClean="0"/>
+              <a:t>.</a:t>
+            </a:r>
+          </a:p>
+          <a:p>
+            <a:pPr>
+              <a:lnSpc>
+                <a:spcPct val="150000"/>
+              </a:lnSpc>
+            </a:pPr>
+            <a:r>
+              <a:rPr lang="ko-KR" altLang="en-US" sz="1600" dirty="0" smtClean="0"/>
+              <a:t>예를 들어 수학 함수의 </a:t>
+            </a:r>
+            <a:r>
+              <a:rPr lang="ko-KR" altLang="en-US" sz="1600" dirty="0" err="1" smtClean="0"/>
+              <a:t>입력값은</a:t>
+            </a:r>
+            <a:r>
+              <a:rPr lang="ko-KR" altLang="en-US" sz="1600" dirty="0" smtClean="0"/>
+              <a:t> 정수 또는 실수 여야 한다</a:t>
+            </a:r>
+            <a:r>
+              <a:rPr lang="en-US" altLang="ko-KR" sz="1600" dirty="0" smtClean="0"/>
+              <a:t>.</a:t>
+            </a:r>
+          </a:p>
+          <a:p>
+            <a:pPr>
+              <a:lnSpc>
+                <a:spcPct val="150000"/>
+              </a:lnSpc>
+            </a:pPr>
+            <a:r>
+              <a:rPr lang="en-US" altLang="ko-KR" sz="1600" dirty="0" smtClean="0"/>
+              <a:t>SELECT </a:t>
+            </a:r>
+            <a:r>
+              <a:rPr lang="ko-KR" altLang="en-US" sz="1600" dirty="0" smtClean="0"/>
+              <a:t>절과 </a:t>
+            </a:r>
+            <a:r>
+              <a:rPr lang="en-US" altLang="ko-KR" sz="1600" dirty="0" smtClean="0"/>
+              <a:t>WHERE </a:t>
+            </a:r>
+            <a:r>
+              <a:rPr lang="ko-KR" altLang="en-US" sz="1600" dirty="0" smtClean="0"/>
+              <a:t>절</a:t>
+            </a:r>
+            <a:r>
+              <a:rPr lang="en-US" altLang="ko-KR" sz="1600" dirty="0" smtClean="0"/>
+              <a:t>, UPDATE </a:t>
+            </a:r>
+            <a:r>
+              <a:rPr lang="ko-KR" altLang="en-US" sz="1600" dirty="0" smtClean="0"/>
+              <a:t>절 등에서 모두 사용 가능하다</a:t>
+            </a:r>
+            <a:r>
+              <a:rPr lang="en-US" altLang="ko-KR" sz="1600" dirty="0" smtClean="0"/>
+              <a:t>.</a:t>
+            </a:r>
+            <a:endParaRPr lang="ko-KR" altLang="en-US" sz="1600" dirty="0"/>
+          </a:p>
+        </p:txBody>
+      </p:sp>
+    </p:spTree>
+    <p:extLst>
+      <p:ext uri="{BB962C8B-B14F-4D97-AF65-F5344CB8AC3E}">
+        <p14:creationId xmlns:p14="http://schemas.microsoft.com/office/powerpoint/2010/main" val="4127527602"/>
+      </p:ext>
+    </p:extLst>
+  </p:cSld>
+  <p:clrMapOvr>
+    <a:masterClrMapping/>
+  </p:clrMapOvr>
+  <p:timing>
+    <p:tnLst>
+      <p:par>
+        <p:cTn id="1" dur="indefinite" restart="never" nodeType="tmRoot"/>
+      </p:par>
+    </p:tnLst>
+  </p:timing>
+</p:sld>
+</file>
+
+<file path=ppt/slides/slide20.xml><?xml version="1.0" encoding="utf-8"?>
+<p:sld xmlns:a="http://schemas.openxmlformats.org/drawingml/2006/main" xmlns:r="http://schemas.openxmlformats.org/officeDocument/2006/relationships" xmlns:p="http://schemas.openxmlformats.org/presentationml/2006/main">
+  <p:cSld>
+    <p:spTree>
+      <p:nvGrpSpPr>
+        <p:cNvPr id="1" name=""/>
+        <p:cNvGrpSpPr/>
+        <p:nvPr/>
+      </p:nvGrpSpPr>
+      <p:grpSpPr>
+        <a:xfrm>
+          <a:off x="0" y="0"/>
+          <a:ext cx="0" cy="0"/>
+          <a:chOff x="0" y="0"/>
+          <a:chExt cx="0" cy="0"/>
+        </a:xfrm>
+      </p:grpSpPr>
+      <p:sp>
+        <p:nvSpPr>
+          <p:cNvPr id="2" name="제목 1"/>
+          <p:cNvSpPr>
+            <a:spLocks noGrp="1"/>
+          </p:cNvSpPr>
+          <p:nvPr>
+            <p:ph type="title"/>
+          </p:nvPr>
+        </p:nvSpPr>
+        <p:spPr/>
+        <p:txBody>
+          <a:bodyPr/>
+          <a:lstStyle/>
+          <a:p>
+            <a:r>
+              <a:rPr lang="ko-KR" altLang="en-US" dirty="0" smtClean="0"/>
+              <a:t> 그룹 함수</a:t>
+            </a:r>
+            <a:endParaRPr lang="ko-KR" altLang="en-US" dirty="0"/>
+          </a:p>
+        </p:txBody>
+      </p:sp>
+      <p:sp>
+        <p:nvSpPr>
+          <p:cNvPr id="4" name="슬라이드 번호 개체 틀 3"/>
+          <p:cNvSpPr>
+            <a:spLocks noGrp="1"/>
+          </p:cNvSpPr>
+          <p:nvPr>
+            <p:ph type="sldNum" sz="quarter" idx="12"/>
+          </p:nvPr>
+        </p:nvSpPr>
+        <p:spPr/>
+        <p:txBody>
+          <a:bodyPr/>
+          <a:lstStyle/>
+          <a:p>
+            <a:fld id="{1BDE3FE7-3AEA-4B05-AC5A-802D1816ACF0}" type="slidenum">
+              <a:rPr lang="ko-KR" altLang="en-US" smtClean="0"/>
+              <a:t>20</a:t>
+            </a:fld>
+            <a:endParaRPr lang="ko-KR" altLang="en-US"/>
+          </a:p>
+        </p:txBody>
+      </p:sp>
+      <p:sp>
+        <p:nvSpPr>
+          <p:cNvPr id="12" name="내용 개체 틀 2"/>
+          <p:cNvSpPr txBox="1">
+            <a:spLocks/>
+          </p:cNvSpPr>
+          <p:nvPr/>
+        </p:nvSpPr>
+        <p:spPr>
+          <a:xfrm>
+            <a:off x="549896" y="1196752"/>
+            <a:ext cx="7910536" cy="1512168"/>
+          </a:xfrm>
+          <a:prstGeom prst="rect">
+            <a:avLst/>
+          </a:prstGeom>
+        </p:spPr>
+        <p:txBody>
+          <a:bodyPr vert="horz" lIns="91440" tIns="45720" rIns="91440" bIns="45720" rtlCol="0">
+            <a:noAutofit/>
+          </a:bodyPr>
+          <a:lstStyle>
+            <a:lvl1pPr marL="342900" indent="-342900" algn="l" defTabSz="914400" rtl="0" eaLnBrk="1" latinLnBrk="1" hangingPunct="1">
+              <a:spcBef>
+                <a:spcPct val="20000"/>
+              </a:spcBef>
+              <a:buFont typeface="Arial" panose="020B0604020202020204" pitchFamily="34" charset="0"/>
+              <a:buChar char="•"/>
+              <a:defRPr sz="3200" kern="1200">
+                <a:solidFill>
+                  <a:schemeClr val="tx1"/>
+                </a:solidFill>
+                <a:latin typeface="+mn-lt"/>
+                <a:ea typeface="+mn-ea"/>
+                <a:cs typeface="+mn-cs"/>
+              </a:defRPr>
+            </a:lvl1pPr>
+            <a:lvl2pPr marL="742950" indent="-285750" algn="l" defTabSz="914400" rtl="0" eaLnBrk="1" latinLnBrk="1" hangingPunct="1">
+              <a:spcBef>
+                <a:spcPct val="20000"/>
+              </a:spcBef>
+              <a:buFont typeface="Arial" panose="020B0604020202020204" pitchFamily="34" charset="0"/>
+              <a:buChar char="–"/>
+              <a:defRPr sz="2800" kern="1200">
+                <a:solidFill>
+                  <a:schemeClr val="tx1"/>
+                </a:solidFill>
+                <a:latin typeface="+mn-lt"/>
+                <a:ea typeface="+mn-ea"/>
+                <a:cs typeface="+mn-cs"/>
+              </a:defRPr>
+            </a:lvl2pPr>
+            <a:lvl3pPr marL="1143000" indent="-228600" algn="l" defTabSz="914400" rtl="0" eaLnBrk="1" latinLnBrk="1" hangingPunct="1">
+              <a:spcBef>
+                <a:spcPct val="20000"/>
+              </a:spcBef>
+              <a:buFont typeface="Arial" panose="020B0604020202020204" pitchFamily="34" charset="0"/>
+              <a:buChar char="•"/>
+              <a:defRPr sz="2400" kern="1200">
+                <a:solidFill>
+                  <a:schemeClr val="tx1"/>
+                </a:solidFill>
+                <a:latin typeface="+mn-lt"/>
+                <a:ea typeface="+mn-ea"/>
+                <a:cs typeface="+mn-cs"/>
+              </a:defRPr>
+            </a:lvl3pPr>
+            <a:lvl4pPr marL="1600200" indent="-228600" algn="l" defTabSz="914400" rtl="0" eaLnBrk="1" latinLnBrk="1" hangingPunct="1">
+              <a:spcBef>
+                <a:spcPct val="20000"/>
+              </a:spcBef>
+              <a:buFont typeface="Arial" panose="020B0604020202020204" pitchFamily="34" charset="0"/>
+              <a:buChar char="–"/>
+              <a:defRPr sz="2000" kern="1200">
+                <a:solidFill>
+                  <a:schemeClr val="tx1"/>
+                </a:solidFill>
+                <a:latin typeface="+mn-lt"/>
+                <a:ea typeface="+mn-ea"/>
+                <a:cs typeface="+mn-cs"/>
+              </a:defRPr>
+            </a:lvl4pPr>
+            <a:lvl5pPr marL="2057400" indent="-228600" algn="l" defTabSz="914400" rtl="0" eaLnBrk="1" latinLnBrk="1" hangingPunct="1">
+              <a:spcBef>
+                <a:spcPct val="20000"/>
+              </a:spcBef>
+              <a:buFont typeface="Arial" panose="020B0604020202020204" pitchFamily="34" charset="0"/>
+              <a:buChar char="»"/>
+              <a:defRPr sz="2000" kern="1200">
+                <a:solidFill>
+                  <a:schemeClr val="tx1"/>
+                </a:solidFill>
+                <a:latin typeface="+mn-lt"/>
+                <a:ea typeface="+mn-ea"/>
+                <a:cs typeface="+mn-cs"/>
+              </a:defRPr>
+            </a:lvl5pPr>
+            <a:lvl6pPr marL="2514600" indent="-228600" algn="l" defTabSz="914400" rtl="0" eaLnBrk="1" latinLnBrk="1" hangingPunct="1">
+              <a:spcBef>
+                <a:spcPct val="20000"/>
+              </a:spcBef>
+              <a:buFont typeface="Arial" panose="020B0604020202020204" pitchFamily="34" charset="0"/>
+              <a:buChar char="•"/>
+              <a:defRPr sz="2000" kern="1200">
+                <a:solidFill>
+                  <a:schemeClr val="tx1"/>
+                </a:solidFill>
+                <a:latin typeface="+mn-lt"/>
+                <a:ea typeface="+mn-ea"/>
+                <a:cs typeface="+mn-cs"/>
+              </a:defRPr>
+            </a:lvl6pPr>
+            <a:lvl7pPr marL="2971800" indent="-228600" algn="l" defTabSz="914400" rtl="0" eaLnBrk="1" latinLnBrk="1" hangingPunct="1">
+              <a:spcBef>
+                <a:spcPct val="20000"/>
+              </a:spcBef>
+              <a:buFont typeface="Arial" panose="020B0604020202020204" pitchFamily="34" charset="0"/>
+              <a:buChar char="•"/>
+              <a:defRPr sz="2000" kern="1200">
+                <a:solidFill>
+                  <a:schemeClr val="tx1"/>
+                </a:solidFill>
+                <a:latin typeface="+mn-lt"/>
+                <a:ea typeface="+mn-ea"/>
+                <a:cs typeface="+mn-cs"/>
+              </a:defRPr>
+            </a:lvl7pPr>
+            <a:lvl8pPr marL="3429000" indent="-228600" algn="l" defTabSz="914400" rtl="0" eaLnBrk="1" latinLnBrk="1" hangingPunct="1">
+              <a:spcBef>
+                <a:spcPct val="20000"/>
+              </a:spcBef>
+              <a:buFont typeface="Arial" panose="020B0604020202020204" pitchFamily="34" charset="0"/>
+              <a:buChar char="•"/>
+              <a:defRPr sz="2000" kern="1200">
+                <a:solidFill>
+                  <a:schemeClr val="tx1"/>
+                </a:solidFill>
+                <a:latin typeface="+mn-lt"/>
+                <a:ea typeface="+mn-ea"/>
+                <a:cs typeface="+mn-cs"/>
+              </a:defRPr>
+            </a:lvl8pPr>
+            <a:lvl9pPr marL="3886200" indent="-228600" algn="l" defTabSz="914400" rtl="0" eaLnBrk="1" latinLnBrk="1" hangingPunct="1">
+              <a:spcBef>
+                <a:spcPct val="20000"/>
+              </a:spcBef>
+              <a:buFont typeface="Arial" panose="020B0604020202020204" pitchFamily="34" charset="0"/>
+              <a:buChar char="•"/>
+              <a:defRPr sz="2000" kern="1200">
+                <a:solidFill>
+                  <a:schemeClr val="tx1"/>
+                </a:solidFill>
+                <a:latin typeface="+mn-lt"/>
+                <a:ea typeface="+mn-ea"/>
+                <a:cs typeface="+mn-cs"/>
+              </a:defRPr>
+            </a:lvl9pPr>
+          </a:lstStyle>
+          <a:p>
+            <a:pPr marL="0" indent="0">
+              <a:lnSpc>
+                <a:spcPct val="150000"/>
+              </a:lnSpc>
+              <a:buFont typeface="Arial" panose="020B0604020202020204" pitchFamily="34" charset="0"/>
+              <a:buNone/>
+            </a:pPr>
+            <a:r>
+              <a:rPr lang="en-US" altLang="ko-KR" sz="1800" dirty="0"/>
+              <a:t> </a:t>
+            </a:r>
+            <a:r>
+              <a:rPr lang="ko-KR" altLang="en-US" sz="2000" b="1" dirty="0" smtClean="0"/>
+              <a:t>그룹 함수 </a:t>
+            </a:r>
+            <a:endParaRPr lang="en-US" altLang="ko-KR" sz="2000" b="1" dirty="0" smtClean="0"/>
+          </a:p>
+          <a:p>
+            <a:pPr marL="0" indent="0">
+              <a:lnSpc>
+                <a:spcPct val="150000"/>
+              </a:lnSpc>
+              <a:buFont typeface="Arial" panose="020B0604020202020204" pitchFamily="34" charset="0"/>
+              <a:buNone/>
+            </a:pPr>
+            <a:r>
+              <a:rPr lang="en-US" altLang="ko-KR" sz="1800" dirty="0" smtClean="0"/>
+              <a:t>   – </a:t>
+            </a:r>
+            <a:r>
+              <a:rPr lang="ko-KR" altLang="en-US" sz="1800" dirty="0" smtClean="0"/>
+              <a:t>단일 행 함수와 달리 여러 행에 대해 함수가 적용되어 하나의 </a:t>
+            </a:r>
+            <a:r>
+              <a:rPr lang="ko-KR" altLang="en-US" sz="1800" dirty="0" smtClean="0"/>
+              <a:t>결과를 </a:t>
+            </a:r>
+            <a:endParaRPr lang="en-US" altLang="ko-KR" sz="1800" dirty="0" smtClean="0"/>
+          </a:p>
+          <a:p>
+            <a:pPr marL="0" indent="0">
+              <a:lnSpc>
+                <a:spcPct val="150000"/>
+              </a:lnSpc>
+              <a:buFont typeface="Arial" panose="020B0604020202020204" pitchFamily="34" charset="0"/>
+              <a:buNone/>
+            </a:pPr>
+            <a:r>
+              <a:rPr lang="en-US" altLang="ko-KR" sz="1800" dirty="0"/>
+              <a:t> </a:t>
+            </a:r>
+            <a:r>
+              <a:rPr lang="en-US" altLang="ko-KR" sz="1800" dirty="0" smtClean="0"/>
+              <a:t>     </a:t>
+            </a:r>
+            <a:r>
+              <a:rPr lang="ko-KR" altLang="en-US" sz="1800" dirty="0" smtClean="0"/>
+              <a:t>나타내는 </a:t>
+            </a:r>
+            <a:r>
+              <a:rPr lang="ko-KR" altLang="en-US" sz="1800" dirty="0" smtClean="0"/>
+              <a:t>함수</a:t>
+            </a:r>
+            <a:endParaRPr lang="en-US" altLang="ko-KR" sz="1800" dirty="0" smtClean="0"/>
+          </a:p>
+        </p:txBody>
+      </p:sp>
+      <p:graphicFrame>
+        <p:nvGraphicFramePr>
+          <p:cNvPr id="11" name="내용 개체 틀 4"/>
+          <p:cNvGraphicFramePr>
+            <a:graphicFrameLocks/>
+          </p:cNvGraphicFramePr>
+          <p:nvPr>
+            <p:extLst>
+              <p:ext uri="{D42A27DB-BD31-4B8C-83A1-F6EECF244321}">
+                <p14:modId xmlns:p14="http://schemas.microsoft.com/office/powerpoint/2010/main" val="4096561342"/>
+              </p:ext>
+            </p:extLst>
+          </p:nvPr>
+        </p:nvGraphicFramePr>
+        <p:xfrm>
+          <a:off x="1691680" y="2852936"/>
+          <a:ext cx="4409664" cy="2736306"/>
+        </p:xfrm>
+        <a:graphic>
+          <a:graphicData uri="http://schemas.openxmlformats.org/drawingml/2006/table">
+            <a:tbl>
+              <a:tblPr firstRow="1">
+                <a:tableStyleId>{5940675A-B579-460E-94D1-54222C63F5DA}</a:tableStyleId>
+              </a:tblPr>
+              <a:tblGrid>
+                <a:gridCol w="1558554">
+                  <a:extLst>
+                    <a:ext uri="{9D8B030D-6E8A-4147-A177-3AD203B41FA5}">
+                      <a16:colId xmlns:a16="http://schemas.microsoft.com/office/drawing/2014/main" val="20000"/>
+                    </a:ext>
+                  </a:extLst>
+                </a:gridCol>
+                <a:gridCol w="2851110">
+                  <a:extLst>
+                    <a:ext uri="{9D8B030D-6E8A-4147-A177-3AD203B41FA5}">
+                      <a16:colId xmlns:a16="http://schemas.microsoft.com/office/drawing/2014/main" val="20002"/>
+                    </a:ext>
+                  </a:extLst>
+                </a:gridCol>
+              </a:tblGrid>
+              <a:tr h="456051">
+                <a:tc>
+                  <a:txBody>
+                    <a:bodyPr/>
+                    <a:lstStyle/>
+                    <a:p>
+                      <a:pPr algn="ctr" latinLnBrk="1"/>
+                      <a:r>
+                        <a:rPr lang="ko-KR" altLang="en-US" sz="1600" u="none" dirty="0"/>
+                        <a:t> 함수</a:t>
+                      </a:r>
+                    </a:p>
+                  </a:txBody>
+                  <a:tcPr anchor="ctr">
+                    <a:solidFill>
+                      <a:schemeClr val="accent1">
+                        <a:lumMod val="20000"/>
+                        <a:lumOff val="80000"/>
+                      </a:schemeClr>
+                    </a:solidFill>
+                  </a:tcPr>
+                </a:tc>
+                <a:tc>
+                  <a:txBody>
+                    <a:bodyPr/>
+                    <a:lstStyle/>
+                    <a:p>
+                      <a:pPr algn="ctr" latinLnBrk="1"/>
+                      <a:r>
+                        <a:rPr lang="ko-KR" altLang="en-US" sz="1600" dirty="0"/>
+                        <a:t> 기능</a:t>
+                      </a:r>
+                    </a:p>
+                  </a:txBody>
+                  <a:tcPr anchor="ctr">
+                    <a:solidFill>
+                      <a:schemeClr val="accent1">
+                        <a:lumMod val="20000"/>
+                        <a:lumOff val="80000"/>
+                      </a:schemeClr>
+                    </a:solidFill>
+                  </a:tcPr>
+                </a:tc>
+                <a:extLst>
+                  <a:ext uri="{0D108BD9-81ED-4DB2-BD59-A6C34878D82A}">
+                    <a16:rowId xmlns:a16="http://schemas.microsoft.com/office/drawing/2014/main" val="10000"/>
+                  </a:ext>
+                </a:extLst>
+              </a:tr>
+              <a:tr h="456051">
+                <a:tc>
+                  <a:txBody>
+                    <a:bodyPr/>
+                    <a:lstStyle/>
+                    <a:p>
+                      <a:pPr algn="ctr" latinLnBrk="1"/>
+                      <a:r>
+                        <a:rPr lang="en-US" altLang="ko-KR" sz="1600" dirty="0"/>
+                        <a:t>SUM(</a:t>
+                      </a:r>
+                      <a:r>
+                        <a:rPr lang="ko-KR" altLang="en-US" sz="1600" dirty="0"/>
+                        <a:t>칼럼</a:t>
+                      </a:r>
+                      <a:r>
+                        <a:rPr lang="en-US" altLang="ko-KR" sz="1600" baseline="0" dirty="0"/>
+                        <a:t> )</a:t>
+                      </a:r>
+                      <a:endParaRPr lang="ko-KR" altLang="en-US" sz="1600" dirty="0"/>
+                    </a:p>
+                  </a:txBody>
+                  <a:tcPr anchor="ctr"/>
+                </a:tc>
+                <a:tc>
+                  <a:txBody>
+                    <a:bodyPr/>
+                    <a:lstStyle/>
+                    <a:p>
+                      <a:pPr algn="l" latinLnBrk="1"/>
+                      <a:r>
+                        <a:rPr lang="en-US" altLang="ko-KR" sz="1600" dirty="0"/>
+                        <a:t> </a:t>
+                      </a:r>
+                      <a:r>
+                        <a:rPr lang="ko-KR" altLang="en-US" sz="1600" dirty="0"/>
+                        <a:t>합계</a:t>
+                      </a:r>
+                    </a:p>
+                  </a:txBody>
+                  <a:tcPr anchor="ctr"/>
+                </a:tc>
+                <a:extLst>
+                  <a:ext uri="{0D108BD9-81ED-4DB2-BD59-A6C34878D82A}">
+                    <a16:rowId xmlns:a16="http://schemas.microsoft.com/office/drawing/2014/main" val="10001"/>
+                  </a:ext>
+                </a:extLst>
+              </a:tr>
+              <a:tr h="456051">
+                <a:tc>
+                  <a:txBody>
+                    <a:bodyPr/>
+                    <a:lstStyle/>
+                    <a:p>
+                      <a:pPr algn="ctr" latinLnBrk="1"/>
+                      <a:r>
+                        <a:rPr lang="en-US" altLang="ko-KR" sz="1600" dirty="0"/>
+                        <a:t>COUNT(*)</a:t>
+                      </a:r>
+                      <a:endParaRPr lang="ko-KR" altLang="en-US" sz="1600" dirty="0"/>
+                    </a:p>
+                  </a:txBody>
+                  <a:tcPr anchor="ctr"/>
+                </a:tc>
+                <a:tc>
+                  <a:txBody>
+                    <a:bodyPr/>
+                    <a:lstStyle/>
+                    <a:p>
+                      <a:pPr algn="l" latinLnBrk="1"/>
+                      <a:r>
+                        <a:rPr lang="en-US" altLang="ko-KR" sz="1600" dirty="0"/>
+                        <a:t> </a:t>
+                      </a:r>
+                      <a:r>
+                        <a:rPr lang="ko-KR" altLang="en-US" sz="1600" dirty="0"/>
+                        <a:t>개수</a:t>
+                      </a:r>
+                    </a:p>
+                  </a:txBody>
+                  <a:tcPr anchor="ctr"/>
+                </a:tc>
+                <a:extLst>
+                  <a:ext uri="{0D108BD9-81ED-4DB2-BD59-A6C34878D82A}">
+                    <a16:rowId xmlns:a16="http://schemas.microsoft.com/office/drawing/2014/main" val="10002"/>
+                  </a:ext>
+                </a:extLst>
+              </a:tr>
+              <a:tr h="456051">
+                <a:tc>
+                  <a:txBody>
+                    <a:bodyPr/>
+                    <a:lstStyle/>
+                    <a:p>
+                      <a:pPr algn="ctr" latinLnBrk="1"/>
+                      <a:r>
+                        <a:rPr lang="en-US" altLang="ko-KR" sz="1600" dirty="0"/>
+                        <a:t>AVG(</a:t>
+                      </a:r>
+                      <a:r>
+                        <a:rPr lang="ko-KR" altLang="en-US" sz="1600" dirty="0"/>
+                        <a:t>칼럼</a:t>
+                      </a:r>
+                      <a:r>
+                        <a:rPr lang="en-US" altLang="ko-KR" sz="1600" dirty="0"/>
+                        <a:t>)</a:t>
+                      </a:r>
+                      <a:endParaRPr lang="ko-KR" altLang="en-US" sz="1600" dirty="0"/>
+                    </a:p>
+                  </a:txBody>
+                  <a:tcPr anchor="ctr"/>
+                </a:tc>
+                <a:tc>
+                  <a:txBody>
+                    <a:bodyPr/>
+                    <a:lstStyle/>
+                    <a:p>
+                      <a:pPr algn="l" latinLnBrk="1"/>
+                      <a:r>
+                        <a:rPr lang="en-US" altLang="ko-KR" sz="1600" dirty="0"/>
+                        <a:t> </a:t>
+                      </a:r>
+                      <a:r>
+                        <a:rPr lang="ko-KR" altLang="en-US" sz="1600" dirty="0"/>
+                        <a:t>평균</a:t>
+                      </a:r>
+                    </a:p>
+                  </a:txBody>
+                  <a:tcPr anchor="ctr"/>
+                </a:tc>
+                <a:extLst>
+                  <a:ext uri="{0D108BD9-81ED-4DB2-BD59-A6C34878D82A}">
+                    <a16:rowId xmlns:a16="http://schemas.microsoft.com/office/drawing/2014/main" val="10003"/>
+                  </a:ext>
+                </a:extLst>
+              </a:tr>
+              <a:tr h="456051">
+                <a:tc>
+                  <a:txBody>
+                    <a:bodyPr/>
+                    <a:lstStyle/>
+                    <a:p>
+                      <a:pPr algn="ctr" latinLnBrk="1"/>
+                      <a:r>
+                        <a:rPr lang="en-US" altLang="ko-KR" sz="1600" dirty="0"/>
+                        <a:t>MAX(</a:t>
+                      </a:r>
+                      <a:r>
+                        <a:rPr lang="ko-KR" altLang="en-US" sz="1600" dirty="0"/>
+                        <a:t>칼럼</a:t>
+                      </a:r>
+                      <a:r>
+                        <a:rPr lang="en-US" altLang="ko-KR" sz="1600" dirty="0"/>
+                        <a:t>)</a:t>
+                      </a:r>
+                      <a:endParaRPr lang="ko-KR" altLang="en-US" sz="1600" dirty="0"/>
+                    </a:p>
+                  </a:txBody>
+                  <a:tcPr anchor="ctr"/>
+                </a:tc>
+                <a:tc>
+                  <a:txBody>
+                    <a:bodyPr/>
+                    <a:lstStyle/>
+                    <a:p>
+                      <a:pPr algn="l" latinLnBrk="1"/>
+                      <a:r>
+                        <a:rPr lang="en-US" altLang="ko-KR" sz="1600" dirty="0"/>
+                        <a:t> </a:t>
+                      </a:r>
+                      <a:r>
+                        <a:rPr lang="ko-KR" altLang="en-US" sz="1600" dirty="0"/>
+                        <a:t>최대값</a:t>
+                      </a:r>
+                    </a:p>
+                  </a:txBody>
+                  <a:tcPr anchor="ctr"/>
+                </a:tc>
+                <a:extLst>
+                  <a:ext uri="{0D108BD9-81ED-4DB2-BD59-A6C34878D82A}">
+                    <a16:rowId xmlns:a16="http://schemas.microsoft.com/office/drawing/2014/main" val="10004"/>
+                  </a:ext>
+                </a:extLst>
+              </a:tr>
+              <a:tr h="456051">
+                <a:tc>
+                  <a:txBody>
+                    <a:bodyPr/>
+                    <a:lstStyle/>
+                    <a:p>
+                      <a:pPr marL="0" marR="0" indent="0" algn="ctr" defTabSz="914400" rtl="0" eaLnBrk="1" fontAlgn="auto" latinLnBrk="1" hangingPunct="1">
+                        <a:lnSpc>
+                          <a:spcPct val="100000"/>
+                        </a:lnSpc>
+                        <a:spcBef>
+                          <a:spcPts val="0"/>
+                        </a:spcBef>
+                        <a:spcAft>
+                          <a:spcPts val="0"/>
+                        </a:spcAft>
+                        <a:buClrTx/>
+                        <a:buSzTx/>
+                        <a:buFontTx/>
+                        <a:buNone/>
+                        <a:tabLst/>
+                        <a:defRPr/>
+                      </a:pPr>
+                      <a:r>
+                        <a:rPr lang="en-US" altLang="ko-KR" sz="1600" dirty="0"/>
+                        <a:t>MIN(</a:t>
+                      </a:r>
+                      <a:r>
+                        <a:rPr lang="ko-KR" altLang="en-US" sz="1600" dirty="0"/>
+                        <a:t>칼럼</a:t>
+                      </a:r>
+                      <a:r>
+                        <a:rPr lang="en-US" altLang="ko-KR" sz="1600" dirty="0"/>
+                        <a:t>)</a:t>
+                      </a:r>
+                      <a:endParaRPr lang="ko-KR" altLang="en-US" sz="1600" dirty="0"/>
+                    </a:p>
+                  </a:txBody>
+                  <a:tcPr anchor="ctr"/>
+                </a:tc>
+                <a:tc>
+                  <a:txBody>
+                    <a:bodyPr/>
+                    <a:lstStyle/>
+                    <a:p>
+                      <a:pPr algn="l" latinLnBrk="1"/>
+                      <a:r>
+                        <a:rPr lang="en-US" altLang="ko-KR" sz="1600" dirty="0"/>
+                        <a:t>  </a:t>
+                      </a:r>
+                      <a:r>
+                        <a:rPr lang="ko-KR" altLang="en-US" sz="1600" dirty="0"/>
+                        <a:t>최소값</a:t>
+                      </a:r>
+                    </a:p>
+                  </a:txBody>
+                  <a:tcPr anchor="ctr"/>
+                </a:tc>
+                <a:extLst>
+                  <a:ext uri="{0D108BD9-81ED-4DB2-BD59-A6C34878D82A}">
+                    <a16:rowId xmlns:a16="http://schemas.microsoft.com/office/drawing/2014/main" val="10005"/>
+                  </a:ext>
+                </a:extLst>
+              </a:tr>
+            </a:tbl>
+          </a:graphicData>
+        </a:graphic>
+      </p:graphicFrame>
+    </p:spTree>
+    <p:extLst>
+      <p:ext uri="{BB962C8B-B14F-4D97-AF65-F5344CB8AC3E}">
+        <p14:creationId xmlns:p14="http://schemas.microsoft.com/office/powerpoint/2010/main" val="2358011673"/>
+      </p:ext>
+    </p:extLst>
+  </p:cSld>
+  <p:clrMapOvr>
+    <a:masterClrMapping/>
+  </p:clrMapOvr>
+  <p:timing>
+    <p:tnLst>
+      <p:par>
+        <p:cTn id="1" dur="indefinite" restart="never" nodeType="tmRoot"/>
+      </p:par>
+    </p:tnLst>
+  </p:timing>
+</p:sld>
+</file>
+
+<file path=ppt/slides/slide21.xml><?xml version="1.0" encoding="utf-8"?>
+<p:sld xmlns:a="http://schemas.openxmlformats.org/drawingml/2006/main" xmlns:r="http://schemas.openxmlformats.org/officeDocument/2006/relationships" xmlns:p="http://schemas.openxmlformats.org/presentationml/2006/main">
+  <p:cSld>
+    <p:spTree>
+      <p:nvGrpSpPr>
+        <p:cNvPr id="1" name=""/>
+        <p:cNvGrpSpPr/>
+        <p:nvPr/>
+      </p:nvGrpSpPr>
+      <p:grpSpPr>
+        <a:xfrm>
+          <a:off x="0" y="0"/>
+          <a:ext cx="0" cy="0"/>
+          <a:chOff x="0" y="0"/>
+          <a:chExt cx="0" cy="0"/>
+        </a:xfrm>
+      </p:grpSpPr>
+      <p:sp>
+        <p:nvSpPr>
+          <p:cNvPr id="2" name="제목 1"/>
+          <p:cNvSpPr>
+            <a:spLocks noGrp="1"/>
+          </p:cNvSpPr>
+          <p:nvPr>
+            <p:ph type="title"/>
+          </p:nvPr>
+        </p:nvSpPr>
+        <p:spPr/>
+        <p:txBody>
+          <a:bodyPr>
+            <a:normAutofit/>
+          </a:bodyPr>
+          <a:lstStyle/>
+          <a:p>
+            <a:r>
+              <a:rPr lang="en-US" altLang="ko-KR" sz="2800" dirty="0" smtClean="0"/>
+              <a:t> </a:t>
+            </a:r>
+            <a:r>
+              <a:rPr lang="en-US" altLang="ko-KR" sz="2800" b="1" dirty="0" smtClean="0"/>
+              <a:t>DECODE() </a:t>
+            </a:r>
+            <a:r>
+              <a:rPr lang="ko-KR" altLang="en-US" sz="2800" b="1" dirty="0"/>
+              <a:t>함수 </a:t>
+            </a:r>
+            <a:r>
+              <a:rPr lang="en-US" altLang="ko-KR" sz="2800" b="1" dirty="0"/>
+              <a:t>vs CASE </a:t>
+            </a:r>
+            <a:r>
+              <a:rPr lang="ko-KR" altLang="en-US" sz="2800" b="1" dirty="0" err="1"/>
+              <a:t>표현식</a:t>
+            </a:r>
+            <a:endParaRPr lang="ko-KR" altLang="en-US" sz="2800" dirty="0"/>
+          </a:p>
+        </p:txBody>
+      </p:sp>
+      <p:sp>
+        <p:nvSpPr>
+          <p:cNvPr id="4" name="슬라이드 번호 개체 틀 3"/>
+          <p:cNvSpPr>
+            <a:spLocks noGrp="1"/>
+          </p:cNvSpPr>
+          <p:nvPr>
+            <p:ph type="sldNum" sz="quarter" idx="12"/>
+          </p:nvPr>
+        </p:nvSpPr>
+        <p:spPr/>
+        <p:txBody>
+          <a:bodyPr/>
+          <a:lstStyle/>
+          <a:p>
+            <a:fld id="{1BDE3FE7-3AEA-4B05-AC5A-802D1816ACF0}" type="slidenum">
+              <a:rPr lang="ko-KR" altLang="en-US" smtClean="0"/>
+              <a:t>21</a:t>
+            </a:fld>
+            <a:endParaRPr lang="ko-KR" altLang="en-US"/>
+          </a:p>
+        </p:txBody>
+      </p:sp>
+      <p:sp>
+        <p:nvSpPr>
+          <p:cNvPr id="6" name="TextBox 5"/>
+          <p:cNvSpPr txBox="1"/>
+          <p:nvPr/>
+        </p:nvSpPr>
+        <p:spPr>
+          <a:xfrm>
+            <a:off x="827584" y="1193356"/>
+            <a:ext cx="3816424" cy="400110"/>
+          </a:xfrm>
+          <a:prstGeom prst="rect">
+            <a:avLst/>
+          </a:prstGeom>
+          <a:noFill/>
+        </p:spPr>
+        <p:txBody>
+          <a:bodyPr wrap="square" rtlCol="0">
+            <a:spAutoFit/>
+          </a:bodyPr>
+          <a:lstStyle/>
+          <a:p>
+            <a:r>
+              <a:rPr lang="en-US" altLang="ko-KR" sz="2000" b="1" dirty="0" smtClean="0"/>
+              <a:t>CASE WHEN </a:t>
+            </a:r>
+            <a:r>
+              <a:rPr lang="ko-KR" altLang="en-US" sz="2000" b="1" dirty="0" err="1" smtClean="0"/>
+              <a:t>표현식</a:t>
+            </a:r>
+            <a:endParaRPr lang="ko-KR" altLang="en-US" sz="2000" b="1" dirty="0"/>
+          </a:p>
+        </p:txBody>
+      </p:sp>
+      <p:sp>
+        <p:nvSpPr>
+          <p:cNvPr id="8" name="내용 개체 틀 2"/>
+          <p:cNvSpPr txBox="1">
+            <a:spLocks/>
+          </p:cNvSpPr>
+          <p:nvPr/>
+        </p:nvSpPr>
+        <p:spPr>
+          <a:xfrm>
+            <a:off x="1619672" y="1697412"/>
+            <a:ext cx="4752528" cy="1659580"/>
+          </a:xfrm>
+          <a:prstGeom prst="rect">
+            <a:avLst/>
+          </a:prstGeom>
+          <a:solidFill>
+            <a:schemeClr val="accent5">
+              <a:lumMod val="20000"/>
+              <a:lumOff val="80000"/>
+            </a:schemeClr>
+          </a:solidFill>
+        </p:spPr>
+        <p:txBody>
+          <a:bodyPr vert="horz" lIns="91440" tIns="45720" rIns="91440" bIns="45720" rtlCol="0">
+            <a:normAutofit fontScale="92500" lnSpcReduction="20000"/>
+          </a:bodyPr>
+          <a:lstStyle>
+            <a:lvl1pPr marL="342900" indent="-342900" algn="l" defTabSz="914400" rtl="0" eaLnBrk="1" latinLnBrk="1" hangingPunct="1">
+              <a:spcBef>
+                <a:spcPct val="20000"/>
+              </a:spcBef>
+              <a:buFont typeface="Arial" panose="020B0604020202020204" pitchFamily="34" charset="0"/>
+              <a:buChar char="•"/>
+              <a:defRPr sz="3200" kern="1200">
+                <a:solidFill>
+                  <a:schemeClr val="tx1"/>
+                </a:solidFill>
+                <a:latin typeface="+mn-lt"/>
+                <a:ea typeface="+mn-ea"/>
+                <a:cs typeface="+mn-cs"/>
+              </a:defRPr>
+            </a:lvl1pPr>
+            <a:lvl2pPr marL="742950" indent="-285750" algn="l" defTabSz="914400" rtl="0" eaLnBrk="1" latinLnBrk="1" hangingPunct="1">
+              <a:spcBef>
+                <a:spcPct val="20000"/>
+              </a:spcBef>
+              <a:buFont typeface="Arial" panose="020B0604020202020204" pitchFamily="34" charset="0"/>
+              <a:buChar char="–"/>
+              <a:defRPr sz="2800" kern="1200">
+                <a:solidFill>
+                  <a:schemeClr val="tx1"/>
+                </a:solidFill>
+                <a:latin typeface="+mn-lt"/>
+                <a:ea typeface="+mn-ea"/>
+                <a:cs typeface="+mn-cs"/>
+              </a:defRPr>
+            </a:lvl2pPr>
+            <a:lvl3pPr marL="1143000" indent="-228600" algn="l" defTabSz="914400" rtl="0" eaLnBrk="1" latinLnBrk="1" hangingPunct="1">
+              <a:spcBef>
+                <a:spcPct val="20000"/>
+              </a:spcBef>
+              <a:buFont typeface="Arial" panose="020B0604020202020204" pitchFamily="34" charset="0"/>
+              <a:buChar char="•"/>
+              <a:defRPr sz="2400" kern="1200">
+                <a:solidFill>
+                  <a:schemeClr val="tx1"/>
+                </a:solidFill>
+                <a:latin typeface="+mn-lt"/>
+                <a:ea typeface="+mn-ea"/>
+                <a:cs typeface="+mn-cs"/>
+              </a:defRPr>
+            </a:lvl3pPr>
+            <a:lvl4pPr marL="1600200" indent="-228600" algn="l" defTabSz="914400" rtl="0" eaLnBrk="1" latinLnBrk="1" hangingPunct="1">
+              <a:spcBef>
+                <a:spcPct val="20000"/>
+              </a:spcBef>
+              <a:buFont typeface="Arial" panose="020B0604020202020204" pitchFamily="34" charset="0"/>
+              <a:buChar char="–"/>
+              <a:defRPr sz="2000" kern="1200">
+                <a:solidFill>
+                  <a:schemeClr val="tx1"/>
+                </a:solidFill>
+                <a:latin typeface="+mn-lt"/>
+                <a:ea typeface="+mn-ea"/>
+                <a:cs typeface="+mn-cs"/>
+              </a:defRPr>
+            </a:lvl4pPr>
+            <a:lvl5pPr marL="2057400" indent="-228600" algn="l" defTabSz="914400" rtl="0" eaLnBrk="1" latinLnBrk="1" hangingPunct="1">
+              <a:spcBef>
+                <a:spcPct val="20000"/>
+              </a:spcBef>
+              <a:buFont typeface="Arial" panose="020B0604020202020204" pitchFamily="34" charset="0"/>
+              <a:buChar char="»"/>
+              <a:defRPr sz="2000" kern="1200">
+                <a:solidFill>
+                  <a:schemeClr val="tx1"/>
+                </a:solidFill>
+                <a:latin typeface="+mn-lt"/>
+                <a:ea typeface="+mn-ea"/>
+                <a:cs typeface="+mn-cs"/>
+              </a:defRPr>
+            </a:lvl5pPr>
+            <a:lvl6pPr marL="2514600" indent="-228600" algn="l" defTabSz="914400" rtl="0" eaLnBrk="1" latinLnBrk="1" hangingPunct="1">
+              <a:spcBef>
+                <a:spcPct val="20000"/>
+              </a:spcBef>
+              <a:buFont typeface="Arial" panose="020B0604020202020204" pitchFamily="34" charset="0"/>
+              <a:buChar char="•"/>
+              <a:defRPr sz="2000" kern="1200">
+                <a:solidFill>
+                  <a:schemeClr val="tx1"/>
+                </a:solidFill>
+                <a:latin typeface="+mn-lt"/>
+                <a:ea typeface="+mn-ea"/>
+                <a:cs typeface="+mn-cs"/>
+              </a:defRPr>
+            </a:lvl6pPr>
+            <a:lvl7pPr marL="2971800" indent="-228600" algn="l" defTabSz="914400" rtl="0" eaLnBrk="1" latinLnBrk="1" hangingPunct="1">
+              <a:spcBef>
+                <a:spcPct val="20000"/>
+              </a:spcBef>
+              <a:buFont typeface="Arial" panose="020B0604020202020204" pitchFamily="34" charset="0"/>
+              <a:buChar char="•"/>
+              <a:defRPr sz="2000" kern="1200">
+                <a:solidFill>
+                  <a:schemeClr val="tx1"/>
+                </a:solidFill>
+                <a:latin typeface="+mn-lt"/>
+                <a:ea typeface="+mn-ea"/>
+                <a:cs typeface="+mn-cs"/>
+              </a:defRPr>
+            </a:lvl7pPr>
+            <a:lvl8pPr marL="3429000" indent="-228600" algn="l" defTabSz="914400" rtl="0" eaLnBrk="1" latinLnBrk="1" hangingPunct="1">
+              <a:spcBef>
+                <a:spcPct val="20000"/>
+              </a:spcBef>
+              <a:buFont typeface="Arial" panose="020B0604020202020204" pitchFamily="34" charset="0"/>
+              <a:buChar char="•"/>
+              <a:defRPr sz="2000" kern="1200">
+                <a:solidFill>
+                  <a:schemeClr val="tx1"/>
+                </a:solidFill>
+                <a:latin typeface="+mn-lt"/>
+                <a:ea typeface="+mn-ea"/>
+                <a:cs typeface="+mn-cs"/>
+              </a:defRPr>
+            </a:lvl8pPr>
+            <a:lvl9pPr marL="3886200" indent="-228600" algn="l" defTabSz="914400" rtl="0" eaLnBrk="1" latinLnBrk="1" hangingPunct="1">
+              <a:spcBef>
+                <a:spcPct val="20000"/>
+              </a:spcBef>
+              <a:buFont typeface="Arial" panose="020B0604020202020204" pitchFamily="34" charset="0"/>
+              <a:buChar char="•"/>
+              <a:defRPr sz="2000" kern="1200">
+                <a:solidFill>
+                  <a:schemeClr val="tx1"/>
+                </a:solidFill>
+                <a:latin typeface="+mn-lt"/>
+                <a:ea typeface="+mn-ea"/>
+                <a:cs typeface="+mn-cs"/>
+              </a:defRPr>
+            </a:lvl9pPr>
+          </a:lstStyle>
+          <a:p>
+            <a:pPr marL="0" indent="0">
+              <a:lnSpc>
+                <a:spcPct val="150000"/>
+              </a:lnSpc>
+              <a:buFont typeface="Arial" panose="020B0604020202020204" pitchFamily="34" charset="0"/>
+              <a:buNone/>
+            </a:pPr>
+            <a:r>
+              <a:rPr lang="en-US" altLang="ko-KR" sz="1800" dirty="0" smtClean="0"/>
+              <a:t>CASE </a:t>
+            </a:r>
+          </a:p>
+          <a:p>
+            <a:pPr marL="0" indent="0">
+              <a:lnSpc>
+                <a:spcPct val="150000"/>
+              </a:lnSpc>
+              <a:buFont typeface="Arial" panose="020B0604020202020204" pitchFamily="34" charset="0"/>
+              <a:buNone/>
+            </a:pPr>
+            <a:r>
+              <a:rPr lang="en-US" altLang="ko-KR" sz="1800" dirty="0"/>
+              <a:t>	</a:t>
+            </a:r>
+            <a:r>
+              <a:rPr lang="en-US" altLang="ko-KR" sz="1800" dirty="0" smtClean="0"/>
+              <a:t>WHEN </a:t>
+            </a:r>
+            <a:r>
+              <a:rPr lang="ko-KR" altLang="en-US" sz="1800" dirty="0" smtClean="0"/>
+              <a:t>조건 </a:t>
+            </a:r>
+            <a:r>
+              <a:rPr lang="en-US" altLang="ko-KR" sz="1800" dirty="0" smtClean="0"/>
+              <a:t>1 THEN </a:t>
+            </a:r>
+            <a:r>
+              <a:rPr lang="ko-KR" altLang="en-US" sz="1800" dirty="0" smtClean="0"/>
+              <a:t>출력 값</a:t>
+            </a:r>
+            <a:r>
+              <a:rPr lang="en-US" altLang="ko-KR" sz="1800" dirty="0" smtClean="0"/>
+              <a:t>1</a:t>
+            </a:r>
+            <a:endParaRPr lang="en-US" altLang="ko-KR" sz="1800" dirty="0"/>
+          </a:p>
+          <a:p>
+            <a:pPr marL="0" indent="0">
+              <a:lnSpc>
+                <a:spcPct val="150000"/>
+              </a:lnSpc>
+              <a:buFont typeface="Arial" panose="020B0604020202020204" pitchFamily="34" charset="0"/>
+              <a:buNone/>
+            </a:pPr>
+            <a:r>
+              <a:rPr lang="en-US" altLang="ko-KR" sz="1800" dirty="0" smtClean="0"/>
+              <a:t>	ELSE </a:t>
+            </a:r>
+            <a:r>
+              <a:rPr lang="ko-KR" altLang="en-US" sz="1800" dirty="0" err="1" smtClean="0"/>
+              <a:t>출력값</a:t>
+            </a:r>
+            <a:r>
+              <a:rPr lang="ko-KR" altLang="en-US" sz="1800" dirty="0" smtClean="0"/>
+              <a:t> </a:t>
+            </a:r>
+            <a:r>
+              <a:rPr lang="en-US" altLang="ko-KR" sz="1800" dirty="0"/>
+              <a:t>2</a:t>
+            </a:r>
+            <a:endParaRPr lang="en-US" altLang="ko-KR" sz="1800" dirty="0" smtClean="0"/>
+          </a:p>
+          <a:p>
+            <a:pPr marL="0" indent="0">
+              <a:lnSpc>
+                <a:spcPct val="150000"/>
+              </a:lnSpc>
+              <a:buFont typeface="Arial" panose="020B0604020202020204" pitchFamily="34" charset="0"/>
+              <a:buNone/>
+            </a:pPr>
+            <a:r>
+              <a:rPr lang="en-US" altLang="ko-KR" sz="1800" dirty="0" smtClean="0"/>
+              <a:t>END</a:t>
+            </a:r>
+          </a:p>
+          <a:p>
+            <a:pPr marL="0" indent="0">
+              <a:lnSpc>
+                <a:spcPct val="150000"/>
+              </a:lnSpc>
+              <a:buFont typeface="Arial" panose="020B0604020202020204" pitchFamily="34" charset="0"/>
+              <a:buNone/>
+            </a:pPr>
+            <a:endParaRPr lang="en-US" altLang="ko-KR" sz="1800" dirty="0" smtClean="0"/>
+          </a:p>
+        </p:txBody>
+      </p:sp>
+      <p:sp>
+        <p:nvSpPr>
+          <p:cNvPr id="7" name="TextBox 6"/>
+          <p:cNvSpPr txBox="1"/>
+          <p:nvPr/>
+        </p:nvSpPr>
+        <p:spPr>
+          <a:xfrm>
+            <a:off x="827584" y="3924345"/>
+            <a:ext cx="5400600" cy="400110"/>
+          </a:xfrm>
+          <a:prstGeom prst="rect">
+            <a:avLst/>
+          </a:prstGeom>
+          <a:noFill/>
+        </p:spPr>
+        <p:txBody>
+          <a:bodyPr wrap="square" rtlCol="0">
+            <a:spAutoFit/>
+          </a:bodyPr>
+          <a:lstStyle/>
+          <a:p>
+            <a:r>
+              <a:rPr lang="en-US" altLang="ko-KR" sz="2000" b="1" dirty="0" smtClean="0"/>
+              <a:t>DECODE </a:t>
+            </a:r>
+            <a:r>
+              <a:rPr lang="ko-KR" altLang="en-US" sz="2000" b="1" dirty="0" smtClean="0"/>
+              <a:t>함수 </a:t>
+            </a:r>
+            <a:r>
+              <a:rPr lang="en-US" altLang="ko-KR" sz="2000" b="1" dirty="0" smtClean="0"/>
+              <a:t>– (IF~THEN~ELSE)</a:t>
+            </a:r>
+            <a:endParaRPr lang="ko-KR" altLang="en-US" sz="2000" b="1" dirty="0"/>
+          </a:p>
+        </p:txBody>
+      </p:sp>
+      <p:sp>
+        <p:nvSpPr>
+          <p:cNvPr id="9" name="내용 개체 틀 2"/>
+          <p:cNvSpPr txBox="1">
+            <a:spLocks/>
+          </p:cNvSpPr>
+          <p:nvPr/>
+        </p:nvSpPr>
+        <p:spPr>
+          <a:xfrm>
+            <a:off x="1259632" y="4497013"/>
+            <a:ext cx="4824536" cy="507452"/>
+          </a:xfrm>
+          <a:prstGeom prst="rect">
+            <a:avLst/>
+          </a:prstGeom>
+          <a:solidFill>
+            <a:schemeClr val="accent5">
+              <a:lumMod val="20000"/>
+              <a:lumOff val="80000"/>
+            </a:schemeClr>
+          </a:solidFill>
+        </p:spPr>
+        <p:txBody>
+          <a:bodyPr vert="horz" lIns="91440" tIns="45720" rIns="91440" bIns="45720" rtlCol="0">
+            <a:normAutofit/>
+          </a:bodyPr>
+          <a:lstStyle>
+            <a:lvl1pPr marL="342900" indent="-342900" algn="l" defTabSz="914400" rtl="0" eaLnBrk="1" latinLnBrk="1" hangingPunct="1">
+              <a:spcBef>
+                <a:spcPct val="20000"/>
+              </a:spcBef>
+              <a:buFont typeface="Arial" panose="020B0604020202020204" pitchFamily="34" charset="0"/>
+              <a:buChar char="•"/>
+              <a:defRPr sz="3200" kern="1200">
+                <a:solidFill>
+                  <a:schemeClr val="tx1"/>
+                </a:solidFill>
+                <a:latin typeface="+mn-lt"/>
+                <a:ea typeface="+mn-ea"/>
+                <a:cs typeface="+mn-cs"/>
+              </a:defRPr>
+            </a:lvl1pPr>
+            <a:lvl2pPr marL="742950" indent="-285750" algn="l" defTabSz="914400" rtl="0" eaLnBrk="1" latinLnBrk="1" hangingPunct="1">
+              <a:spcBef>
+                <a:spcPct val="20000"/>
+              </a:spcBef>
+              <a:buFont typeface="Arial" panose="020B0604020202020204" pitchFamily="34" charset="0"/>
+              <a:buChar char="–"/>
+              <a:defRPr sz="2800" kern="1200">
+                <a:solidFill>
+                  <a:schemeClr val="tx1"/>
+                </a:solidFill>
+                <a:latin typeface="+mn-lt"/>
+                <a:ea typeface="+mn-ea"/>
+                <a:cs typeface="+mn-cs"/>
+              </a:defRPr>
+            </a:lvl2pPr>
+            <a:lvl3pPr marL="1143000" indent="-228600" algn="l" defTabSz="914400" rtl="0" eaLnBrk="1" latinLnBrk="1" hangingPunct="1">
+              <a:spcBef>
+                <a:spcPct val="20000"/>
+              </a:spcBef>
+              <a:buFont typeface="Arial" panose="020B0604020202020204" pitchFamily="34" charset="0"/>
+              <a:buChar char="•"/>
+              <a:defRPr sz="2400" kern="1200">
+                <a:solidFill>
+                  <a:schemeClr val="tx1"/>
+                </a:solidFill>
+                <a:latin typeface="+mn-lt"/>
+                <a:ea typeface="+mn-ea"/>
+                <a:cs typeface="+mn-cs"/>
+              </a:defRPr>
+            </a:lvl3pPr>
+            <a:lvl4pPr marL="1600200" indent="-228600" algn="l" defTabSz="914400" rtl="0" eaLnBrk="1" latinLnBrk="1" hangingPunct="1">
+              <a:spcBef>
+                <a:spcPct val="20000"/>
+              </a:spcBef>
+              <a:buFont typeface="Arial" panose="020B0604020202020204" pitchFamily="34" charset="0"/>
+              <a:buChar char="–"/>
+              <a:defRPr sz="2000" kern="1200">
+                <a:solidFill>
+                  <a:schemeClr val="tx1"/>
+                </a:solidFill>
+                <a:latin typeface="+mn-lt"/>
+                <a:ea typeface="+mn-ea"/>
+                <a:cs typeface="+mn-cs"/>
+              </a:defRPr>
+            </a:lvl4pPr>
+            <a:lvl5pPr marL="2057400" indent="-228600" algn="l" defTabSz="914400" rtl="0" eaLnBrk="1" latinLnBrk="1" hangingPunct="1">
+              <a:spcBef>
+                <a:spcPct val="20000"/>
+              </a:spcBef>
+              <a:buFont typeface="Arial" panose="020B0604020202020204" pitchFamily="34" charset="0"/>
+              <a:buChar char="»"/>
+              <a:defRPr sz="2000" kern="1200">
+                <a:solidFill>
+                  <a:schemeClr val="tx1"/>
+                </a:solidFill>
+                <a:latin typeface="+mn-lt"/>
+                <a:ea typeface="+mn-ea"/>
+                <a:cs typeface="+mn-cs"/>
+              </a:defRPr>
+            </a:lvl5pPr>
+            <a:lvl6pPr marL="2514600" indent="-228600" algn="l" defTabSz="914400" rtl="0" eaLnBrk="1" latinLnBrk="1" hangingPunct="1">
+              <a:spcBef>
+                <a:spcPct val="20000"/>
+              </a:spcBef>
+              <a:buFont typeface="Arial" panose="020B0604020202020204" pitchFamily="34" charset="0"/>
+              <a:buChar char="•"/>
+              <a:defRPr sz="2000" kern="1200">
+                <a:solidFill>
+                  <a:schemeClr val="tx1"/>
+                </a:solidFill>
+                <a:latin typeface="+mn-lt"/>
+                <a:ea typeface="+mn-ea"/>
+                <a:cs typeface="+mn-cs"/>
+              </a:defRPr>
+            </a:lvl6pPr>
+            <a:lvl7pPr marL="2971800" indent="-228600" algn="l" defTabSz="914400" rtl="0" eaLnBrk="1" latinLnBrk="1" hangingPunct="1">
+              <a:spcBef>
+                <a:spcPct val="20000"/>
+              </a:spcBef>
+              <a:buFont typeface="Arial" panose="020B0604020202020204" pitchFamily="34" charset="0"/>
+              <a:buChar char="•"/>
+              <a:defRPr sz="2000" kern="1200">
+                <a:solidFill>
+                  <a:schemeClr val="tx1"/>
+                </a:solidFill>
+                <a:latin typeface="+mn-lt"/>
+                <a:ea typeface="+mn-ea"/>
+                <a:cs typeface="+mn-cs"/>
+              </a:defRPr>
+            </a:lvl7pPr>
+            <a:lvl8pPr marL="3429000" indent="-228600" algn="l" defTabSz="914400" rtl="0" eaLnBrk="1" latinLnBrk="1" hangingPunct="1">
+              <a:spcBef>
+                <a:spcPct val="20000"/>
+              </a:spcBef>
+              <a:buFont typeface="Arial" panose="020B0604020202020204" pitchFamily="34" charset="0"/>
+              <a:buChar char="•"/>
+              <a:defRPr sz="2000" kern="1200">
+                <a:solidFill>
+                  <a:schemeClr val="tx1"/>
+                </a:solidFill>
+                <a:latin typeface="+mn-lt"/>
+                <a:ea typeface="+mn-ea"/>
+                <a:cs typeface="+mn-cs"/>
+              </a:defRPr>
+            </a:lvl8pPr>
+            <a:lvl9pPr marL="3886200" indent="-228600" algn="l" defTabSz="914400" rtl="0" eaLnBrk="1" latinLnBrk="1" hangingPunct="1">
+              <a:spcBef>
+                <a:spcPct val="20000"/>
+              </a:spcBef>
+              <a:buFont typeface="Arial" panose="020B0604020202020204" pitchFamily="34" charset="0"/>
+              <a:buChar char="•"/>
+              <a:defRPr sz="2000" kern="1200">
+                <a:solidFill>
+                  <a:schemeClr val="tx1"/>
+                </a:solidFill>
+                <a:latin typeface="+mn-lt"/>
+                <a:ea typeface="+mn-ea"/>
+                <a:cs typeface="+mn-cs"/>
+              </a:defRPr>
+            </a:lvl9pPr>
+          </a:lstStyle>
+          <a:p>
+            <a:pPr marL="0" indent="0">
+              <a:lnSpc>
+                <a:spcPct val="150000"/>
+              </a:lnSpc>
+              <a:buFont typeface="Arial" panose="020B0604020202020204" pitchFamily="34" charset="0"/>
+              <a:buNone/>
+            </a:pPr>
+            <a:r>
+              <a:rPr lang="en-US" altLang="ko-KR" sz="1800" b="1" dirty="0" smtClean="0"/>
+              <a:t>DECODE (</a:t>
+            </a:r>
+            <a:r>
+              <a:rPr lang="ko-KR" altLang="en-US" sz="1800" b="1" dirty="0" err="1" smtClean="0"/>
+              <a:t>열이름</a:t>
+            </a:r>
+            <a:r>
+              <a:rPr lang="en-US" altLang="ko-KR" sz="1800" b="1" dirty="0" smtClean="0"/>
+              <a:t>, </a:t>
+            </a:r>
+            <a:r>
+              <a:rPr lang="ko-KR" altLang="en-US" sz="1800" b="1" dirty="0" smtClean="0"/>
+              <a:t>조건 값</a:t>
+            </a:r>
+            <a:r>
+              <a:rPr lang="en-US" altLang="ko-KR" sz="1800" b="1" dirty="0" smtClean="0"/>
+              <a:t>, </a:t>
+            </a:r>
+            <a:r>
+              <a:rPr lang="ko-KR" altLang="en-US" sz="1800" b="1" dirty="0" smtClean="0">
+                <a:solidFill>
+                  <a:srgbClr val="C00000"/>
+                </a:solidFill>
+              </a:rPr>
+              <a:t>변경 값</a:t>
+            </a:r>
+            <a:r>
+              <a:rPr lang="en-US" altLang="ko-KR" sz="1800" b="1" dirty="0" smtClean="0"/>
+              <a:t>, </a:t>
+            </a:r>
+            <a:r>
+              <a:rPr lang="ko-KR" altLang="en-US" sz="1800" b="1" dirty="0" smtClean="0"/>
+              <a:t>기본값</a:t>
+            </a:r>
+            <a:r>
+              <a:rPr lang="en-US" altLang="ko-KR" sz="1800" b="1" dirty="0" smtClean="0"/>
+              <a:t>)</a:t>
+            </a:r>
+          </a:p>
+        </p:txBody>
+      </p:sp>
+    </p:spTree>
+    <p:extLst>
+      <p:ext uri="{BB962C8B-B14F-4D97-AF65-F5344CB8AC3E}">
+        <p14:creationId xmlns:p14="http://schemas.microsoft.com/office/powerpoint/2010/main" val="2113827208"/>
+      </p:ext>
+    </p:extLst>
+  </p:cSld>
+  <p:clrMapOvr>
+    <a:masterClrMapping/>
+  </p:clrMapOvr>
+  <p:timing>
+    <p:tnLst>
+      <p:par>
+        <p:cTn id="1" dur="indefinite" restart="never" nodeType="tmRoot"/>
+      </p:par>
+    </p:tnLst>
+  </p:timing>
+</p:sld>
+</file>
+
+<file path=ppt/slides/slide22.xml><?xml version="1.0" encoding="utf-8"?>
+<p:sld xmlns:a="http://schemas.openxmlformats.org/drawingml/2006/main" xmlns:r="http://schemas.openxmlformats.org/officeDocument/2006/relationships" xmlns:p="http://schemas.openxmlformats.org/presentationml/2006/main">
+  <p:cSld>
+    <p:spTree>
+      <p:nvGrpSpPr>
+        <p:cNvPr id="1" name=""/>
+        <p:cNvGrpSpPr/>
+        <p:nvPr/>
+      </p:nvGrpSpPr>
+      <p:grpSpPr>
+        <a:xfrm>
+          <a:off x="0" y="0"/>
+          <a:ext cx="0" cy="0"/>
+          <a:chOff x="0" y="0"/>
+          <a:chExt cx="0" cy="0"/>
+        </a:xfrm>
+      </p:grpSpPr>
+      <p:sp>
+        <p:nvSpPr>
+          <p:cNvPr id="2" name="제목 1"/>
+          <p:cNvSpPr>
+            <a:spLocks noGrp="1"/>
+          </p:cNvSpPr>
+          <p:nvPr>
+            <p:ph type="title"/>
+          </p:nvPr>
+        </p:nvSpPr>
+        <p:spPr/>
+        <p:txBody>
+          <a:bodyPr>
+            <a:normAutofit/>
+          </a:bodyPr>
+          <a:lstStyle/>
+          <a:p>
+            <a:r>
+              <a:rPr lang="en-US" altLang="ko-KR" sz="2800" dirty="0" smtClean="0"/>
+              <a:t>  </a:t>
+            </a:r>
+            <a:r>
+              <a:rPr lang="en-US" altLang="ko-KR" sz="2800" b="1" dirty="0"/>
+              <a:t>DECODE </a:t>
+            </a:r>
+            <a:r>
+              <a:rPr lang="ko-KR" altLang="en-US" sz="2800" b="1" dirty="0" smtClean="0"/>
+              <a:t>함수</a:t>
+            </a:r>
+            <a:r>
+              <a:rPr lang="en-US" altLang="ko-KR" sz="2800" b="1" dirty="0" smtClean="0"/>
+              <a:t>()</a:t>
+            </a:r>
+            <a:r>
+              <a:rPr lang="ko-KR" altLang="en-US" sz="2800" b="1" dirty="0" smtClean="0"/>
+              <a:t> </a:t>
+            </a:r>
+            <a:r>
+              <a:rPr lang="en-US" altLang="ko-KR" sz="2800" b="1" dirty="0" smtClean="0"/>
+              <a:t>vs CASE </a:t>
+            </a:r>
+            <a:r>
+              <a:rPr lang="ko-KR" altLang="en-US" sz="2800" b="1" dirty="0" err="1" smtClean="0"/>
+              <a:t>표현식</a:t>
+            </a:r>
+            <a:endParaRPr lang="ko-KR" altLang="en-US" sz="2800" b="1" dirty="0"/>
+          </a:p>
+        </p:txBody>
+      </p:sp>
+      <p:sp>
+        <p:nvSpPr>
+          <p:cNvPr id="4" name="슬라이드 번호 개체 틀 3"/>
+          <p:cNvSpPr>
+            <a:spLocks noGrp="1"/>
+          </p:cNvSpPr>
+          <p:nvPr>
+            <p:ph type="sldNum" sz="quarter" idx="12"/>
+          </p:nvPr>
+        </p:nvSpPr>
+        <p:spPr/>
+        <p:txBody>
+          <a:bodyPr/>
+          <a:lstStyle/>
+          <a:p>
+            <a:fld id="{1BDE3FE7-3AEA-4B05-AC5A-802D1816ACF0}" type="slidenum">
+              <a:rPr lang="ko-KR" altLang="en-US" smtClean="0"/>
+              <a:t>22</a:t>
+            </a:fld>
+            <a:endParaRPr lang="ko-KR" altLang="en-US"/>
+          </a:p>
+        </p:txBody>
+      </p:sp>
+      <p:pic>
+        <p:nvPicPr>
+          <p:cNvPr id="3" name="그림 2"/>
+          <p:cNvPicPr>
+            <a:picLocks noChangeAspect="1"/>
+          </p:cNvPicPr>
+          <p:nvPr/>
+        </p:nvPicPr>
+        <p:blipFill>
+          <a:blip r:embed="rId2">
+            <a:extLst>
+              <a:ext uri="{28A0092B-C50C-407E-A947-70E740481C1C}">
+                <a14:useLocalDpi xmlns:a14="http://schemas.microsoft.com/office/drawing/2010/main" val="0"/>
+              </a:ext>
+            </a:extLst>
+          </a:blip>
+          <a:stretch>
+            <a:fillRect/>
+          </a:stretch>
+        </p:blipFill>
+        <p:spPr>
+          <a:xfrm>
+            <a:off x="1259632" y="1412776"/>
+            <a:ext cx="4168501" cy="3337849"/>
+          </a:xfrm>
+          <a:prstGeom prst="rect">
+            <a:avLst/>
+          </a:prstGeom>
+          <a:ln>
+            <a:solidFill>
+              <a:schemeClr val="bg1">
+                <a:lumMod val="85000"/>
+              </a:schemeClr>
+            </a:solidFill>
+          </a:ln>
+        </p:spPr>
+      </p:pic>
+    </p:spTree>
+    <p:extLst>
+      <p:ext uri="{BB962C8B-B14F-4D97-AF65-F5344CB8AC3E}">
+        <p14:creationId xmlns:p14="http://schemas.microsoft.com/office/powerpoint/2010/main" val="2122435675"/>
+      </p:ext>
+    </p:extLst>
+  </p:cSld>
+  <p:clrMapOvr>
+    <a:masterClrMapping/>
+  </p:clrMapOvr>
+  <p:timing>
+    <p:tnLst>
+      <p:par>
+        <p:cTn id="1" dur="indefinite" restart="never" nodeType="tmRoot"/>
+      </p:par>
+    </p:tnLst>
+  </p:timing>
+</p:sld>
+</file>
+
+<file path=ppt/slides/slide23.xml><?xml version="1.0" encoding="utf-8"?>
+<p:sld xmlns:a="http://schemas.openxmlformats.org/drawingml/2006/main" xmlns:r="http://schemas.openxmlformats.org/officeDocument/2006/relationships" xmlns:p="http://schemas.openxmlformats.org/presentationml/2006/main">
+  <p:cSld>
+    <p:spTree>
+      <p:nvGrpSpPr>
+        <p:cNvPr id="1" name=""/>
+        <p:cNvGrpSpPr/>
+        <p:nvPr/>
+      </p:nvGrpSpPr>
+      <p:grpSpPr>
+        <a:xfrm>
+          <a:off x="0" y="0"/>
+          <a:ext cx="0" cy="0"/>
+          <a:chOff x="0" y="0"/>
+          <a:chExt cx="0" cy="0"/>
+        </a:xfrm>
+      </p:grpSpPr>
+      <p:sp>
+        <p:nvSpPr>
+          <p:cNvPr id="2" name="제목 1"/>
+          <p:cNvSpPr>
+            <a:spLocks noGrp="1"/>
+          </p:cNvSpPr>
+          <p:nvPr>
+            <p:ph type="title"/>
+          </p:nvPr>
+        </p:nvSpPr>
+        <p:spPr/>
+        <p:txBody>
+          <a:bodyPr>
+            <a:normAutofit/>
+          </a:bodyPr>
+          <a:lstStyle/>
+          <a:p>
+            <a:r>
+              <a:rPr lang="en-US" altLang="ko-KR" sz="2800" dirty="0" smtClean="0"/>
+              <a:t>  </a:t>
+            </a:r>
+            <a:r>
+              <a:rPr lang="en-US" altLang="ko-KR" sz="2800" b="1" dirty="0"/>
+              <a:t>DECODE </a:t>
+            </a:r>
+            <a:r>
+              <a:rPr lang="ko-KR" altLang="en-US" sz="2800" b="1" dirty="0" smtClean="0"/>
+              <a:t>함수</a:t>
+            </a:r>
+            <a:r>
+              <a:rPr lang="en-US" altLang="ko-KR" sz="2800" b="1" dirty="0" smtClean="0"/>
+              <a:t>()</a:t>
+            </a:r>
+            <a:r>
+              <a:rPr lang="ko-KR" altLang="en-US" sz="2800" b="1" dirty="0" smtClean="0"/>
+              <a:t> </a:t>
+            </a:r>
+            <a:r>
+              <a:rPr lang="en-US" altLang="ko-KR" sz="2800" b="1" dirty="0" smtClean="0"/>
+              <a:t>vs CASE </a:t>
+            </a:r>
+            <a:r>
+              <a:rPr lang="ko-KR" altLang="en-US" sz="2800" b="1" dirty="0" err="1" smtClean="0"/>
+              <a:t>표현식</a:t>
+            </a:r>
+            <a:endParaRPr lang="ko-KR" altLang="en-US" sz="2800" b="1" dirty="0"/>
+          </a:p>
+        </p:txBody>
+      </p:sp>
+      <p:sp>
+        <p:nvSpPr>
+          <p:cNvPr id="4" name="슬라이드 번호 개체 틀 3"/>
+          <p:cNvSpPr>
+            <a:spLocks noGrp="1"/>
+          </p:cNvSpPr>
+          <p:nvPr>
+            <p:ph type="sldNum" sz="quarter" idx="12"/>
+          </p:nvPr>
+        </p:nvSpPr>
+        <p:spPr/>
+        <p:txBody>
+          <a:bodyPr/>
+          <a:lstStyle/>
+          <a:p>
+            <a:fld id="{1BDE3FE7-3AEA-4B05-AC5A-802D1816ACF0}" type="slidenum">
+              <a:rPr lang="ko-KR" altLang="en-US" smtClean="0"/>
+              <a:t>23</a:t>
+            </a:fld>
+            <a:endParaRPr lang="ko-KR" altLang="en-US"/>
+          </a:p>
+        </p:txBody>
+      </p:sp>
+      <p:pic>
+        <p:nvPicPr>
+          <p:cNvPr id="5" name="그림 4"/>
+          <p:cNvPicPr>
+            <a:picLocks noChangeAspect="1"/>
+          </p:cNvPicPr>
+          <p:nvPr/>
+        </p:nvPicPr>
+        <p:blipFill>
+          <a:blip r:embed="rId2">
+            <a:extLst>
+              <a:ext uri="{28A0092B-C50C-407E-A947-70E740481C1C}">
+                <a14:useLocalDpi xmlns:a14="http://schemas.microsoft.com/office/drawing/2010/main" val="0"/>
+              </a:ext>
+            </a:extLst>
+          </a:blip>
+          <a:stretch>
+            <a:fillRect/>
+          </a:stretch>
+        </p:blipFill>
+        <p:spPr>
+          <a:xfrm>
+            <a:off x="1174595" y="1412776"/>
+            <a:ext cx="4549534" cy="4061812"/>
+          </a:xfrm>
+          <a:prstGeom prst="rect">
+            <a:avLst/>
+          </a:prstGeom>
+          <a:ln>
+            <a:solidFill>
+              <a:schemeClr val="bg1">
+                <a:lumMod val="85000"/>
+              </a:schemeClr>
+            </a:solidFill>
+          </a:ln>
+        </p:spPr>
+      </p:pic>
+      <p:pic>
+        <p:nvPicPr>
+          <p:cNvPr id="6" name="그림 5"/>
+          <p:cNvPicPr>
+            <a:picLocks noChangeAspect="1"/>
+          </p:cNvPicPr>
+          <p:nvPr/>
+        </p:nvPicPr>
+        <p:blipFill>
+          <a:blip r:embed="rId3">
+            <a:extLst>
+              <a:ext uri="{28A0092B-C50C-407E-A947-70E740481C1C}">
+                <a14:useLocalDpi xmlns:a14="http://schemas.microsoft.com/office/drawing/2010/main" val="0"/>
+              </a:ext>
+            </a:extLst>
+          </a:blip>
+          <a:stretch>
+            <a:fillRect/>
+          </a:stretch>
+        </p:blipFill>
+        <p:spPr>
+          <a:xfrm>
+            <a:off x="6300192" y="4077072"/>
+            <a:ext cx="1226926" cy="510584"/>
+          </a:xfrm>
+          <a:prstGeom prst="rect">
+            <a:avLst/>
+          </a:prstGeom>
+          <a:ln>
+            <a:solidFill>
+              <a:schemeClr val="bg1">
+                <a:lumMod val="85000"/>
+              </a:schemeClr>
+            </a:solidFill>
+          </a:ln>
+        </p:spPr>
+      </p:pic>
+    </p:spTree>
+    <p:extLst>
+      <p:ext uri="{BB962C8B-B14F-4D97-AF65-F5344CB8AC3E}">
+        <p14:creationId xmlns:p14="http://schemas.microsoft.com/office/powerpoint/2010/main" val="235079448"/>
+      </p:ext>
+    </p:extLst>
+  </p:cSld>
+  <p:clrMapOvr>
+    <a:masterClrMapping/>
+  </p:clrMapOvr>
+  <p:timing>
+    <p:tnLst>
+      <p:par>
+        <p:cTn id="1" dur="indefinite" restart="never" nodeType="tmRoot"/>
+      </p:par>
+    </p:tnLst>
+  </p:timing>
+</p:sld>
+</file>
+
+<file path=ppt/slides/slide24.xml><?xml version="1.0" encoding="utf-8"?>
+<p:sld xmlns:a="http://schemas.openxmlformats.org/drawingml/2006/main" xmlns:r="http://schemas.openxmlformats.org/officeDocument/2006/relationships" xmlns:p="http://schemas.openxmlformats.org/presentationml/2006/main">
+  <p:cSld>
+    <p:spTree>
+      <p:nvGrpSpPr>
+        <p:cNvPr id="1" name=""/>
+        <p:cNvGrpSpPr/>
+        <p:nvPr/>
+      </p:nvGrpSpPr>
+      <p:grpSpPr>
+        <a:xfrm>
+          <a:off x="0" y="0"/>
+          <a:ext cx="0" cy="0"/>
+          <a:chOff x="0" y="0"/>
+          <a:chExt cx="0" cy="0"/>
+        </a:xfrm>
+      </p:grpSpPr>
+      <p:sp>
+        <p:nvSpPr>
+          <p:cNvPr id="2" name="제목 1"/>
+          <p:cNvSpPr>
+            <a:spLocks noGrp="1"/>
+          </p:cNvSpPr>
+          <p:nvPr>
+            <p:ph type="title"/>
+          </p:nvPr>
+        </p:nvSpPr>
+        <p:spPr/>
+        <p:txBody>
+          <a:bodyPr>
+            <a:normAutofit/>
+          </a:bodyPr>
+          <a:lstStyle/>
+          <a:p>
+            <a:r>
+              <a:rPr lang="en-US" altLang="ko-KR" sz="2800" dirty="0" smtClean="0"/>
+              <a:t>  </a:t>
+            </a:r>
+            <a:r>
+              <a:rPr lang="en-US" altLang="ko-KR" sz="2800" b="1" dirty="0"/>
+              <a:t>DECODE </a:t>
+            </a:r>
+            <a:r>
+              <a:rPr lang="ko-KR" altLang="en-US" sz="2800" b="1" dirty="0" smtClean="0"/>
+              <a:t>함수</a:t>
+            </a:r>
+            <a:r>
+              <a:rPr lang="en-US" altLang="ko-KR" sz="2800" b="1" dirty="0" smtClean="0"/>
+              <a:t>()</a:t>
+            </a:r>
+            <a:r>
+              <a:rPr lang="ko-KR" altLang="en-US" sz="2800" b="1" dirty="0" smtClean="0"/>
+              <a:t> </a:t>
+            </a:r>
+            <a:r>
+              <a:rPr lang="en-US" altLang="ko-KR" sz="2800" b="1" dirty="0" smtClean="0"/>
+              <a:t>vs CASE </a:t>
+            </a:r>
+            <a:r>
+              <a:rPr lang="ko-KR" altLang="en-US" sz="2800" b="1" dirty="0" err="1" smtClean="0"/>
+              <a:t>표현식</a:t>
+            </a:r>
+            <a:endParaRPr lang="ko-KR" altLang="en-US" sz="2800" b="1" dirty="0"/>
+          </a:p>
+        </p:txBody>
+      </p:sp>
+      <p:sp>
+        <p:nvSpPr>
+          <p:cNvPr id="4" name="슬라이드 번호 개체 틀 3"/>
+          <p:cNvSpPr>
+            <a:spLocks noGrp="1"/>
+          </p:cNvSpPr>
+          <p:nvPr>
+            <p:ph type="sldNum" sz="quarter" idx="12"/>
+          </p:nvPr>
+        </p:nvSpPr>
+        <p:spPr/>
+        <p:txBody>
+          <a:bodyPr/>
+          <a:lstStyle/>
+          <a:p>
+            <a:fld id="{1BDE3FE7-3AEA-4B05-AC5A-802D1816ACF0}" type="slidenum">
+              <a:rPr lang="ko-KR" altLang="en-US" smtClean="0"/>
+              <a:t>24</a:t>
+            </a:fld>
+            <a:endParaRPr lang="ko-KR" altLang="en-US"/>
+          </a:p>
+        </p:txBody>
+      </p:sp>
+      <p:pic>
+        <p:nvPicPr>
+          <p:cNvPr id="5" name="그림 4"/>
+          <p:cNvPicPr>
+            <a:picLocks noChangeAspect="1"/>
+          </p:cNvPicPr>
+          <p:nvPr/>
+        </p:nvPicPr>
+        <p:blipFill>
+          <a:blip r:embed="rId2">
+            <a:extLst>
+              <a:ext uri="{28A0092B-C50C-407E-A947-70E740481C1C}">
+                <a14:useLocalDpi xmlns:a14="http://schemas.microsoft.com/office/drawing/2010/main" val="0"/>
+              </a:ext>
+            </a:extLst>
+          </a:blip>
+          <a:stretch>
+            <a:fillRect/>
+          </a:stretch>
+        </p:blipFill>
+        <p:spPr>
+          <a:xfrm>
+            <a:off x="3923928" y="1412776"/>
+            <a:ext cx="4419983" cy="4023709"/>
+          </a:xfrm>
+          <a:prstGeom prst="rect">
+            <a:avLst/>
+          </a:prstGeom>
+          <a:ln>
+            <a:solidFill>
+              <a:schemeClr val="bg1">
+                <a:lumMod val="85000"/>
+              </a:schemeClr>
+            </a:solidFill>
+          </a:ln>
+        </p:spPr>
+      </p:pic>
+      <p:pic>
+        <p:nvPicPr>
+          <p:cNvPr id="6" name="그림 5"/>
+          <p:cNvPicPr>
+            <a:picLocks noChangeAspect="1"/>
+          </p:cNvPicPr>
+          <p:nvPr/>
+        </p:nvPicPr>
+        <p:blipFill>
+          <a:blip r:embed="rId3">
+            <a:extLst>
+              <a:ext uri="{28A0092B-C50C-407E-A947-70E740481C1C}">
+                <a14:useLocalDpi xmlns:a14="http://schemas.microsoft.com/office/drawing/2010/main" val="0"/>
+              </a:ext>
+            </a:extLst>
+          </a:blip>
+          <a:stretch>
+            <a:fillRect/>
+          </a:stretch>
+        </p:blipFill>
+        <p:spPr>
+          <a:xfrm>
+            <a:off x="1043608" y="1412776"/>
+            <a:ext cx="2001564" cy="1584176"/>
+          </a:xfrm>
+          <a:prstGeom prst="rect">
+            <a:avLst/>
+          </a:prstGeom>
+          <a:ln>
+            <a:solidFill>
+              <a:schemeClr val="bg1">
+                <a:lumMod val="85000"/>
+              </a:schemeClr>
+            </a:solidFill>
+          </a:ln>
+        </p:spPr>
+      </p:pic>
+    </p:spTree>
+    <p:extLst>
+      <p:ext uri="{BB962C8B-B14F-4D97-AF65-F5344CB8AC3E}">
+        <p14:creationId xmlns:p14="http://schemas.microsoft.com/office/powerpoint/2010/main" val="1901869722"/>
+      </p:ext>
+    </p:extLst>
+  </p:cSld>
+  <p:clrMapOvr>
+    <a:masterClrMapping/>
+  </p:clrMapOvr>
+  <p:timing>
+    <p:tnLst>
+      <p:par>
+        <p:cTn id="1" dur="indefinite" restart="never" nodeType="tmRoot"/>
+      </p:par>
+    </p:tnLst>
+  </p:timing>
+</p:sld>
+</file>
+
+<file path=ppt/slides/slide25.xml><?xml version="1.0" encoding="utf-8"?>
+<p:sld xmlns:a="http://schemas.openxmlformats.org/drawingml/2006/main" xmlns:r="http://schemas.openxmlformats.org/officeDocument/2006/relationships" xmlns:p="http://schemas.openxmlformats.org/presentationml/2006/main">
+  <p:cSld>
+    <p:spTree>
+      <p:nvGrpSpPr>
+        <p:cNvPr id="1" name=""/>
+        <p:cNvGrpSpPr/>
+        <p:nvPr/>
+      </p:nvGrpSpPr>
+      <p:grpSpPr>
+        <a:xfrm>
+          <a:off x="0" y="0"/>
+          <a:ext cx="0" cy="0"/>
+          <a:chOff x="0" y="0"/>
+          <a:chExt cx="0" cy="0"/>
+        </a:xfrm>
+      </p:grpSpPr>
+      <p:sp>
+        <p:nvSpPr>
+          <p:cNvPr id="4" name="슬라이드 번호 개체 틀 3"/>
+          <p:cNvSpPr>
+            <a:spLocks noGrp="1"/>
+          </p:cNvSpPr>
+          <p:nvPr>
+            <p:ph type="sldNum" sz="quarter" idx="12"/>
+          </p:nvPr>
+        </p:nvSpPr>
+        <p:spPr/>
+        <p:txBody>
+          <a:bodyPr/>
+          <a:lstStyle/>
+          <a:p>
+            <a:fld id="{1BDE3FE7-3AEA-4B05-AC5A-802D1816ACF0}" type="slidenum">
+              <a:rPr lang="ko-KR" altLang="en-US" smtClean="0"/>
+              <a:t>25</a:t>
             </a:fld>
             <a:endParaRPr lang="ko-KR" altLang="en-US"/>
           </a:p>
@@ -9221,7 +11844,7 @@
 </p:sld>
 </file>
 
-<file path=ppt/slides/slide19.xml><?xml version="1.0" encoding="utf-8"?>
+<file path=ppt/slides/slide26.xml><?xml version="1.0" encoding="utf-8"?>
 <p:sld xmlns:a="http://schemas.openxmlformats.org/drawingml/2006/main" xmlns:r="http://schemas.openxmlformats.org/officeDocument/2006/relationships" xmlns:p="http://schemas.openxmlformats.org/presentationml/2006/main">
   <p:cSld>
     <p:spTree>
@@ -9255,7 +11878,7 @@
           <a:p>
             <a:fld id="{1BDE3FE7-3AEA-4B05-AC5A-802D1816ACF0}" type="slidenum">
               <a:rPr lang="ko-KR" altLang="en-US" smtClean="0"/>
-              <a:t>19</a:t>
+              <a:t>26</a:t>
             </a:fld>
             <a:endParaRPr lang="ko-KR" altLang="en-US"/>
           </a:p>
@@ -9341,43 +11964,6 @@
           </a:p>
         </p:txBody>
       </p:sp>
-      <p:pic>
-        <p:nvPicPr>
-          <p:cNvPr id="2" name="그림 1"/>
-          <p:cNvPicPr>
-            <a:picLocks noChangeAspect="1"/>
-          </p:cNvPicPr>
-          <p:nvPr/>
-        </p:nvPicPr>
-        <p:blipFill>
-          <a:blip r:embed="rId2">
-            <a:extLst>
-              <a:ext uri="{28A0092B-C50C-407E-A947-70E740481C1C}">
-                <a14:useLocalDpi xmlns:a14="http://schemas.microsoft.com/office/drawing/2010/main" val="0"/>
-              </a:ext>
-            </a:extLst>
-          </a:blip>
-          <a:stretch>
-            <a:fillRect/>
-          </a:stretch>
-        </p:blipFill>
-        <p:spPr>
-          <a:xfrm>
-            <a:off x="1475656" y="2492896"/>
-            <a:ext cx="5768840" cy="1394581"/>
-          </a:xfrm>
-          <a:prstGeom prst="rect">
-            <a:avLst/>
-          </a:prstGeom>
-          <a:ln>
-            <a:solidFill>
-              <a:schemeClr val="bg1">
-                <a:lumMod val="85000"/>
-              </a:schemeClr>
-            </a:solidFill>
-          </a:ln>
-        </p:spPr>
-      </p:pic>
       <p:sp>
         <p:nvSpPr>
           <p:cNvPr id="7" name="내용 개체 틀 2"/>
@@ -9567,771 +12153,6 @@
       </p:sp>
       <p:pic>
         <p:nvPicPr>
-          <p:cNvPr id="5" name="그림 4"/>
-          <p:cNvPicPr>
-            <a:picLocks noChangeAspect="1"/>
-          </p:cNvPicPr>
-          <p:nvPr/>
-        </p:nvPicPr>
-        <p:blipFill>
-          <a:blip r:embed="rId3">
-            <a:extLst>
-              <a:ext uri="{28A0092B-C50C-407E-A947-70E740481C1C}">
-                <a14:useLocalDpi xmlns:a14="http://schemas.microsoft.com/office/drawing/2010/main" val="0"/>
-              </a:ext>
-            </a:extLst>
-          </a:blip>
-          <a:stretch>
-            <a:fillRect/>
-          </a:stretch>
-        </p:blipFill>
-        <p:spPr>
-          <a:xfrm>
-            <a:off x="1491144" y="4259652"/>
-            <a:ext cx="3955123" cy="1661304"/>
-          </a:xfrm>
-          <a:prstGeom prst="rect">
-            <a:avLst/>
-          </a:prstGeom>
-          <a:ln>
-            <a:solidFill>
-              <a:schemeClr val="bg1">
-                <a:lumMod val="85000"/>
-              </a:schemeClr>
-            </a:solidFill>
-          </a:ln>
-        </p:spPr>
-      </p:pic>
-    </p:spTree>
-    <p:extLst>
-      <p:ext uri="{BB962C8B-B14F-4D97-AF65-F5344CB8AC3E}">
-        <p14:creationId xmlns:p14="http://schemas.microsoft.com/office/powerpoint/2010/main" val="1132806098"/>
-      </p:ext>
-    </p:extLst>
-  </p:cSld>
-  <p:clrMapOvr>
-    <a:masterClrMapping/>
-  </p:clrMapOvr>
-  <p:timing>
-    <p:tnLst>
-      <p:par>
-        <p:cTn id="1" dur="indefinite" restart="never" nodeType="tmRoot"/>
-      </p:par>
-    </p:tnLst>
-  </p:timing>
-</p:sld>
-</file>
-
-<file path=ppt/slides/slide2.xml><?xml version="1.0" encoding="utf-8"?>
-<p:sld xmlns:a="http://schemas.openxmlformats.org/drawingml/2006/main" xmlns:r="http://schemas.openxmlformats.org/officeDocument/2006/relationships" xmlns:p="http://schemas.openxmlformats.org/presentationml/2006/main">
-  <p:cSld>
-    <p:spTree>
-      <p:nvGrpSpPr>
-        <p:cNvPr id="1" name=""/>
-        <p:cNvGrpSpPr/>
-        <p:nvPr/>
-      </p:nvGrpSpPr>
-      <p:grpSpPr>
-        <a:xfrm>
-          <a:off x="0" y="0"/>
-          <a:ext cx="0" cy="0"/>
-          <a:chOff x="0" y="0"/>
-          <a:chExt cx="0" cy="0"/>
-        </a:xfrm>
-      </p:grpSpPr>
-      <p:sp>
-        <p:nvSpPr>
-          <p:cNvPr id="2" name="제목 1"/>
-          <p:cNvSpPr>
-            <a:spLocks noGrp="1"/>
-          </p:cNvSpPr>
-          <p:nvPr>
-            <p:ph type="title"/>
-          </p:nvPr>
-        </p:nvSpPr>
-        <p:spPr/>
-        <p:txBody>
-          <a:bodyPr/>
-          <a:lstStyle/>
-          <a:p>
-            <a:r>
-              <a:rPr lang="en-US" altLang="ko-KR" dirty="0" smtClean="0"/>
-              <a:t>  SQL </a:t>
-            </a:r>
-            <a:r>
-              <a:rPr lang="ko-KR" altLang="en-US" dirty="0" smtClean="0"/>
-              <a:t>내장 함수</a:t>
-            </a:r>
-            <a:endParaRPr lang="ko-KR" altLang="en-US" dirty="0"/>
-          </a:p>
-        </p:txBody>
-      </p:sp>
-      <p:sp>
-        <p:nvSpPr>
-          <p:cNvPr id="4" name="슬라이드 번호 개체 틀 3"/>
-          <p:cNvSpPr>
-            <a:spLocks noGrp="1"/>
-          </p:cNvSpPr>
-          <p:nvPr>
-            <p:ph type="sldNum" sz="quarter" idx="12"/>
-          </p:nvPr>
-        </p:nvSpPr>
-        <p:spPr/>
-        <p:txBody>
-          <a:bodyPr/>
-          <a:lstStyle/>
-          <a:p>
-            <a:fld id="{1BDE3FE7-3AEA-4B05-AC5A-802D1816ACF0}" type="slidenum">
-              <a:rPr lang="ko-KR" altLang="en-US" smtClean="0"/>
-              <a:t>2</a:t>
-            </a:fld>
-            <a:endParaRPr lang="ko-KR" altLang="en-US"/>
-          </a:p>
-        </p:txBody>
-      </p:sp>
-      <p:sp>
-        <p:nvSpPr>
-          <p:cNvPr id="12" name="내용 개체 틀 2"/>
-          <p:cNvSpPr txBox="1">
-            <a:spLocks/>
-          </p:cNvSpPr>
-          <p:nvPr/>
-        </p:nvSpPr>
-        <p:spPr>
-          <a:xfrm>
-            <a:off x="467544" y="1052736"/>
-            <a:ext cx="2160240" cy="504056"/>
-          </a:xfrm>
-          <a:prstGeom prst="rect">
-            <a:avLst/>
-          </a:prstGeom>
-        </p:spPr>
-        <p:txBody>
-          <a:bodyPr vert="horz" lIns="91440" tIns="45720" rIns="91440" bIns="45720" rtlCol="0">
-            <a:noAutofit/>
-          </a:bodyPr>
-          <a:lstStyle>
-            <a:lvl1pPr marL="342900" indent="-342900" algn="l" defTabSz="914400" rtl="0" eaLnBrk="1" latinLnBrk="1" hangingPunct="1">
-              <a:spcBef>
-                <a:spcPct val="20000"/>
-              </a:spcBef>
-              <a:buFont typeface="Arial" panose="020B0604020202020204" pitchFamily="34" charset="0"/>
-              <a:buChar char="•"/>
-              <a:defRPr sz="3200" kern="1200">
-                <a:solidFill>
-                  <a:schemeClr val="tx1"/>
-                </a:solidFill>
-                <a:latin typeface="+mn-lt"/>
-                <a:ea typeface="+mn-ea"/>
-                <a:cs typeface="+mn-cs"/>
-              </a:defRPr>
-            </a:lvl1pPr>
-            <a:lvl2pPr marL="742950" indent="-285750" algn="l" defTabSz="914400" rtl="0" eaLnBrk="1" latinLnBrk="1" hangingPunct="1">
-              <a:spcBef>
-                <a:spcPct val="20000"/>
-              </a:spcBef>
-              <a:buFont typeface="Arial" panose="020B0604020202020204" pitchFamily="34" charset="0"/>
-              <a:buChar char="–"/>
-              <a:defRPr sz="2800" kern="1200">
-                <a:solidFill>
-                  <a:schemeClr val="tx1"/>
-                </a:solidFill>
-                <a:latin typeface="+mn-lt"/>
-                <a:ea typeface="+mn-ea"/>
-                <a:cs typeface="+mn-cs"/>
-              </a:defRPr>
-            </a:lvl2pPr>
-            <a:lvl3pPr marL="1143000" indent="-228600" algn="l" defTabSz="914400" rtl="0" eaLnBrk="1" latinLnBrk="1" hangingPunct="1">
-              <a:spcBef>
-                <a:spcPct val="20000"/>
-              </a:spcBef>
-              <a:buFont typeface="Arial" panose="020B0604020202020204" pitchFamily="34" charset="0"/>
-              <a:buChar char="•"/>
-              <a:defRPr sz="2400" kern="1200">
-                <a:solidFill>
-                  <a:schemeClr val="tx1"/>
-                </a:solidFill>
-                <a:latin typeface="+mn-lt"/>
-                <a:ea typeface="+mn-ea"/>
-                <a:cs typeface="+mn-cs"/>
-              </a:defRPr>
-            </a:lvl3pPr>
-            <a:lvl4pPr marL="1600200" indent="-228600" algn="l" defTabSz="914400" rtl="0" eaLnBrk="1" latinLnBrk="1" hangingPunct="1">
-              <a:spcBef>
-                <a:spcPct val="20000"/>
-              </a:spcBef>
-              <a:buFont typeface="Arial" panose="020B0604020202020204" pitchFamily="34" charset="0"/>
-              <a:buChar char="–"/>
-              <a:defRPr sz="2000" kern="1200">
-                <a:solidFill>
-                  <a:schemeClr val="tx1"/>
-                </a:solidFill>
-                <a:latin typeface="+mn-lt"/>
-                <a:ea typeface="+mn-ea"/>
-                <a:cs typeface="+mn-cs"/>
-              </a:defRPr>
-            </a:lvl4pPr>
-            <a:lvl5pPr marL="2057400" indent="-228600" algn="l" defTabSz="914400" rtl="0" eaLnBrk="1" latinLnBrk="1" hangingPunct="1">
-              <a:spcBef>
-                <a:spcPct val="20000"/>
-              </a:spcBef>
-              <a:buFont typeface="Arial" panose="020B0604020202020204" pitchFamily="34" charset="0"/>
-              <a:buChar char="»"/>
-              <a:defRPr sz="2000" kern="1200">
-                <a:solidFill>
-                  <a:schemeClr val="tx1"/>
-                </a:solidFill>
-                <a:latin typeface="+mn-lt"/>
-                <a:ea typeface="+mn-ea"/>
-                <a:cs typeface="+mn-cs"/>
-              </a:defRPr>
-            </a:lvl5pPr>
-            <a:lvl6pPr marL="2514600" indent="-228600" algn="l" defTabSz="914400" rtl="0" eaLnBrk="1" latinLnBrk="1" hangingPunct="1">
-              <a:spcBef>
-                <a:spcPct val="20000"/>
-              </a:spcBef>
-              <a:buFont typeface="Arial" panose="020B0604020202020204" pitchFamily="34" charset="0"/>
-              <a:buChar char="•"/>
-              <a:defRPr sz="2000" kern="1200">
-                <a:solidFill>
-                  <a:schemeClr val="tx1"/>
-                </a:solidFill>
-                <a:latin typeface="+mn-lt"/>
-                <a:ea typeface="+mn-ea"/>
-                <a:cs typeface="+mn-cs"/>
-              </a:defRPr>
-            </a:lvl6pPr>
-            <a:lvl7pPr marL="2971800" indent="-228600" algn="l" defTabSz="914400" rtl="0" eaLnBrk="1" latinLnBrk="1" hangingPunct="1">
-              <a:spcBef>
-                <a:spcPct val="20000"/>
-              </a:spcBef>
-              <a:buFont typeface="Arial" panose="020B0604020202020204" pitchFamily="34" charset="0"/>
-              <a:buChar char="•"/>
-              <a:defRPr sz="2000" kern="1200">
-                <a:solidFill>
-                  <a:schemeClr val="tx1"/>
-                </a:solidFill>
-                <a:latin typeface="+mn-lt"/>
-                <a:ea typeface="+mn-ea"/>
-                <a:cs typeface="+mn-cs"/>
-              </a:defRPr>
-            </a:lvl7pPr>
-            <a:lvl8pPr marL="3429000" indent="-228600" algn="l" defTabSz="914400" rtl="0" eaLnBrk="1" latinLnBrk="1" hangingPunct="1">
-              <a:spcBef>
-                <a:spcPct val="20000"/>
-              </a:spcBef>
-              <a:buFont typeface="Arial" panose="020B0604020202020204" pitchFamily="34" charset="0"/>
-              <a:buChar char="•"/>
-              <a:defRPr sz="2000" kern="1200">
-                <a:solidFill>
-                  <a:schemeClr val="tx1"/>
-                </a:solidFill>
-                <a:latin typeface="+mn-lt"/>
-                <a:ea typeface="+mn-ea"/>
-                <a:cs typeface="+mn-cs"/>
-              </a:defRPr>
-            </a:lvl8pPr>
-            <a:lvl9pPr marL="3886200" indent="-228600" algn="l" defTabSz="914400" rtl="0" eaLnBrk="1" latinLnBrk="1" hangingPunct="1">
-              <a:spcBef>
-                <a:spcPct val="20000"/>
-              </a:spcBef>
-              <a:buFont typeface="Arial" panose="020B0604020202020204" pitchFamily="34" charset="0"/>
-              <a:buChar char="•"/>
-              <a:defRPr sz="2000" kern="1200">
-                <a:solidFill>
-                  <a:schemeClr val="tx1"/>
-                </a:solidFill>
-                <a:latin typeface="+mn-lt"/>
-                <a:ea typeface="+mn-ea"/>
-                <a:cs typeface="+mn-cs"/>
-              </a:defRPr>
-            </a:lvl9pPr>
-          </a:lstStyle>
-          <a:p>
-            <a:pPr marL="0" indent="0">
-              <a:lnSpc>
-                <a:spcPct val="150000"/>
-              </a:lnSpc>
-              <a:buFont typeface="Arial" panose="020B0604020202020204" pitchFamily="34" charset="0"/>
-              <a:buNone/>
-            </a:pPr>
-            <a:r>
-              <a:rPr lang="en-US" altLang="ko-KR" sz="1800" dirty="0"/>
-              <a:t> </a:t>
-            </a:r>
-            <a:r>
-              <a:rPr lang="en-US" altLang="ko-KR" sz="2000" b="1" dirty="0" smtClean="0"/>
-              <a:t>SQL </a:t>
-            </a:r>
-            <a:r>
-              <a:rPr lang="ko-KR" altLang="en-US" sz="2000" b="1" dirty="0" smtClean="0"/>
-              <a:t>내장함수</a:t>
-            </a:r>
-            <a:endParaRPr lang="en-US" altLang="ko-KR" sz="1800" dirty="0" smtClean="0"/>
-          </a:p>
-        </p:txBody>
-      </p:sp>
-      <p:sp>
-        <p:nvSpPr>
-          <p:cNvPr id="3" name="TextBox 2"/>
-          <p:cNvSpPr txBox="1"/>
-          <p:nvPr/>
-        </p:nvSpPr>
-        <p:spPr>
-          <a:xfrm>
-            <a:off x="683568" y="1732166"/>
-            <a:ext cx="6973384" cy="1754326"/>
-          </a:xfrm>
-          <a:prstGeom prst="rect">
-            <a:avLst/>
-          </a:prstGeom>
-          <a:noFill/>
-        </p:spPr>
-        <p:txBody>
-          <a:bodyPr wrap="none" rtlCol="0">
-            <a:spAutoFit/>
-          </a:bodyPr>
-          <a:lstStyle/>
-          <a:p>
-            <a:pPr>
-              <a:lnSpc>
-                <a:spcPct val="150000"/>
-              </a:lnSpc>
-            </a:pPr>
-            <a:r>
-              <a:rPr lang="ko-KR" altLang="en-US" dirty="0" smtClean="0"/>
-              <a:t>상수나 속성 이름을 입력 값으로 받아 단일 값을 결과로 반환한다</a:t>
-            </a:r>
-            <a:r>
-              <a:rPr lang="en-US" altLang="ko-KR" dirty="0" smtClean="0"/>
-              <a:t>.</a:t>
-            </a:r>
-          </a:p>
-          <a:p>
-            <a:pPr>
-              <a:lnSpc>
-                <a:spcPct val="150000"/>
-              </a:lnSpc>
-            </a:pPr>
-            <a:r>
-              <a:rPr lang="ko-KR" altLang="en-US" dirty="0" smtClean="0"/>
-              <a:t>모든 내장 함수는 최초에 선언될 때 유효한 </a:t>
-            </a:r>
-            <a:r>
-              <a:rPr lang="ko-KR" altLang="en-US" dirty="0" err="1" smtClean="0"/>
-              <a:t>입력값을</a:t>
-            </a:r>
-            <a:r>
-              <a:rPr lang="ko-KR" altLang="en-US" dirty="0" smtClean="0"/>
-              <a:t> 받아야 한다</a:t>
-            </a:r>
-            <a:r>
-              <a:rPr lang="en-US" altLang="ko-KR" dirty="0" smtClean="0"/>
-              <a:t>.</a:t>
-            </a:r>
-          </a:p>
-          <a:p>
-            <a:pPr>
-              <a:lnSpc>
-                <a:spcPct val="150000"/>
-              </a:lnSpc>
-            </a:pPr>
-            <a:r>
-              <a:rPr lang="ko-KR" altLang="en-US" dirty="0" smtClean="0"/>
-              <a:t>예를 들어 수학 함수의 </a:t>
-            </a:r>
-            <a:r>
-              <a:rPr lang="ko-KR" altLang="en-US" dirty="0" err="1" smtClean="0"/>
-              <a:t>입력값은</a:t>
-            </a:r>
-            <a:r>
-              <a:rPr lang="ko-KR" altLang="en-US" dirty="0" smtClean="0"/>
-              <a:t> 정수 또는 실수 여야 한다</a:t>
-            </a:r>
-            <a:r>
-              <a:rPr lang="en-US" altLang="ko-KR" dirty="0" smtClean="0"/>
-              <a:t>.</a:t>
-            </a:r>
-          </a:p>
-          <a:p>
-            <a:pPr>
-              <a:lnSpc>
-                <a:spcPct val="150000"/>
-              </a:lnSpc>
-            </a:pPr>
-            <a:r>
-              <a:rPr lang="en-US" altLang="ko-KR" dirty="0" smtClean="0"/>
-              <a:t>SELECT </a:t>
-            </a:r>
-            <a:r>
-              <a:rPr lang="ko-KR" altLang="en-US" dirty="0" smtClean="0"/>
-              <a:t>절과 </a:t>
-            </a:r>
-            <a:r>
-              <a:rPr lang="en-US" altLang="ko-KR" dirty="0" smtClean="0"/>
-              <a:t>WHERE </a:t>
-            </a:r>
-            <a:r>
-              <a:rPr lang="ko-KR" altLang="en-US" dirty="0" smtClean="0"/>
-              <a:t>절</a:t>
-            </a:r>
-            <a:r>
-              <a:rPr lang="en-US" altLang="ko-KR" dirty="0" smtClean="0"/>
-              <a:t>, UPDATE </a:t>
-            </a:r>
-            <a:r>
-              <a:rPr lang="ko-KR" altLang="en-US" dirty="0" smtClean="0"/>
-              <a:t>절 등에서 모두 사용 가능하다</a:t>
-            </a:r>
-            <a:r>
-              <a:rPr lang="en-US" altLang="ko-KR" dirty="0" smtClean="0"/>
-              <a:t>.</a:t>
-            </a:r>
-            <a:endParaRPr lang="ko-KR" altLang="en-US" dirty="0"/>
-          </a:p>
-        </p:txBody>
-      </p:sp>
-    </p:spTree>
-    <p:extLst>
-      <p:ext uri="{BB962C8B-B14F-4D97-AF65-F5344CB8AC3E}">
-        <p14:creationId xmlns:p14="http://schemas.microsoft.com/office/powerpoint/2010/main" val="4127527602"/>
-      </p:ext>
-    </p:extLst>
-  </p:cSld>
-  <p:clrMapOvr>
-    <a:masterClrMapping/>
-  </p:clrMapOvr>
-  <p:timing>
-    <p:tnLst>
-      <p:par>
-        <p:cTn id="1" dur="indefinite" restart="never" nodeType="tmRoot"/>
-      </p:par>
-    </p:tnLst>
-  </p:timing>
-</p:sld>
-</file>
-
-<file path=ppt/slides/slide20.xml><?xml version="1.0" encoding="utf-8"?>
-<p:sld xmlns:a="http://schemas.openxmlformats.org/drawingml/2006/main" xmlns:r="http://schemas.openxmlformats.org/officeDocument/2006/relationships" xmlns:p="http://schemas.openxmlformats.org/presentationml/2006/main">
-  <p:cSld>
-    <p:spTree>
-      <p:nvGrpSpPr>
-        <p:cNvPr id="1" name=""/>
-        <p:cNvGrpSpPr/>
-        <p:nvPr/>
-      </p:nvGrpSpPr>
-      <p:grpSpPr>
-        <a:xfrm>
-          <a:off x="0" y="0"/>
-          <a:ext cx="0" cy="0"/>
-          <a:chOff x="0" y="0"/>
-          <a:chExt cx="0" cy="0"/>
-        </a:xfrm>
-      </p:grpSpPr>
-      <p:sp>
-        <p:nvSpPr>
-          <p:cNvPr id="4" name="슬라이드 번호 개체 틀 3"/>
-          <p:cNvSpPr>
-            <a:spLocks noGrp="1"/>
-          </p:cNvSpPr>
-          <p:nvPr>
-            <p:ph type="sldNum" sz="quarter" idx="12"/>
-          </p:nvPr>
-        </p:nvSpPr>
-        <p:spPr/>
-        <p:txBody>
-          <a:bodyPr/>
-          <a:lstStyle/>
-          <a:p>
-            <a:fld id="{1BDE3FE7-3AEA-4B05-AC5A-802D1816ACF0}" type="slidenum">
-              <a:rPr lang="ko-KR" altLang="en-US" smtClean="0"/>
-              <a:t>20</a:t>
-            </a:fld>
-            <a:endParaRPr lang="ko-KR" altLang="en-US"/>
-          </a:p>
-        </p:txBody>
-      </p:sp>
-      <p:sp>
-        <p:nvSpPr>
-          <p:cNvPr id="3" name="TextBox 2"/>
-          <p:cNvSpPr txBox="1"/>
-          <p:nvPr/>
-        </p:nvSpPr>
-        <p:spPr>
-          <a:xfrm>
-            <a:off x="827584" y="1052736"/>
-            <a:ext cx="6624736" cy="400110"/>
-          </a:xfrm>
-          <a:prstGeom prst="rect">
-            <a:avLst/>
-          </a:prstGeom>
-          <a:noFill/>
-        </p:spPr>
-        <p:txBody>
-          <a:bodyPr wrap="square" rtlCol="0">
-            <a:spAutoFit/>
-          </a:bodyPr>
-          <a:lstStyle/>
-          <a:p>
-            <a:r>
-              <a:rPr lang="en-US" altLang="ko-KR" sz="2000" b="1" dirty="0" smtClean="0"/>
-              <a:t>RANK() </a:t>
-            </a:r>
-            <a:r>
-              <a:rPr lang="ko-KR" altLang="en-US" sz="2000" b="1" dirty="0" smtClean="0"/>
-              <a:t>함수 </a:t>
-            </a:r>
-            <a:r>
-              <a:rPr lang="en-US" altLang="ko-KR" sz="2000" b="1" dirty="0" smtClean="0"/>
-              <a:t>– </a:t>
-            </a:r>
-            <a:r>
-              <a:rPr lang="ko-KR" altLang="en-US" sz="2000" b="1" dirty="0" smtClean="0"/>
-              <a:t>그룹으로 묶어서 순위를 정해야 </a:t>
-            </a:r>
-            <a:r>
-              <a:rPr lang="ko-KR" altLang="en-US" sz="2000" b="1" dirty="0" err="1" smtClean="0"/>
-              <a:t>할때</a:t>
-            </a:r>
-            <a:endParaRPr lang="ko-KR" altLang="en-US" sz="2000" b="1" dirty="0"/>
-          </a:p>
-        </p:txBody>
-      </p:sp>
-      <p:sp>
-        <p:nvSpPr>
-          <p:cNvPr id="10" name="제목 1"/>
-          <p:cNvSpPr>
-            <a:spLocks noGrp="1"/>
-          </p:cNvSpPr>
-          <p:nvPr>
-            <p:ph type="title"/>
-          </p:nvPr>
-        </p:nvSpPr>
-        <p:spPr>
-          <a:xfrm>
-            <a:off x="1" y="-18256"/>
-            <a:ext cx="5724128" cy="854968"/>
-          </a:xfrm>
-        </p:spPr>
-        <p:txBody>
-          <a:bodyPr>
-            <a:normAutofit/>
-          </a:bodyPr>
-          <a:lstStyle/>
-          <a:p>
-            <a:r>
-              <a:rPr lang="en-US" altLang="ko-KR" sz="2800" dirty="0" smtClean="0"/>
-              <a:t>  </a:t>
-            </a:r>
-            <a:r>
-              <a:rPr lang="ko-KR" altLang="en-US" sz="2800" b="1" dirty="0" smtClean="0"/>
-              <a:t>그룹 함수 </a:t>
-            </a:r>
-            <a:r>
-              <a:rPr lang="en-US" altLang="ko-KR" sz="2800" b="1" dirty="0" smtClean="0"/>
-              <a:t>– RANK()</a:t>
-            </a:r>
-            <a:endParaRPr lang="ko-KR" altLang="en-US" sz="2800" b="1" dirty="0"/>
-          </a:p>
-        </p:txBody>
-      </p:sp>
-      <p:sp>
-        <p:nvSpPr>
-          <p:cNvPr id="7" name="내용 개체 틀 2"/>
-          <p:cNvSpPr txBox="1">
-            <a:spLocks/>
-          </p:cNvSpPr>
-          <p:nvPr/>
-        </p:nvSpPr>
-        <p:spPr>
-          <a:xfrm>
-            <a:off x="1043608" y="1714508"/>
-            <a:ext cx="6912768" cy="507452"/>
-          </a:xfrm>
-          <a:prstGeom prst="rect">
-            <a:avLst/>
-          </a:prstGeom>
-          <a:solidFill>
-            <a:schemeClr val="accent5">
-              <a:lumMod val="20000"/>
-              <a:lumOff val="80000"/>
-            </a:schemeClr>
-          </a:solidFill>
-        </p:spPr>
-        <p:txBody>
-          <a:bodyPr vert="horz" lIns="91440" tIns="45720" rIns="91440" bIns="45720" rtlCol="0">
-            <a:normAutofit/>
-          </a:bodyPr>
-          <a:lstStyle>
-            <a:lvl1pPr marL="342900" indent="-342900" algn="l" defTabSz="914400" rtl="0" eaLnBrk="1" latinLnBrk="1" hangingPunct="1">
-              <a:spcBef>
-                <a:spcPct val="20000"/>
-              </a:spcBef>
-              <a:buFont typeface="Arial" panose="020B0604020202020204" pitchFamily="34" charset="0"/>
-              <a:buChar char="•"/>
-              <a:defRPr sz="3200" kern="1200">
-                <a:solidFill>
-                  <a:schemeClr val="tx1"/>
-                </a:solidFill>
-                <a:latin typeface="+mn-lt"/>
-                <a:ea typeface="+mn-ea"/>
-                <a:cs typeface="+mn-cs"/>
-              </a:defRPr>
-            </a:lvl1pPr>
-            <a:lvl2pPr marL="742950" indent="-285750" algn="l" defTabSz="914400" rtl="0" eaLnBrk="1" latinLnBrk="1" hangingPunct="1">
-              <a:spcBef>
-                <a:spcPct val="20000"/>
-              </a:spcBef>
-              <a:buFont typeface="Arial" panose="020B0604020202020204" pitchFamily="34" charset="0"/>
-              <a:buChar char="–"/>
-              <a:defRPr sz="2800" kern="1200">
-                <a:solidFill>
-                  <a:schemeClr val="tx1"/>
-                </a:solidFill>
-                <a:latin typeface="+mn-lt"/>
-                <a:ea typeface="+mn-ea"/>
-                <a:cs typeface="+mn-cs"/>
-              </a:defRPr>
-            </a:lvl2pPr>
-            <a:lvl3pPr marL="1143000" indent="-228600" algn="l" defTabSz="914400" rtl="0" eaLnBrk="1" latinLnBrk="1" hangingPunct="1">
-              <a:spcBef>
-                <a:spcPct val="20000"/>
-              </a:spcBef>
-              <a:buFont typeface="Arial" panose="020B0604020202020204" pitchFamily="34" charset="0"/>
-              <a:buChar char="•"/>
-              <a:defRPr sz="2400" kern="1200">
-                <a:solidFill>
-                  <a:schemeClr val="tx1"/>
-                </a:solidFill>
-                <a:latin typeface="+mn-lt"/>
-                <a:ea typeface="+mn-ea"/>
-                <a:cs typeface="+mn-cs"/>
-              </a:defRPr>
-            </a:lvl3pPr>
-            <a:lvl4pPr marL="1600200" indent="-228600" algn="l" defTabSz="914400" rtl="0" eaLnBrk="1" latinLnBrk="1" hangingPunct="1">
-              <a:spcBef>
-                <a:spcPct val="20000"/>
-              </a:spcBef>
-              <a:buFont typeface="Arial" panose="020B0604020202020204" pitchFamily="34" charset="0"/>
-              <a:buChar char="–"/>
-              <a:defRPr sz="2000" kern="1200">
-                <a:solidFill>
-                  <a:schemeClr val="tx1"/>
-                </a:solidFill>
-                <a:latin typeface="+mn-lt"/>
-                <a:ea typeface="+mn-ea"/>
-                <a:cs typeface="+mn-cs"/>
-              </a:defRPr>
-            </a:lvl4pPr>
-            <a:lvl5pPr marL="2057400" indent="-228600" algn="l" defTabSz="914400" rtl="0" eaLnBrk="1" latinLnBrk="1" hangingPunct="1">
-              <a:spcBef>
-                <a:spcPct val="20000"/>
-              </a:spcBef>
-              <a:buFont typeface="Arial" panose="020B0604020202020204" pitchFamily="34" charset="0"/>
-              <a:buChar char="»"/>
-              <a:defRPr sz="2000" kern="1200">
-                <a:solidFill>
-                  <a:schemeClr val="tx1"/>
-                </a:solidFill>
-                <a:latin typeface="+mn-lt"/>
-                <a:ea typeface="+mn-ea"/>
-                <a:cs typeface="+mn-cs"/>
-              </a:defRPr>
-            </a:lvl5pPr>
-            <a:lvl6pPr marL="2514600" indent="-228600" algn="l" defTabSz="914400" rtl="0" eaLnBrk="1" latinLnBrk="1" hangingPunct="1">
-              <a:spcBef>
-                <a:spcPct val="20000"/>
-              </a:spcBef>
-              <a:buFont typeface="Arial" panose="020B0604020202020204" pitchFamily="34" charset="0"/>
-              <a:buChar char="•"/>
-              <a:defRPr sz="2000" kern="1200">
-                <a:solidFill>
-                  <a:schemeClr val="tx1"/>
-                </a:solidFill>
-                <a:latin typeface="+mn-lt"/>
-                <a:ea typeface="+mn-ea"/>
-                <a:cs typeface="+mn-cs"/>
-              </a:defRPr>
-            </a:lvl6pPr>
-            <a:lvl7pPr marL="2971800" indent="-228600" algn="l" defTabSz="914400" rtl="0" eaLnBrk="1" latinLnBrk="1" hangingPunct="1">
-              <a:spcBef>
-                <a:spcPct val="20000"/>
-              </a:spcBef>
-              <a:buFont typeface="Arial" panose="020B0604020202020204" pitchFamily="34" charset="0"/>
-              <a:buChar char="•"/>
-              <a:defRPr sz="2000" kern="1200">
-                <a:solidFill>
-                  <a:schemeClr val="tx1"/>
-                </a:solidFill>
-                <a:latin typeface="+mn-lt"/>
-                <a:ea typeface="+mn-ea"/>
-                <a:cs typeface="+mn-cs"/>
-              </a:defRPr>
-            </a:lvl7pPr>
-            <a:lvl8pPr marL="3429000" indent="-228600" algn="l" defTabSz="914400" rtl="0" eaLnBrk="1" latinLnBrk="1" hangingPunct="1">
-              <a:spcBef>
-                <a:spcPct val="20000"/>
-              </a:spcBef>
-              <a:buFont typeface="Arial" panose="020B0604020202020204" pitchFamily="34" charset="0"/>
-              <a:buChar char="•"/>
-              <a:defRPr sz="2000" kern="1200">
-                <a:solidFill>
-                  <a:schemeClr val="tx1"/>
-                </a:solidFill>
-                <a:latin typeface="+mn-lt"/>
-                <a:ea typeface="+mn-ea"/>
-                <a:cs typeface="+mn-cs"/>
-              </a:defRPr>
-            </a:lvl8pPr>
-            <a:lvl9pPr marL="3886200" indent="-228600" algn="l" defTabSz="914400" rtl="0" eaLnBrk="1" latinLnBrk="1" hangingPunct="1">
-              <a:spcBef>
-                <a:spcPct val="20000"/>
-              </a:spcBef>
-              <a:buFont typeface="Arial" panose="020B0604020202020204" pitchFamily="34" charset="0"/>
-              <a:buChar char="•"/>
-              <a:defRPr sz="2000" kern="1200">
-                <a:solidFill>
-                  <a:schemeClr val="tx1"/>
-                </a:solidFill>
-                <a:latin typeface="+mn-lt"/>
-                <a:ea typeface="+mn-ea"/>
-                <a:cs typeface="+mn-cs"/>
-              </a:defRPr>
-            </a:lvl9pPr>
-          </a:lstStyle>
-          <a:p>
-            <a:pPr marL="0" indent="0">
-              <a:lnSpc>
-                <a:spcPct val="150000"/>
-              </a:lnSpc>
-              <a:buFont typeface="Arial" panose="020B0604020202020204" pitchFamily="34" charset="0"/>
-              <a:buNone/>
-            </a:pPr>
-            <a:r>
-              <a:rPr lang="en-US" altLang="ko-KR" sz="1800" b="1" dirty="0" smtClean="0"/>
-              <a:t>RANK()  OVER(PARTITION BY </a:t>
-            </a:r>
-            <a:r>
-              <a:rPr lang="ko-KR" altLang="en-US" sz="1800" b="1" dirty="0" smtClean="0"/>
-              <a:t>열 이름 </a:t>
-            </a:r>
-            <a:r>
-              <a:rPr lang="en-US" altLang="ko-KR" sz="1800" b="1" dirty="0" smtClean="0"/>
-              <a:t>ORDER BY </a:t>
-            </a:r>
-            <a:r>
-              <a:rPr lang="ko-KR" altLang="en-US" sz="1800" b="1" dirty="0" smtClean="0"/>
-              <a:t>열 이름</a:t>
-            </a:r>
-            <a:r>
-              <a:rPr lang="en-US" altLang="ko-KR" sz="1800" b="1" dirty="0" smtClean="0"/>
-              <a:t>)</a:t>
-            </a:r>
-          </a:p>
-        </p:txBody>
-      </p:sp>
-      <p:pic>
-        <p:nvPicPr>
           <p:cNvPr id="6" name="그림 5"/>
           <p:cNvPicPr>
             <a:picLocks noChangeAspect="1"/>
@@ -10352,8 +12173,8 @@
         </p:blipFill>
         <p:spPr>
           <a:xfrm>
-            <a:off x="683568" y="2468776"/>
-            <a:ext cx="8161728" cy="1394581"/>
+            <a:off x="1547664" y="3152642"/>
+            <a:ext cx="6226080" cy="1356478"/>
           </a:xfrm>
           <a:prstGeom prst="rect">
             <a:avLst/>
@@ -10389,8 +12210,8 @@
         </p:blipFill>
         <p:spPr>
           <a:xfrm>
-            <a:off x="467544" y="4149080"/>
-            <a:ext cx="4107536" cy="1089755"/>
+            <a:off x="1547664" y="4840086"/>
+            <a:ext cx="4122777" cy="1181202"/>
           </a:xfrm>
           <a:prstGeom prst="rect">
             <a:avLst/>
@@ -10404,47 +12225,201 @@
           </a:ln>
         </p:spPr>
       </p:pic>
-      <p:pic>
-        <p:nvPicPr>
-          <p:cNvPr id="9" name="그림 8"/>
-          <p:cNvPicPr>
-            <a:picLocks noChangeAspect="1"/>
-          </p:cNvPicPr>
+      <p:sp>
+        <p:nvSpPr>
+          <p:cNvPr id="11" name="내용 개체 틀 2"/>
+          <p:cNvSpPr txBox="1">
+            <a:spLocks/>
+          </p:cNvSpPr>
           <p:nvPr/>
-        </p:nvPicPr>
-        <p:blipFill>
-          <a:blip r:embed="rId4">
-            <a:extLst>
-              <a:ext uri="{28A0092B-C50C-407E-A947-70E740481C1C}">
-                <a14:useLocalDpi xmlns:a14="http://schemas.microsoft.com/office/drawing/2010/main" val="0"/>
-              </a:ext>
-            </a:extLst>
-          </a:blip>
-          <a:stretch>
-            <a:fillRect/>
-          </a:stretch>
-        </p:blipFill>
+        </p:nvSpPr>
         <p:spPr>
           <a:xfrm>
-            <a:off x="4786136" y="4149080"/>
-            <a:ext cx="4115157" cy="1257409"/>
+            <a:off x="1835696" y="2326248"/>
+            <a:ext cx="4896544" cy="507452"/>
           </a:xfrm>
           <a:prstGeom prst="rect">
             <a:avLst/>
           </a:prstGeom>
-          <a:ln>
-            <a:solidFill>
-              <a:schemeClr val="bg1">
-                <a:lumMod val="85000"/>
-              </a:schemeClr>
-            </a:solidFill>
-          </a:ln>
+          <a:solidFill>
+            <a:schemeClr val="accent5">
+              <a:lumMod val="20000"/>
+              <a:lumOff val="80000"/>
+            </a:schemeClr>
+          </a:solidFill>
         </p:spPr>
-      </p:pic>
+        <p:txBody>
+          <a:bodyPr vert="horz" lIns="91440" tIns="45720" rIns="91440" bIns="45720" rtlCol="0">
+            <a:normAutofit/>
+          </a:bodyPr>
+          <a:lstStyle>
+            <a:lvl1pPr marL="342900" indent="-342900" algn="l" defTabSz="914400" rtl="0" eaLnBrk="1" latinLnBrk="1" hangingPunct="1">
+              <a:spcBef>
+                <a:spcPct val="20000"/>
+              </a:spcBef>
+              <a:buFont typeface="Arial" panose="020B0604020202020204" pitchFamily="34" charset="0"/>
+              <a:buChar char="•"/>
+              <a:defRPr sz="3200" kern="1200">
+                <a:solidFill>
+                  <a:schemeClr val="tx1"/>
+                </a:solidFill>
+                <a:latin typeface="+mn-lt"/>
+                <a:ea typeface="+mn-ea"/>
+                <a:cs typeface="+mn-cs"/>
+              </a:defRPr>
+            </a:lvl1pPr>
+            <a:lvl2pPr marL="742950" indent="-285750" algn="l" defTabSz="914400" rtl="0" eaLnBrk="1" latinLnBrk="1" hangingPunct="1">
+              <a:spcBef>
+                <a:spcPct val="20000"/>
+              </a:spcBef>
+              <a:buFont typeface="Arial" panose="020B0604020202020204" pitchFamily="34" charset="0"/>
+              <a:buChar char="–"/>
+              <a:defRPr sz="2800" kern="1200">
+                <a:solidFill>
+                  <a:schemeClr val="tx1"/>
+                </a:solidFill>
+                <a:latin typeface="+mn-lt"/>
+                <a:ea typeface="+mn-ea"/>
+                <a:cs typeface="+mn-cs"/>
+              </a:defRPr>
+            </a:lvl2pPr>
+            <a:lvl3pPr marL="1143000" indent="-228600" algn="l" defTabSz="914400" rtl="0" eaLnBrk="1" latinLnBrk="1" hangingPunct="1">
+              <a:spcBef>
+                <a:spcPct val="20000"/>
+              </a:spcBef>
+              <a:buFont typeface="Arial" panose="020B0604020202020204" pitchFamily="34" charset="0"/>
+              <a:buChar char="•"/>
+              <a:defRPr sz="2400" kern="1200">
+                <a:solidFill>
+                  <a:schemeClr val="tx1"/>
+                </a:solidFill>
+                <a:latin typeface="+mn-lt"/>
+                <a:ea typeface="+mn-ea"/>
+                <a:cs typeface="+mn-cs"/>
+              </a:defRPr>
+            </a:lvl3pPr>
+            <a:lvl4pPr marL="1600200" indent="-228600" algn="l" defTabSz="914400" rtl="0" eaLnBrk="1" latinLnBrk="1" hangingPunct="1">
+              <a:spcBef>
+                <a:spcPct val="20000"/>
+              </a:spcBef>
+              <a:buFont typeface="Arial" panose="020B0604020202020204" pitchFamily="34" charset="0"/>
+              <a:buChar char="–"/>
+              <a:defRPr sz="2000" kern="1200">
+                <a:solidFill>
+                  <a:schemeClr val="tx1"/>
+                </a:solidFill>
+                <a:latin typeface="+mn-lt"/>
+                <a:ea typeface="+mn-ea"/>
+                <a:cs typeface="+mn-cs"/>
+              </a:defRPr>
+            </a:lvl4pPr>
+            <a:lvl5pPr marL="2057400" indent="-228600" algn="l" defTabSz="914400" rtl="0" eaLnBrk="1" latinLnBrk="1" hangingPunct="1">
+              <a:spcBef>
+                <a:spcPct val="20000"/>
+              </a:spcBef>
+              <a:buFont typeface="Arial" panose="020B0604020202020204" pitchFamily="34" charset="0"/>
+              <a:buChar char="»"/>
+              <a:defRPr sz="2000" kern="1200">
+                <a:solidFill>
+                  <a:schemeClr val="tx1"/>
+                </a:solidFill>
+                <a:latin typeface="+mn-lt"/>
+                <a:ea typeface="+mn-ea"/>
+                <a:cs typeface="+mn-cs"/>
+              </a:defRPr>
+            </a:lvl5pPr>
+            <a:lvl6pPr marL="2514600" indent="-228600" algn="l" defTabSz="914400" rtl="0" eaLnBrk="1" latinLnBrk="1" hangingPunct="1">
+              <a:spcBef>
+                <a:spcPct val="20000"/>
+              </a:spcBef>
+              <a:buFont typeface="Arial" panose="020B0604020202020204" pitchFamily="34" charset="0"/>
+              <a:buChar char="•"/>
+              <a:defRPr sz="2000" kern="1200">
+                <a:solidFill>
+                  <a:schemeClr val="tx1"/>
+                </a:solidFill>
+                <a:latin typeface="+mn-lt"/>
+                <a:ea typeface="+mn-ea"/>
+                <a:cs typeface="+mn-cs"/>
+              </a:defRPr>
+            </a:lvl6pPr>
+            <a:lvl7pPr marL="2971800" indent="-228600" algn="l" defTabSz="914400" rtl="0" eaLnBrk="1" latinLnBrk="1" hangingPunct="1">
+              <a:spcBef>
+                <a:spcPct val="20000"/>
+              </a:spcBef>
+              <a:buFont typeface="Arial" panose="020B0604020202020204" pitchFamily="34" charset="0"/>
+              <a:buChar char="•"/>
+              <a:defRPr sz="2000" kern="1200">
+                <a:solidFill>
+                  <a:schemeClr val="tx1"/>
+                </a:solidFill>
+                <a:latin typeface="+mn-lt"/>
+                <a:ea typeface="+mn-ea"/>
+                <a:cs typeface="+mn-cs"/>
+              </a:defRPr>
+            </a:lvl7pPr>
+            <a:lvl8pPr marL="3429000" indent="-228600" algn="l" defTabSz="914400" rtl="0" eaLnBrk="1" latinLnBrk="1" hangingPunct="1">
+              <a:spcBef>
+                <a:spcPct val="20000"/>
+              </a:spcBef>
+              <a:buFont typeface="Arial" panose="020B0604020202020204" pitchFamily="34" charset="0"/>
+              <a:buChar char="•"/>
+              <a:defRPr sz="2000" kern="1200">
+                <a:solidFill>
+                  <a:schemeClr val="tx1"/>
+                </a:solidFill>
+                <a:latin typeface="+mn-lt"/>
+                <a:ea typeface="+mn-ea"/>
+                <a:cs typeface="+mn-cs"/>
+              </a:defRPr>
+            </a:lvl8pPr>
+            <a:lvl9pPr marL="3886200" indent="-228600" algn="l" defTabSz="914400" rtl="0" eaLnBrk="1" latinLnBrk="1" hangingPunct="1">
+              <a:spcBef>
+                <a:spcPct val="20000"/>
+              </a:spcBef>
+              <a:buFont typeface="Arial" panose="020B0604020202020204" pitchFamily="34" charset="0"/>
+              <a:buChar char="•"/>
+              <a:defRPr sz="2000" kern="1200">
+                <a:solidFill>
+                  <a:schemeClr val="tx1"/>
+                </a:solidFill>
+                <a:latin typeface="+mn-lt"/>
+                <a:ea typeface="+mn-ea"/>
+                <a:cs typeface="+mn-cs"/>
+              </a:defRPr>
+            </a:lvl9pPr>
+          </a:lstStyle>
+          <a:p>
+            <a:pPr marL="0" indent="0">
+              <a:lnSpc>
+                <a:spcPct val="150000"/>
+              </a:lnSpc>
+              <a:buFont typeface="Arial" panose="020B0604020202020204" pitchFamily="34" charset="0"/>
+              <a:buNone/>
+            </a:pPr>
+            <a:r>
+              <a:rPr lang="en-US" altLang="ko-KR" sz="1800" b="1" dirty="0" smtClean="0"/>
+              <a:t>DENSE_RANK</a:t>
+            </a:r>
+            <a:r>
+              <a:rPr lang="en-US" altLang="ko-KR" sz="1800" b="1" dirty="0" smtClean="0"/>
+              <a:t>()  OVER(ORDER BY </a:t>
+            </a:r>
+            <a:r>
+              <a:rPr lang="ko-KR" altLang="en-US" sz="1800" b="1" dirty="0" smtClean="0"/>
+              <a:t>열 이름</a:t>
+            </a:r>
+            <a:r>
+              <a:rPr lang="en-US" altLang="ko-KR" sz="1800" b="1" dirty="0" smtClean="0"/>
+              <a:t>)</a:t>
+            </a:r>
+          </a:p>
+        </p:txBody>
+      </p:sp>
     </p:spTree>
     <p:extLst>
       <p:ext uri="{BB962C8B-B14F-4D97-AF65-F5344CB8AC3E}">
-        <p14:creationId xmlns:p14="http://schemas.microsoft.com/office/powerpoint/2010/main" val="1262651017"/>
+        <p14:creationId xmlns:p14="http://schemas.microsoft.com/office/powerpoint/2010/main" val="1132806098"/>
       </p:ext>
     </p:extLst>
   </p:cSld>
@@ -10461,7 +12436,7 @@
 </p:sld>
 </file>
 
-<file path=ppt/slides/slide21.xml><?xml version="1.0" encoding="utf-8"?>
+<file path=ppt/slides/slide27.xml><?xml version="1.0" encoding="utf-8"?>
 <p:sld xmlns:a="http://schemas.openxmlformats.org/drawingml/2006/main" xmlns:r="http://schemas.openxmlformats.org/officeDocument/2006/relationships" xmlns:p="http://schemas.openxmlformats.org/presentationml/2006/main">
   <p:cSld>
     <p:spTree>
@@ -10497,21 +12472,25 @@
           <a:p>
             <a:r>
               <a:rPr lang="en-US" altLang="ko-KR" sz="2800" dirty="0" smtClean="0"/>
-              <a:t>  </a:t>
-            </a:r>
-            <a:r>
-              <a:rPr lang="ko-KR" altLang="en-US" sz="2800" b="1" dirty="0" smtClean="0"/>
-              <a:t>일반 함수 </a:t>
+              <a:t> </a:t>
             </a:r>
             <a:r>
               <a:rPr lang="en-US" altLang="ko-KR" sz="2800" b="1" dirty="0" smtClean="0"/>
-              <a:t>– NVL() </a:t>
-            </a:r>
-            <a:r>
-              <a:rPr lang="ko-KR" altLang="en-US" sz="2800" b="1" dirty="0" smtClean="0"/>
-              <a:t>함수</a:t>
-            </a:r>
-            <a:endParaRPr lang="ko-KR" altLang="en-US" sz="2800" b="1" dirty="0"/>
+              <a:t>LOLLUP() </a:t>
+            </a:r>
+            <a:r>
+              <a:rPr lang="ko-KR" altLang="en-US" sz="2800" b="1" dirty="0"/>
+              <a:t>함수 </a:t>
+            </a:r>
+            <a:r>
+              <a:rPr lang="en-US" altLang="ko-KR" sz="2800" b="1" dirty="0"/>
+              <a:t>vs </a:t>
+            </a:r>
+            <a:r>
+              <a:rPr lang="en-US" altLang="ko-KR" sz="2800" b="1" dirty="0" smtClean="0"/>
+              <a:t>CUBE()</a:t>
+            </a:r>
+            <a:endParaRPr lang="ko-KR" altLang="en-US" sz="2800" dirty="0"/>
           </a:p>
         </p:txBody>
       </p:sp>
@@ -10532,710 +12511,7 @@
           <a:p>
             <a:fld id="{1BDE3FE7-3AEA-4B05-AC5A-802D1816ACF0}" type="slidenum">
               <a:rPr lang="ko-KR" altLang="en-US" smtClean="0"/>
-              <a:t>21</a:t>
-            </a:fld>
-            <a:endParaRPr lang="ko-KR" altLang="en-US"/>
-          </a:p>
-        </p:txBody>
-      </p:sp>
-      <p:sp>
-        <p:nvSpPr>
-          <p:cNvPr id="3" name="TextBox 2"/>
-          <p:cNvSpPr txBox="1"/>
-          <p:nvPr/>
-        </p:nvSpPr>
-        <p:spPr>
-          <a:xfrm>
-            <a:off x="827584" y="1052736"/>
-            <a:ext cx="3816424" cy="400110"/>
-          </a:xfrm>
-          <a:prstGeom prst="rect">
-            <a:avLst/>
-          </a:prstGeom>
-          <a:noFill/>
-        </p:spPr>
-        <p:txBody>
-          <a:bodyPr wrap="square" rtlCol="0">
-            <a:spAutoFit/>
-          </a:bodyPr>
-          <a:lstStyle/>
-          <a:p>
-            <a:r>
-              <a:rPr lang="en-US" altLang="ko-KR" sz="2000" b="1" dirty="0" smtClean="0"/>
-              <a:t>NVL </a:t>
-            </a:r>
-            <a:r>
-              <a:rPr lang="ko-KR" altLang="en-US" sz="2000" b="1" dirty="0" smtClean="0"/>
-              <a:t>함수 </a:t>
-            </a:r>
-            <a:r>
-              <a:rPr lang="en-US" altLang="ko-KR" sz="2000" b="1" dirty="0" smtClean="0"/>
-              <a:t>– NULL </a:t>
-            </a:r>
-            <a:r>
-              <a:rPr lang="ko-KR" altLang="en-US" sz="2000" b="1" dirty="0" smtClean="0"/>
-              <a:t>값 처리하기</a:t>
-            </a:r>
-            <a:endParaRPr lang="ko-KR" altLang="en-US" sz="2000" b="1" dirty="0"/>
-          </a:p>
-        </p:txBody>
-      </p:sp>
-      <p:sp>
-        <p:nvSpPr>
-          <p:cNvPr id="9" name="TextBox 8"/>
-          <p:cNvSpPr txBox="1"/>
-          <p:nvPr/>
-        </p:nvSpPr>
-        <p:spPr>
-          <a:xfrm>
-            <a:off x="795332" y="1484784"/>
-            <a:ext cx="7881124" cy="1569660"/>
-          </a:xfrm>
-          <a:prstGeom prst="rect">
-            <a:avLst/>
-          </a:prstGeom>
-          <a:noFill/>
-        </p:spPr>
-        <p:txBody>
-          <a:bodyPr wrap="square" rtlCol="0">
-            <a:spAutoFit/>
-          </a:bodyPr>
-          <a:lstStyle/>
-          <a:p>
-            <a:pPr>
-              <a:lnSpc>
-                <a:spcPct val="150000"/>
-              </a:lnSpc>
-            </a:pPr>
-            <a:r>
-              <a:rPr lang="en-US" altLang="ko-KR" sz="1600" dirty="0"/>
-              <a:t>NULL</a:t>
-            </a:r>
-            <a:r>
-              <a:rPr lang="ko-KR" altLang="en-US" sz="1600" dirty="0"/>
-              <a:t>값이란 아직 지정되지 않은 값을 말한다</a:t>
-            </a:r>
-            <a:r>
-              <a:rPr lang="en-US" altLang="ko-KR" sz="1600" dirty="0"/>
-              <a:t>. </a:t>
-            </a:r>
-            <a:r>
-              <a:rPr lang="ko-KR" altLang="en-US" sz="1600" dirty="0" smtClean="0"/>
-              <a:t>지정되지 </a:t>
-            </a:r>
-            <a:r>
-              <a:rPr lang="ko-KR" altLang="en-US" sz="1600" dirty="0"/>
-              <a:t>않았다는 것은 값을 </a:t>
-            </a:r>
-            <a:r>
-              <a:rPr lang="ko-KR" altLang="en-US" sz="1600" dirty="0" err="1"/>
-              <a:t>알수도</a:t>
-            </a:r>
-            <a:r>
-              <a:rPr lang="ko-KR" altLang="en-US" sz="1600" dirty="0"/>
-              <a:t> 없고 적용할 수도 없다는 뜻이다</a:t>
-            </a:r>
-            <a:r>
-              <a:rPr lang="en-US" altLang="ko-KR" sz="1600" dirty="0" smtClean="0"/>
-              <a:t>.</a:t>
-            </a:r>
-          </a:p>
-          <a:p>
-            <a:pPr>
-              <a:lnSpc>
-                <a:spcPct val="150000"/>
-              </a:lnSpc>
-            </a:pPr>
-            <a:r>
-              <a:rPr lang="ko-KR" altLang="en-US" sz="1600" dirty="0" smtClean="0"/>
-              <a:t>특정 열의 행에 대한 데이터 값이 없다면 데이터 값은 </a:t>
-            </a:r>
-            <a:r>
-              <a:rPr lang="en-US" altLang="ko-KR" sz="1600" dirty="0" smtClean="0"/>
-              <a:t>null</a:t>
-            </a:r>
-            <a:r>
-              <a:rPr lang="ko-KR" altLang="en-US" sz="1600" dirty="0" smtClean="0"/>
-              <a:t>이 된다</a:t>
-            </a:r>
-            <a:r>
-              <a:rPr lang="en-US" altLang="ko-KR" sz="1600" dirty="0" smtClean="0"/>
-              <a:t>. </a:t>
-            </a:r>
-            <a:r>
-              <a:rPr lang="ko-KR" altLang="en-US" sz="1600" dirty="0" smtClean="0"/>
-              <a:t>테이블을 정의할 때 </a:t>
-            </a:r>
-            <a:r>
-              <a:rPr lang="en-US" altLang="ko-KR" sz="1600" dirty="0" smtClean="0"/>
-              <a:t>NOT NULL</a:t>
-            </a:r>
-            <a:r>
-              <a:rPr lang="ko-KR" altLang="en-US" sz="1600" dirty="0" smtClean="0"/>
-              <a:t>을 지정하면 </a:t>
-            </a:r>
-            <a:r>
-              <a:rPr lang="en-US" altLang="ko-KR" sz="1600" dirty="0" smtClean="0"/>
-              <a:t>null </a:t>
-            </a:r>
-            <a:r>
-              <a:rPr lang="ko-KR" altLang="en-US" sz="1600" dirty="0" smtClean="0"/>
-              <a:t>값을 가질 수 없다</a:t>
-            </a:r>
-            <a:r>
-              <a:rPr lang="en-US" altLang="ko-KR" sz="1600" dirty="0" smtClean="0"/>
-              <a:t>.</a:t>
-            </a:r>
-          </a:p>
-        </p:txBody>
-      </p:sp>
-      <p:sp>
-        <p:nvSpPr>
-          <p:cNvPr id="10" name="내용 개체 틀 2"/>
-          <p:cNvSpPr txBox="1">
-            <a:spLocks/>
-          </p:cNvSpPr>
-          <p:nvPr/>
-        </p:nvSpPr>
-        <p:spPr>
-          <a:xfrm>
-            <a:off x="861616" y="3462099"/>
-            <a:ext cx="2736304" cy="507452"/>
-          </a:xfrm>
-          <a:prstGeom prst="rect">
-            <a:avLst/>
-          </a:prstGeom>
-          <a:solidFill>
-            <a:schemeClr val="accent5">
-              <a:lumMod val="20000"/>
-              <a:lumOff val="80000"/>
-            </a:schemeClr>
-          </a:solidFill>
-        </p:spPr>
-        <p:txBody>
-          <a:bodyPr vert="horz" lIns="91440" tIns="45720" rIns="91440" bIns="45720" rtlCol="0">
-            <a:normAutofit/>
-          </a:bodyPr>
-          <a:lstStyle>
-            <a:lvl1pPr marL="342900" indent="-342900" algn="l" defTabSz="914400" rtl="0" eaLnBrk="1" latinLnBrk="1" hangingPunct="1">
-              <a:spcBef>
-                <a:spcPct val="20000"/>
-              </a:spcBef>
-              <a:buFont typeface="Arial" panose="020B0604020202020204" pitchFamily="34" charset="0"/>
-              <a:buChar char="•"/>
-              <a:defRPr sz="3200" kern="1200">
-                <a:solidFill>
-                  <a:schemeClr val="tx1"/>
-                </a:solidFill>
-                <a:latin typeface="+mn-lt"/>
-                <a:ea typeface="+mn-ea"/>
-                <a:cs typeface="+mn-cs"/>
-              </a:defRPr>
-            </a:lvl1pPr>
-            <a:lvl2pPr marL="742950" indent="-285750" algn="l" defTabSz="914400" rtl="0" eaLnBrk="1" latinLnBrk="1" hangingPunct="1">
-              <a:spcBef>
-                <a:spcPct val="20000"/>
-              </a:spcBef>
-              <a:buFont typeface="Arial" panose="020B0604020202020204" pitchFamily="34" charset="0"/>
-              <a:buChar char="–"/>
-              <a:defRPr sz="2800" kern="1200">
-                <a:solidFill>
-                  <a:schemeClr val="tx1"/>
-                </a:solidFill>
-                <a:latin typeface="+mn-lt"/>
-                <a:ea typeface="+mn-ea"/>
-                <a:cs typeface="+mn-cs"/>
-              </a:defRPr>
-            </a:lvl2pPr>
-            <a:lvl3pPr marL="1143000" indent="-228600" algn="l" defTabSz="914400" rtl="0" eaLnBrk="1" latinLnBrk="1" hangingPunct="1">
-              <a:spcBef>
-                <a:spcPct val="20000"/>
-              </a:spcBef>
-              <a:buFont typeface="Arial" panose="020B0604020202020204" pitchFamily="34" charset="0"/>
-              <a:buChar char="•"/>
-              <a:defRPr sz="2400" kern="1200">
-                <a:solidFill>
-                  <a:schemeClr val="tx1"/>
-                </a:solidFill>
-                <a:latin typeface="+mn-lt"/>
-                <a:ea typeface="+mn-ea"/>
-                <a:cs typeface="+mn-cs"/>
-              </a:defRPr>
-            </a:lvl3pPr>
-            <a:lvl4pPr marL="1600200" indent="-228600" algn="l" defTabSz="914400" rtl="0" eaLnBrk="1" latinLnBrk="1" hangingPunct="1">
-              <a:spcBef>
-                <a:spcPct val="20000"/>
-              </a:spcBef>
-              <a:buFont typeface="Arial" panose="020B0604020202020204" pitchFamily="34" charset="0"/>
-              <a:buChar char="–"/>
-              <a:defRPr sz="2000" kern="1200">
-                <a:solidFill>
-                  <a:schemeClr val="tx1"/>
-                </a:solidFill>
-                <a:latin typeface="+mn-lt"/>
-                <a:ea typeface="+mn-ea"/>
-                <a:cs typeface="+mn-cs"/>
-              </a:defRPr>
-            </a:lvl4pPr>
-            <a:lvl5pPr marL="2057400" indent="-228600" algn="l" defTabSz="914400" rtl="0" eaLnBrk="1" latinLnBrk="1" hangingPunct="1">
-              <a:spcBef>
-                <a:spcPct val="20000"/>
-              </a:spcBef>
-              <a:buFont typeface="Arial" panose="020B0604020202020204" pitchFamily="34" charset="0"/>
-              <a:buChar char="»"/>
-              <a:defRPr sz="2000" kern="1200">
-                <a:solidFill>
-                  <a:schemeClr val="tx1"/>
-                </a:solidFill>
-                <a:latin typeface="+mn-lt"/>
-                <a:ea typeface="+mn-ea"/>
-                <a:cs typeface="+mn-cs"/>
-              </a:defRPr>
-            </a:lvl5pPr>
-            <a:lvl6pPr marL="2514600" indent="-228600" algn="l" defTabSz="914400" rtl="0" eaLnBrk="1" latinLnBrk="1" hangingPunct="1">
-              <a:spcBef>
-                <a:spcPct val="20000"/>
-              </a:spcBef>
-              <a:buFont typeface="Arial" panose="020B0604020202020204" pitchFamily="34" charset="0"/>
-              <a:buChar char="•"/>
-              <a:defRPr sz="2000" kern="1200">
-                <a:solidFill>
-                  <a:schemeClr val="tx1"/>
-                </a:solidFill>
-                <a:latin typeface="+mn-lt"/>
-                <a:ea typeface="+mn-ea"/>
-                <a:cs typeface="+mn-cs"/>
-              </a:defRPr>
-            </a:lvl6pPr>
-            <a:lvl7pPr marL="2971800" indent="-228600" algn="l" defTabSz="914400" rtl="0" eaLnBrk="1" latinLnBrk="1" hangingPunct="1">
-              <a:spcBef>
-                <a:spcPct val="20000"/>
-              </a:spcBef>
-              <a:buFont typeface="Arial" panose="020B0604020202020204" pitchFamily="34" charset="0"/>
-              <a:buChar char="•"/>
-              <a:defRPr sz="2000" kern="1200">
-                <a:solidFill>
-                  <a:schemeClr val="tx1"/>
-                </a:solidFill>
-                <a:latin typeface="+mn-lt"/>
-                <a:ea typeface="+mn-ea"/>
-                <a:cs typeface="+mn-cs"/>
-              </a:defRPr>
-            </a:lvl7pPr>
-            <a:lvl8pPr marL="3429000" indent="-228600" algn="l" defTabSz="914400" rtl="0" eaLnBrk="1" latinLnBrk="1" hangingPunct="1">
-              <a:spcBef>
-                <a:spcPct val="20000"/>
-              </a:spcBef>
-              <a:buFont typeface="Arial" panose="020B0604020202020204" pitchFamily="34" charset="0"/>
-              <a:buChar char="•"/>
-              <a:defRPr sz="2000" kern="1200">
-                <a:solidFill>
-                  <a:schemeClr val="tx1"/>
-                </a:solidFill>
-                <a:latin typeface="+mn-lt"/>
-                <a:ea typeface="+mn-ea"/>
-                <a:cs typeface="+mn-cs"/>
-              </a:defRPr>
-            </a:lvl8pPr>
-            <a:lvl9pPr marL="3886200" indent="-228600" algn="l" defTabSz="914400" rtl="0" eaLnBrk="1" latinLnBrk="1" hangingPunct="1">
-              <a:spcBef>
-                <a:spcPct val="20000"/>
-              </a:spcBef>
-              <a:buFont typeface="Arial" panose="020B0604020202020204" pitchFamily="34" charset="0"/>
-              <a:buChar char="•"/>
-              <a:defRPr sz="2000" kern="1200">
-                <a:solidFill>
-                  <a:schemeClr val="tx1"/>
-                </a:solidFill>
-                <a:latin typeface="+mn-lt"/>
-                <a:ea typeface="+mn-ea"/>
-                <a:cs typeface="+mn-cs"/>
-              </a:defRPr>
-            </a:lvl9pPr>
-          </a:lstStyle>
-          <a:p>
-            <a:pPr marL="0" indent="0">
-              <a:lnSpc>
-                <a:spcPct val="150000"/>
-              </a:lnSpc>
-              <a:buFont typeface="Arial" panose="020B0604020202020204" pitchFamily="34" charset="0"/>
-              <a:buNone/>
-            </a:pPr>
-            <a:r>
-              <a:rPr lang="en-US" altLang="ko-KR" sz="1800" b="1" dirty="0" smtClean="0"/>
-              <a:t>NVL (</a:t>
-            </a:r>
-            <a:r>
-              <a:rPr lang="ko-KR" altLang="en-US" sz="1800" b="1" dirty="0" smtClean="0"/>
-              <a:t>인수</a:t>
-            </a:r>
-            <a:r>
-              <a:rPr lang="en-US" altLang="ko-KR" sz="1800" b="1" dirty="0" smtClean="0"/>
-              <a:t>1, </a:t>
-            </a:r>
-            <a:r>
-              <a:rPr lang="ko-KR" altLang="en-US" sz="1800" b="1" dirty="0" smtClean="0"/>
-              <a:t>인수</a:t>
-            </a:r>
-            <a:r>
-              <a:rPr lang="en-US" altLang="ko-KR" sz="1800" b="1" dirty="0" smtClean="0"/>
-              <a:t>2)</a:t>
-            </a:r>
-          </a:p>
-        </p:txBody>
-      </p:sp>
-      <p:sp>
-        <p:nvSpPr>
-          <p:cNvPr id="11" name="TextBox 10"/>
-          <p:cNvSpPr txBox="1"/>
-          <p:nvPr/>
-        </p:nvSpPr>
-        <p:spPr>
-          <a:xfrm>
-            <a:off x="795332" y="4110171"/>
-            <a:ext cx="7881124" cy="830997"/>
-          </a:xfrm>
-          <a:prstGeom prst="rect">
-            <a:avLst/>
-          </a:prstGeom>
-          <a:noFill/>
-        </p:spPr>
-        <p:txBody>
-          <a:bodyPr wrap="square" rtlCol="0">
-            <a:spAutoFit/>
-          </a:bodyPr>
-          <a:lstStyle/>
-          <a:p>
-            <a:pPr>
-              <a:lnSpc>
-                <a:spcPct val="150000"/>
-              </a:lnSpc>
-            </a:pPr>
-            <a:r>
-              <a:rPr lang="ko-KR" altLang="en-US" sz="1600" dirty="0" smtClean="0"/>
-              <a:t>인수</a:t>
-            </a:r>
-            <a:r>
-              <a:rPr lang="en-US" altLang="ko-KR" sz="1600" dirty="0" smtClean="0"/>
-              <a:t>1</a:t>
-            </a:r>
-            <a:r>
-              <a:rPr lang="ko-KR" altLang="en-US" sz="1600" dirty="0" smtClean="0"/>
-              <a:t>의 값이 </a:t>
-            </a:r>
-            <a:r>
-              <a:rPr lang="en-US" altLang="ko-KR" sz="1600" dirty="0" smtClean="0"/>
-              <a:t>NULL</a:t>
-            </a:r>
-            <a:r>
-              <a:rPr lang="ko-KR" altLang="en-US" sz="1600" dirty="0" smtClean="0"/>
-              <a:t>일 경우 인수</a:t>
-            </a:r>
-            <a:r>
-              <a:rPr lang="en-US" altLang="ko-KR" sz="1600" dirty="0" smtClean="0"/>
-              <a:t>2</a:t>
-            </a:r>
-            <a:r>
-              <a:rPr lang="ko-KR" altLang="en-US" sz="1600" dirty="0" smtClean="0"/>
-              <a:t>를 반환하고 </a:t>
-            </a:r>
-            <a:r>
-              <a:rPr lang="en-US" altLang="ko-KR" sz="1600" dirty="0" smtClean="0"/>
-              <a:t>NULL</a:t>
-            </a:r>
-            <a:r>
-              <a:rPr lang="ko-KR" altLang="en-US" sz="1600" dirty="0" smtClean="0"/>
-              <a:t>이 아닌 경우 인수</a:t>
-            </a:r>
-            <a:r>
-              <a:rPr lang="en-US" altLang="ko-KR" sz="1600" dirty="0" smtClean="0"/>
-              <a:t>1</a:t>
-            </a:r>
-            <a:r>
-              <a:rPr lang="ko-KR" altLang="en-US" sz="1600" dirty="0" smtClean="0"/>
-              <a:t>을 반환해 주는 함수</a:t>
-            </a:r>
-            <a:endParaRPr lang="en-US" altLang="ko-KR" sz="1600" dirty="0" smtClean="0"/>
-          </a:p>
-        </p:txBody>
-      </p:sp>
-    </p:spTree>
-    <p:extLst>
-      <p:ext uri="{BB962C8B-B14F-4D97-AF65-F5344CB8AC3E}">
-        <p14:creationId xmlns:p14="http://schemas.microsoft.com/office/powerpoint/2010/main" val="1705906590"/>
-      </p:ext>
-    </p:extLst>
-  </p:cSld>
-  <p:clrMapOvr>
-    <a:masterClrMapping/>
-  </p:clrMapOvr>
-  <p:timing>
-    <p:tnLst>
-      <p:par>
-        <p:cTn id="1" dur="indefinite" restart="never" nodeType="tmRoot"/>
-      </p:par>
-    </p:tnLst>
-  </p:timing>
-</p:sld>
-</file>
-
-<file path=ppt/slides/slide22.xml><?xml version="1.0" encoding="utf-8"?>
-<p:sld xmlns:a="http://schemas.openxmlformats.org/drawingml/2006/main" xmlns:r="http://schemas.openxmlformats.org/officeDocument/2006/relationships" xmlns:p="http://schemas.openxmlformats.org/presentationml/2006/main">
-  <p:cSld>
-    <p:spTree>
-      <p:nvGrpSpPr>
-        <p:cNvPr id="1" name=""/>
-        <p:cNvGrpSpPr/>
-        <p:nvPr/>
-      </p:nvGrpSpPr>
-      <p:grpSpPr>
-        <a:xfrm>
-          <a:off x="0" y="0"/>
-          <a:ext cx="0" cy="0"/>
-          <a:chOff x="0" y="0"/>
-          <a:chExt cx="0" cy="0"/>
-        </a:xfrm>
-      </p:grpSpPr>
-      <p:sp>
-        <p:nvSpPr>
-          <p:cNvPr id="4" name="슬라이드 번호 개체 틀 3"/>
-          <p:cNvSpPr>
-            <a:spLocks noGrp="1"/>
-          </p:cNvSpPr>
-          <p:nvPr>
-            <p:ph type="sldNum" sz="quarter" idx="12"/>
-          </p:nvPr>
-        </p:nvSpPr>
-        <p:spPr/>
-        <p:txBody>
-          <a:bodyPr/>
-          <a:lstStyle/>
-          <a:p>
-            <a:fld id="{1BDE3FE7-3AEA-4B05-AC5A-802D1816ACF0}" type="slidenum">
-              <a:rPr lang="ko-KR" altLang="en-US" smtClean="0"/>
-              <a:t>22</a:t>
-            </a:fld>
-            <a:endParaRPr lang="ko-KR" altLang="en-US"/>
-          </a:p>
-        </p:txBody>
-      </p:sp>
-      <p:sp>
-        <p:nvSpPr>
-          <p:cNvPr id="3" name="TextBox 2"/>
-          <p:cNvSpPr txBox="1"/>
-          <p:nvPr/>
-        </p:nvSpPr>
-        <p:spPr>
-          <a:xfrm>
-            <a:off x="827584" y="1052736"/>
-            <a:ext cx="3816424" cy="400110"/>
-          </a:xfrm>
-          <a:prstGeom prst="rect">
-            <a:avLst/>
-          </a:prstGeom>
-          <a:noFill/>
-        </p:spPr>
-        <p:txBody>
-          <a:bodyPr wrap="square" rtlCol="0">
-            <a:spAutoFit/>
-          </a:bodyPr>
-          <a:lstStyle/>
-          <a:p>
-            <a:r>
-              <a:rPr lang="en-US" altLang="ko-KR" sz="2000" b="1" dirty="0" smtClean="0"/>
-              <a:t>NVL </a:t>
-            </a:r>
-            <a:r>
-              <a:rPr lang="ko-KR" altLang="en-US" sz="2000" b="1" dirty="0" smtClean="0"/>
-              <a:t>함수 </a:t>
-            </a:r>
-            <a:r>
-              <a:rPr lang="en-US" altLang="ko-KR" sz="2000" b="1" dirty="0" smtClean="0"/>
-              <a:t>– NULL </a:t>
-            </a:r>
-            <a:r>
-              <a:rPr lang="ko-KR" altLang="en-US" sz="2000" b="1" dirty="0" smtClean="0"/>
-              <a:t>값 처리하기</a:t>
-            </a:r>
-            <a:endParaRPr lang="ko-KR" altLang="en-US" sz="2000" b="1" dirty="0"/>
-          </a:p>
-        </p:txBody>
-      </p:sp>
-      <p:sp>
-        <p:nvSpPr>
-          <p:cNvPr id="10" name="제목 1"/>
-          <p:cNvSpPr>
-            <a:spLocks noGrp="1"/>
-          </p:cNvSpPr>
-          <p:nvPr>
-            <p:ph type="title"/>
-          </p:nvPr>
-        </p:nvSpPr>
-        <p:spPr>
-          <a:xfrm>
-            <a:off x="1" y="-18256"/>
-            <a:ext cx="5724128" cy="854968"/>
-          </a:xfrm>
-        </p:spPr>
-        <p:txBody>
-          <a:bodyPr>
-            <a:normAutofit/>
-          </a:bodyPr>
-          <a:lstStyle/>
-          <a:p>
-            <a:r>
-              <a:rPr lang="en-US" altLang="ko-KR" sz="2800" dirty="0" smtClean="0"/>
-              <a:t>  </a:t>
-            </a:r>
-            <a:r>
-              <a:rPr lang="ko-KR" altLang="en-US" sz="2800" b="1" dirty="0" smtClean="0"/>
-              <a:t>일반 함수 </a:t>
-            </a:r>
-            <a:r>
-              <a:rPr lang="en-US" altLang="ko-KR" sz="2800" b="1" dirty="0" smtClean="0"/>
-              <a:t>– NVL() </a:t>
-            </a:r>
-            <a:r>
-              <a:rPr lang="ko-KR" altLang="en-US" sz="2800" b="1" dirty="0" smtClean="0"/>
-              <a:t>함수</a:t>
-            </a:r>
-            <a:endParaRPr lang="ko-KR" altLang="en-US" sz="2800" b="1" dirty="0"/>
-          </a:p>
-        </p:txBody>
-      </p:sp>
-      <p:pic>
-        <p:nvPicPr>
-          <p:cNvPr id="2" name="그림 1"/>
-          <p:cNvPicPr>
-            <a:picLocks noChangeAspect="1"/>
-          </p:cNvPicPr>
-          <p:nvPr/>
-        </p:nvPicPr>
-        <p:blipFill>
-          <a:blip r:embed="rId2">
-            <a:extLst>
-              <a:ext uri="{28A0092B-C50C-407E-A947-70E740481C1C}">
-                <a14:useLocalDpi xmlns:a14="http://schemas.microsoft.com/office/drawing/2010/main" val="0"/>
-              </a:ext>
-            </a:extLst>
-          </a:blip>
-          <a:stretch>
-            <a:fillRect/>
-          </a:stretch>
-        </p:blipFill>
-        <p:spPr>
-          <a:xfrm>
-            <a:off x="1331640" y="1772816"/>
-            <a:ext cx="4346354" cy="4104456"/>
-          </a:xfrm>
-          <a:prstGeom prst="rect">
-            <a:avLst/>
-          </a:prstGeom>
-          <a:ln>
-            <a:solidFill>
-              <a:schemeClr val="bg1">
-                <a:lumMod val="85000"/>
-              </a:schemeClr>
-            </a:solidFill>
-          </a:ln>
-        </p:spPr>
-      </p:pic>
-    </p:spTree>
-    <p:extLst>
-      <p:ext uri="{BB962C8B-B14F-4D97-AF65-F5344CB8AC3E}">
-        <p14:creationId xmlns:p14="http://schemas.microsoft.com/office/powerpoint/2010/main" val="562365477"/>
-      </p:ext>
-    </p:extLst>
-  </p:cSld>
-  <p:clrMapOvr>
-    <a:masterClrMapping/>
-  </p:clrMapOvr>
-  <p:timing>
-    <p:tnLst>
-      <p:par>
-        <p:cTn id="1" dur="indefinite" restart="never" nodeType="tmRoot"/>
-      </p:par>
-    </p:tnLst>
-  </p:timing>
-</p:sld>
-</file>
-
-<file path=ppt/slides/slide23.xml><?xml version="1.0" encoding="utf-8"?>
-<p:sld xmlns:a="http://schemas.openxmlformats.org/drawingml/2006/main" xmlns:r="http://schemas.openxmlformats.org/officeDocument/2006/relationships" xmlns:p="http://schemas.openxmlformats.org/presentationml/2006/main">
-  <p:cSld>
-    <p:spTree>
-      <p:nvGrpSpPr>
-        <p:cNvPr id="1" name=""/>
-        <p:cNvGrpSpPr/>
-        <p:nvPr/>
-      </p:nvGrpSpPr>
-      <p:grpSpPr>
-        <a:xfrm>
-          <a:off x="0" y="0"/>
-          <a:ext cx="0" cy="0"/>
-          <a:chOff x="0" y="0"/>
-          <a:chExt cx="0" cy="0"/>
-        </a:xfrm>
-      </p:grpSpPr>
-      <p:sp>
-        <p:nvSpPr>
-          <p:cNvPr id="2" name="제목 1"/>
-          <p:cNvSpPr>
-            <a:spLocks noGrp="1"/>
-          </p:cNvSpPr>
-          <p:nvPr>
-            <p:ph type="title"/>
-          </p:nvPr>
-        </p:nvSpPr>
-        <p:spPr/>
-        <p:txBody>
-          <a:bodyPr>
-            <a:normAutofit/>
-          </a:bodyPr>
-          <a:lstStyle/>
-          <a:p>
-            <a:r>
-              <a:rPr lang="en-US" altLang="ko-KR" sz="2800" dirty="0" smtClean="0"/>
-              <a:t> </a:t>
-            </a:r>
-            <a:r>
-              <a:rPr lang="en-US" altLang="ko-KR" sz="2800" b="1" dirty="0" smtClean="0"/>
-              <a:t>LOLLUP() </a:t>
-            </a:r>
-            <a:r>
-              <a:rPr lang="ko-KR" altLang="en-US" sz="2800" b="1" dirty="0"/>
-              <a:t>함수 </a:t>
-            </a:r>
-            <a:r>
-              <a:rPr lang="en-US" altLang="ko-KR" sz="2800" b="1" dirty="0"/>
-              <a:t>vs </a:t>
-            </a:r>
-            <a:r>
-              <a:rPr lang="en-US" altLang="ko-KR" sz="2800" b="1" dirty="0" smtClean="0"/>
-              <a:t>CUBE()</a:t>
-            </a:r>
-            <a:endParaRPr lang="ko-KR" altLang="en-US" sz="2800" dirty="0"/>
-          </a:p>
-        </p:txBody>
-      </p:sp>
-      <p:sp>
-        <p:nvSpPr>
-          <p:cNvPr id="4" name="슬라이드 번호 개체 틀 3"/>
-          <p:cNvSpPr>
-            <a:spLocks noGrp="1"/>
-          </p:cNvSpPr>
-          <p:nvPr>
-            <p:ph type="sldNum" sz="quarter" idx="12"/>
-          </p:nvPr>
-        </p:nvSpPr>
-        <p:spPr/>
-        <p:txBody>
-          <a:bodyPr/>
-          <a:lstStyle/>
-          <a:p>
-            <a:fld id="{1BDE3FE7-3AEA-4B05-AC5A-802D1816ACF0}" type="slidenum">
-              <a:rPr lang="ko-KR" altLang="en-US" smtClean="0"/>
-              <a:t>23</a:t>
+              <a:t>27</a:t>
             </a:fld>
             <a:endParaRPr lang="ko-KR" altLang="en-US"/>
           </a:p>
@@ -11783,7 +13059,7 @@
 </p:sld>
 </file>
 
-<file path=ppt/slides/slide24.xml><?xml version="1.0" encoding="utf-8"?>
+<file path=ppt/slides/slide28.xml><?xml version="1.0" encoding="utf-8"?>
 <p:sld xmlns:a="http://schemas.openxmlformats.org/drawingml/2006/main" xmlns:r="http://schemas.openxmlformats.org/officeDocument/2006/relationships" xmlns:p="http://schemas.openxmlformats.org/presentationml/2006/main">
   <p:cSld>
     <p:spTree>
@@ -11858,7 +13134,7 @@
           <a:p>
             <a:fld id="{1BDE3FE7-3AEA-4B05-AC5A-802D1816ACF0}" type="slidenum">
               <a:rPr lang="ko-KR" altLang="en-US" smtClean="0"/>
-              <a:t>24</a:t>
+              <a:t>28</a:t>
             </a:fld>
             <a:endParaRPr lang="ko-KR" altLang="en-US"/>
           </a:p>
@@ -11921,7 +13197,7 @@
 </p:sld>
 </file>
 
-<file path=ppt/slides/slide25.xml><?xml version="1.0" encoding="utf-8"?>
+<file path=ppt/slides/slide29.xml><?xml version="1.0" encoding="utf-8"?>
 <p:sld xmlns:a="http://schemas.openxmlformats.org/drawingml/2006/main" xmlns:r="http://schemas.openxmlformats.org/officeDocument/2006/relationships" xmlns:p="http://schemas.openxmlformats.org/presentationml/2006/main">
   <p:cSld>
     <p:spTree>
@@ -11996,7 +13272,7 @@
           <a:p>
             <a:fld id="{1BDE3FE7-3AEA-4B05-AC5A-802D1816ACF0}" type="slidenum">
               <a:rPr lang="ko-KR" altLang="en-US" smtClean="0"/>
-              <a:t>25</a:t>
+              <a:t>29</a:t>
             </a:fld>
             <a:endParaRPr lang="ko-KR" altLang="en-US"/>
           </a:p>
@@ -12117,839 +13393,6 @@
     <p:extLst>
       <p:ext uri="{BB962C8B-B14F-4D97-AF65-F5344CB8AC3E}">
         <p14:creationId xmlns:p14="http://schemas.microsoft.com/office/powerpoint/2010/main" val="3178639291"/>
-      </p:ext>
-    </p:extLst>
-  </p:cSld>
-  <p:clrMapOvr>
-    <a:masterClrMapping/>
-  </p:clrMapOvr>
-  <p:timing>
-    <p:tnLst>
-      <p:par>
-        <p:cTn id="1" dur="indefinite" restart="never" nodeType="tmRoot"/>
-      </p:par>
-    </p:tnLst>
-  </p:timing>
-</p:sld>
-</file>
-
-<file path=ppt/slides/slide26.xml><?xml version="1.0" encoding="utf-8"?>
-<p:sld xmlns:a="http://schemas.openxmlformats.org/drawingml/2006/main" xmlns:r="http://schemas.openxmlformats.org/officeDocument/2006/relationships" xmlns:p="http://schemas.openxmlformats.org/presentationml/2006/main">
-  <p:cSld>
-    <p:spTree>
-      <p:nvGrpSpPr>
-        <p:cNvPr id="1" name=""/>
-        <p:cNvGrpSpPr/>
-        <p:nvPr/>
-      </p:nvGrpSpPr>
-      <p:grpSpPr>
-        <a:xfrm>
-          <a:off x="0" y="0"/>
-          <a:ext cx="0" cy="0"/>
-          <a:chOff x="0" y="0"/>
-          <a:chExt cx="0" cy="0"/>
-        </a:xfrm>
-      </p:grpSpPr>
-      <p:sp>
-        <p:nvSpPr>
-          <p:cNvPr id="2" name="제목 1"/>
-          <p:cNvSpPr>
-            <a:spLocks noGrp="1"/>
-          </p:cNvSpPr>
-          <p:nvPr>
-            <p:ph type="title"/>
-          </p:nvPr>
-        </p:nvSpPr>
-        <p:spPr/>
-        <p:txBody>
-          <a:bodyPr>
-            <a:normAutofit/>
-          </a:bodyPr>
-          <a:lstStyle/>
-          <a:p>
-            <a:r>
-              <a:rPr lang="en-US" altLang="ko-KR" sz="2800" dirty="0" smtClean="0"/>
-              <a:t> </a:t>
-            </a:r>
-            <a:r>
-              <a:rPr lang="en-US" altLang="ko-KR" sz="2800" b="1" dirty="0" smtClean="0"/>
-              <a:t>DECODE() </a:t>
-            </a:r>
-            <a:r>
-              <a:rPr lang="ko-KR" altLang="en-US" sz="2800" b="1" dirty="0"/>
-              <a:t>함수 </a:t>
-            </a:r>
-            <a:r>
-              <a:rPr lang="en-US" altLang="ko-KR" sz="2800" b="1" dirty="0"/>
-              <a:t>vs CASE </a:t>
-            </a:r>
-            <a:r>
-              <a:rPr lang="ko-KR" altLang="en-US" sz="2800" b="1" dirty="0" err="1"/>
-              <a:t>표현식</a:t>
-            </a:r>
-            <a:endParaRPr lang="ko-KR" altLang="en-US" sz="2800" dirty="0"/>
-          </a:p>
-        </p:txBody>
-      </p:sp>
-      <p:sp>
-        <p:nvSpPr>
-          <p:cNvPr id="4" name="슬라이드 번호 개체 틀 3"/>
-          <p:cNvSpPr>
-            <a:spLocks noGrp="1"/>
-          </p:cNvSpPr>
-          <p:nvPr>
-            <p:ph type="sldNum" sz="quarter" idx="12"/>
-          </p:nvPr>
-        </p:nvSpPr>
-        <p:spPr/>
-        <p:txBody>
-          <a:bodyPr/>
-          <a:lstStyle/>
-          <a:p>
-            <a:fld id="{1BDE3FE7-3AEA-4B05-AC5A-802D1816ACF0}" type="slidenum">
-              <a:rPr lang="ko-KR" altLang="en-US" smtClean="0"/>
-              <a:t>26</a:t>
-            </a:fld>
-            <a:endParaRPr lang="ko-KR" altLang="en-US"/>
-          </a:p>
-        </p:txBody>
-      </p:sp>
-      <p:sp>
-        <p:nvSpPr>
-          <p:cNvPr id="6" name="TextBox 5"/>
-          <p:cNvSpPr txBox="1"/>
-          <p:nvPr/>
-        </p:nvSpPr>
-        <p:spPr>
-          <a:xfrm>
-            <a:off x="827584" y="1193356"/>
-            <a:ext cx="3816424" cy="400110"/>
-          </a:xfrm>
-          <a:prstGeom prst="rect">
-            <a:avLst/>
-          </a:prstGeom>
-          <a:noFill/>
-        </p:spPr>
-        <p:txBody>
-          <a:bodyPr wrap="square" rtlCol="0">
-            <a:spAutoFit/>
-          </a:bodyPr>
-          <a:lstStyle/>
-          <a:p>
-            <a:r>
-              <a:rPr lang="en-US" altLang="ko-KR" sz="2000" b="1" dirty="0" smtClean="0"/>
-              <a:t>CASE WHEN </a:t>
-            </a:r>
-            <a:r>
-              <a:rPr lang="ko-KR" altLang="en-US" sz="2000" b="1" dirty="0" err="1" smtClean="0"/>
-              <a:t>표현식</a:t>
-            </a:r>
-            <a:endParaRPr lang="ko-KR" altLang="en-US" sz="2000" b="1" dirty="0"/>
-          </a:p>
-        </p:txBody>
-      </p:sp>
-      <p:sp>
-        <p:nvSpPr>
-          <p:cNvPr id="8" name="내용 개체 틀 2"/>
-          <p:cNvSpPr txBox="1">
-            <a:spLocks/>
-          </p:cNvSpPr>
-          <p:nvPr/>
-        </p:nvSpPr>
-        <p:spPr>
-          <a:xfrm>
-            <a:off x="1619672" y="1697412"/>
-            <a:ext cx="4752528" cy="1659580"/>
-          </a:xfrm>
-          <a:prstGeom prst="rect">
-            <a:avLst/>
-          </a:prstGeom>
-          <a:solidFill>
-            <a:schemeClr val="accent5">
-              <a:lumMod val="20000"/>
-              <a:lumOff val="80000"/>
-            </a:schemeClr>
-          </a:solidFill>
-        </p:spPr>
-        <p:txBody>
-          <a:bodyPr vert="horz" lIns="91440" tIns="45720" rIns="91440" bIns="45720" rtlCol="0">
-            <a:normAutofit fontScale="92500" lnSpcReduction="20000"/>
-          </a:bodyPr>
-          <a:lstStyle>
-            <a:lvl1pPr marL="342900" indent="-342900" algn="l" defTabSz="914400" rtl="0" eaLnBrk="1" latinLnBrk="1" hangingPunct="1">
-              <a:spcBef>
-                <a:spcPct val="20000"/>
-              </a:spcBef>
-              <a:buFont typeface="Arial" panose="020B0604020202020204" pitchFamily="34" charset="0"/>
-              <a:buChar char="•"/>
-              <a:defRPr sz="3200" kern="1200">
-                <a:solidFill>
-                  <a:schemeClr val="tx1"/>
-                </a:solidFill>
-                <a:latin typeface="+mn-lt"/>
-                <a:ea typeface="+mn-ea"/>
-                <a:cs typeface="+mn-cs"/>
-              </a:defRPr>
-            </a:lvl1pPr>
-            <a:lvl2pPr marL="742950" indent="-285750" algn="l" defTabSz="914400" rtl="0" eaLnBrk="1" latinLnBrk="1" hangingPunct="1">
-              <a:spcBef>
-                <a:spcPct val="20000"/>
-              </a:spcBef>
-              <a:buFont typeface="Arial" panose="020B0604020202020204" pitchFamily="34" charset="0"/>
-              <a:buChar char="–"/>
-              <a:defRPr sz="2800" kern="1200">
-                <a:solidFill>
-                  <a:schemeClr val="tx1"/>
-                </a:solidFill>
-                <a:latin typeface="+mn-lt"/>
-                <a:ea typeface="+mn-ea"/>
-                <a:cs typeface="+mn-cs"/>
-              </a:defRPr>
-            </a:lvl2pPr>
-            <a:lvl3pPr marL="1143000" indent="-228600" algn="l" defTabSz="914400" rtl="0" eaLnBrk="1" latinLnBrk="1" hangingPunct="1">
-              <a:spcBef>
-                <a:spcPct val="20000"/>
-              </a:spcBef>
-              <a:buFont typeface="Arial" panose="020B0604020202020204" pitchFamily="34" charset="0"/>
-              <a:buChar char="•"/>
-              <a:defRPr sz="2400" kern="1200">
-                <a:solidFill>
-                  <a:schemeClr val="tx1"/>
-                </a:solidFill>
-                <a:latin typeface="+mn-lt"/>
-                <a:ea typeface="+mn-ea"/>
-                <a:cs typeface="+mn-cs"/>
-              </a:defRPr>
-            </a:lvl3pPr>
-            <a:lvl4pPr marL="1600200" indent="-228600" algn="l" defTabSz="914400" rtl="0" eaLnBrk="1" latinLnBrk="1" hangingPunct="1">
-              <a:spcBef>
-                <a:spcPct val="20000"/>
-              </a:spcBef>
-              <a:buFont typeface="Arial" panose="020B0604020202020204" pitchFamily="34" charset="0"/>
-              <a:buChar char="–"/>
-              <a:defRPr sz="2000" kern="1200">
-                <a:solidFill>
-                  <a:schemeClr val="tx1"/>
-                </a:solidFill>
-                <a:latin typeface="+mn-lt"/>
-                <a:ea typeface="+mn-ea"/>
-                <a:cs typeface="+mn-cs"/>
-              </a:defRPr>
-            </a:lvl4pPr>
-            <a:lvl5pPr marL="2057400" indent="-228600" algn="l" defTabSz="914400" rtl="0" eaLnBrk="1" latinLnBrk="1" hangingPunct="1">
-              <a:spcBef>
-                <a:spcPct val="20000"/>
-              </a:spcBef>
-              <a:buFont typeface="Arial" panose="020B0604020202020204" pitchFamily="34" charset="0"/>
-              <a:buChar char="»"/>
-              <a:defRPr sz="2000" kern="1200">
-                <a:solidFill>
-                  <a:schemeClr val="tx1"/>
-                </a:solidFill>
-                <a:latin typeface="+mn-lt"/>
-                <a:ea typeface="+mn-ea"/>
-                <a:cs typeface="+mn-cs"/>
-              </a:defRPr>
-            </a:lvl5pPr>
-            <a:lvl6pPr marL="2514600" indent="-228600" algn="l" defTabSz="914400" rtl="0" eaLnBrk="1" latinLnBrk="1" hangingPunct="1">
-              <a:spcBef>
-                <a:spcPct val="20000"/>
-              </a:spcBef>
-              <a:buFont typeface="Arial" panose="020B0604020202020204" pitchFamily="34" charset="0"/>
-              <a:buChar char="•"/>
-              <a:defRPr sz="2000" kern="1200">
-                <a:solidFill>
-                  <a:schemeClr val="tx1"/>
-                </a:solidFill>
-                <a:latin typeface="+mn-lt"/>
-                <a:ea typeface="+mn-ea"/>
-                <a:cs typeface="+mn-cs"/>
-              </a:defRPr>
-            </a:lvl6pPr>
-            <a:lvl7pPr marL="2971800" indent="-228600" algn="l" defTabSz="914400" rtl="0" eaLnBrk="1" latinLnBrk="1" hangingPunct="1">
-              <a:spcBef>
-                <a:spcPct val="20000"/>
-              </a:spcBef>
-              <a:buFont typeface="Arial" panose="020B0604020202020204" pitchFamily="34" charset="0"/>
-              <a:buChar char="•"/>
-              <a:defRPr sz="2000" kern="1200">
-                <a:solidFill>
-                  <a:schemeClr val="tx1"/>
-                </a:solidFill>
-                <a:latin typeface="+mn-lt"/>
-                <a:ea typeface="+mn-ea"/>
-                <a:cs typeface="+mn-cs"/>
-              </a:defRPr>
-            </a:lvl7pPr>
-            <a:lvl8pPr marL="3429000" indent="-228600" algn="l" defTabSz="914400" rtl="0" eaLnBrk="1" latinLnBrk="1" hangingPunct="1">
-              <a:spcBef>
-                <a:spcPct val="20000"/>
-              </a:spcBef>
-              <a:buFont typeface="Arial" panose="020B0604020202020204" pitchFamily="34" charset="0"/>
-              <a:buChar char="•"/>
-              <a:defRPr sz="2000" kern="1200">
-                <a:solidFill>
-                  <a:schemeClr val="tx1"/>
-                </a:solidFill>
-                <a:latin typeface="+mn-lt"/>
-                <a:ea typeface="+mn-ea"/>
-                <a:cs typeface="+mn-cs"/>
-              </a:defRPr>
-            </a:lvl8pPr>
-            <a:lvl9pPr marL="3886200" indent="-228600" algn="l" defTabSz="914400" rtl="0" eaLnBrk="1" latinLnBrk="1" hangingPunct="1">
-              <a:spcBef>
-                <a:spcPct val="20000"/>
-              </a:spcBef>
-              <a:buFont typeface="Arial" panose="020B0604020202020204" pitchFamily="34" charset="0"/>
-              <a:buChar char="•"/>
-              <a:defRPr sz="2000" kern="1200">
-                <a:solidFill>
-                  <a:schemeClr val="tx1"/>
-                </a:solidFill>
-                <a:latin typeface="+mn-lt"/>
-                <a:ea typeface="+mn-ea"/>
-                <a:cs typeface="+mn-cs"/>
-              </a:defRPr>
-            </a:lvl9pPr>
-          </a:lstStyle>
-          <a:p>
-            <a:pPr marL="0" indent="0">
-              <a:lnSpc>
-                <a:spcPct val="150000"/>
-              </a:lnSpc>
-              <a:buFont typeface="Arial" panose="020B0604020202020204" pitchFamily="34" charset="0"/>
-              <a:buNone/>
-            </a:pPr>
-            <a:r>
-              <a:rPr lang="en-US" altLang="ko-KR" sz="1800" dirty="0" smtClean="0"/>
-              <a:t>CASE </a:t>
-            </a:r>
-          </a:p>
-          <a:p>
-            <a:pPr marL="0" indent="0">
-              <a:lnSpc>
-                <a:spcPct val="150000"/>
-              </a:lnSpc>
-              <a:buFont typeface="Arial" panose="020B0604020202020204" pitchFamily="34" charset="0"/>
-              <a:buNone/>
-            </a:pPr>
-            <a:r>
-              <a:rPr lang="en-US" altLang="ko-KR" sz="1800" dirty="0"/>
-              <a:t>	</a:t>
-            </a:r>
-            <a:r>
-              <a:rPr lang="en-US" altLang="ko-KR" sz="1800" dirty="0" smtClean="0"/>
-              <a:t>WHEN </a:t>
-            </a:r>
-            <a:r>
-              <a:rPr lang="ko-KR" altLang="en-US" sz="1800" dirty="0" smtClean="0"/>
-              <a:t>조건 </a:t>
-            </a:r>
-            <a:r>
-              <a:rPr lang="en-US" altLang="ko-KR" sz="1800" dirty="0" smtClean="0"/>
-              <a:t>1 THEN </a:t>
-            </a:r>
-            <a:r>
-              <a:rPr lang="ko-KR" altLang="en-US" sz="1800" dirty="0" smtClean="0"/>
-              <a:t>출력 값</a:t>
-            </a:r>
-            <a:r>
-              <a:rPr lang="en-US" altLang="ko-KR" sz="1800" dirty="0" smtClean="0"/>
-              <a:t>1</a:t>
-            </a:r>
-            <a:endParaRPr lang="en-US" altLang="ko-KR" sz="1800" dirty="0"/>
-          </a:p>
-          <a:p>
-            <a:pPr marL="0" indent="0">
-              <a:lnSpc>
-                <a:spcPct val="150000"/>
-              </a:lnSpc>
-              <a:buFont typeface="Arial" panose="020B0604020202020204" pitchFamily="34" charset="0"/>
-              <a:buNone/>
-            </a:pPr>
-            <a:r>
-              <a:rPr lang="en-US" altLang="ko-KR" sz="1800" dirty="0" smtClean="0"/>
-              <a:t>	ELSE </a:t>
-            </a:r>
-            <a:r>
-              <a:rPr lang="ko-KR" altLang="en-US" sz="1800" dirty="0" err="1" smtClean="0"/>
-              <a:t>출력값</a:t>
-            </a:r>
-            <a:r>
-              <a:rPr lang="ko-KR" altLang="en-US" sz="1800" dirty="0" smtClean="0"/>
-              <a:t> </a:t>
-            </a:r>
-            <a:r>
-              <a:rPr lang="en-US" altLang="ko-KR" sz="1800" dirty="0"/>
-              <a:t>2</a:t>
-            </a:r>
-            <a:endParaRPr lang="en-US" altLang="ko-KR" sz="1800" dirty="0" smtClean="0"/>
-          </a:p>
-          <a:p>
-            <a:pPr marL="0" indent="0">
-              <a:lnSpc>
-                <a:spcPct val="150000"/>
-              </a:lnSpc>
-              <a:buFont typeface="Arial" panose="020B0604020202020204" pitchFamily="34" charset="0"/>
-              <a:buNone/>
-            </a:pPr>
-            <a:r>
-              <a:rPr lang="en-US" altLang="ko-KR" sz="1800" dirty="0" smtClean="0"/>
-              <a:t>END</a:t>
-            </a:r>
-          </a:p>
-          <a:p>
-            <a:pPr marL="0" indent="0">
-              <a:lnSpc>
-                <a:spcPct val="150000"/>
-              </a:lnSpc>
-              <a:buFont typeface="Arial" panose="020B0604020202020204" pitchFamily="34" charset="0"/>
-              <a:buNone/>
-            </a:pPr>
-            <a:endParaRPr lang="en-US" altLang="ko-KR" sz="1800" dirty="0" smtClean="0"/>
-          </a:p>
-        </p:txBody>
-      </p:sp>
-      <p:sp>
-        <p:nvSpPr>
-          <p:cNvPr id="7" name="TextBox 6"/>
-          <p:cNvSpPr txBox="1"/>
-          <p:nvPr/>
-        </p:nvSpPr>
-        <p:spPr>
-          <a:xfrm>
-            <a:off x="827584" y="3924345"/>
-            <a:ext cx="5400600" cy="400110"/>
-          </a:xfrm>
-          <a:prstGeom prst="rect">
-            <a:avLst/>
-          </a:prstGeom>
-          <a:noFill/>
-        </p:spPr>
-        <p:txBody>
-          <a:bodyPr wrap="square" rtlCol="0">
-            <a:spAutoFit/>
-          </a:bodyPr>
-          <a:lstStyle/>
-          <a:p>
-            <a:r>
-              <a:rPr lang="en-US" altLang="ko-KR" sz="2000" b="1" dirty="0" smtClean="0"/>
-              <a:t>DECODE </a:t>
-            </a:r>
-            <a:r>
-              <a:rPr lang="ko-KR" altLang="en-US" sz="2000" b="1" dirty="0" smtClean="0"/>
-              <a:t>함수 </a:t>
-            </a:r>
-            <a:r>
-              <a:rPr lang="en-US" altLang="ko-KR" sz="2000" b="1" dirty="0" smtClean="0"/>
-              <a:t>– (IF~THEN~ELSE)</a:t>
-            </a:r>
-            <a:endParaRPr lang="ko-KR" altLang="en-US" sz="2000" b="1" dirty="0"/>
-          </a:p>
-        </p:txBody>
-      </p:sp>
-      <p:sp>
-        <p:nvSpPr>
-          <p:cNvPr id="9" name="내용 개체 틀 2"/>
-          <p:cNvSpPr txBox="1">
-            <a:spLocks/>
-          </p:cNvSpPr>
-          <p:nvPr/>
-        </p:nvSpPr>
-        <p:spPr>
-          <a:xfrm>
-            <a:off x="1259632" y="4497013"/>
-            <a:ext cx="4824536" cy="507452"/>
-          </a:xfrm>
-          <a:prstGeom prst="rect">
-            <a:avLst/>
-          </a:prstGeom>
-          <a:solidFill>
-            <a:schemeClr val="accent5">
-              <a:lumMod val="20000"/>
-              <a:lumOff val="80000"/>
-            </a:schemeClr>
-          </a:solidFill>
-        </p:spPr>
-        <p:txBody>
-          <a:bodyPr vert="horz" lIns="91440" tIns="45720" rIns="91440" bIns="45720" rtlCol="0">
-            <a:normAutofit/>
-          </a:bodyPr>
-          <a:lstStyle>
-            <a:lvl1pPr marL="342900" indent="-342900" algn="l" defTabSz="914400" rtl="0" eaLnBrk="1" latinLnBrk="1" hangingPunct="1">
-              <a:spcBef>
-                <a:spcPct val="20000"/>
-              </a:spcBef>
-              <a:buFont typeface="Arial" panose="020B0604020202020204" pitchFamily="34" charset="0"/>
-              <a:buChar char="•"/>
-              <a:defRPr sz="3200" kern="1200">
-                <a:solidFill>
-                  <a:schemeClr val="tx1"/>
-                </a:solidFill>
-                <a:latin typeface="+mn-lt"/>
-                <a:ea typeface="+mn-ea"/>
-                <a:cs typeface="+mn-cs"/>
-              </a:defRPr>
-            </a:lvl1pPr>
-            <a:lvl2pPr marL="742950" indent="-285750" algn="l" defTabSz="914400" rtl="0" eaLnBrk="1" latinLnBrk="1" hangingPunct="1">
-              <a:spcBef>
-                <a:spcPct val="20000"/>
-              </a:spcBef>
-              <a:buFont typeface="Arial" panose="020B0604020202020204" pitchFamily="34" charset="0"/>
-              <a:buChar char="–"/>
-              <a:defRPr sz="2800" kern="1200">
-                <a:solidFill>
-                  <a:schemeClr val="tx1"/>
-                </a:solidFill>
-                <a:latin typeface="+mn-lt"/>
-                <a:ea typeface="+mn-ea"/>
-                <a:cs typeface="+mn-cs"/>
-              </a:defRPr>
-            </a:lvl2pPr>
-            <a:lvl3pPr marL="1143000" indent="-228600" algn="l" defTabSz="914400" rtl="0" eaLnBrk="1" latinLnBrk="1" hangingPunct="1">
-              <a:spcBef>
-                <a:spcPct val="20000"/>
-              </a:spcBef>
-              <a:buFont typeface="Arial" panose="020B0604020202020204" pitchFamily="34" charset="0"/>
-              <a:buChar char="•"/>
-              <a:defRPr sz="2400" kern="1200">
-                <a:solidFill>
-                  <a:schemeClr val="tx1"/>
-                </a:solidFill>
-                <a:latin typeface="+mn-lt"/>
-                <a:ea typeface="+mn-ea"/>
-                <a:cs typeface="+mn-cs"/>
-              </a:defRPr>
-            </a:lvl3pPr>
-            <a:lvl4pPr marL="1600200" indent="-228600" algn="l" defTabSz="914400" rtl="0" eaLnBrk="1" latinLnBrk="1" hangingPunct="1">
-              <a:spcBef>
-                <a:spcPct val="20000"/>
-              </a:spcBef>
-              <a:buFont typeface="Arial" panose="020B0604020202020204" pitchFamily="34" charset="0"/>
-              <a:buChar char="–"/>
-              <a:defRPr sz="2000" kern="1200">
-                <a:solidFill>
-                  <a:schemeClr val="tx1"/>
-                </a:solidFill>
-                <a:latin typeface="+mn-lt"/>
-                <a:ea typeface="+mn-ea"/>
-                <a:cs typeface="+mn-cs"/>
-              </a:defRPr>
-            </a:lvl4pPr>
-            <a:lvl5pPr marL="2057400" indent="-228600" algn="l" defTabSz="914400" rtl="0" eaLnBrk="1" latinLnBrk="1" hangingPunct="1">
-              <a:spcBef>
-                <a:spcPct val="20000"/>
-              </a:spcBef>
-              <a:buFont typeface="Arial" panose="020B0604020202020204" pitchFamily="34" charset="0"/>
-              <a:buChar char="»"/>
-              <a:defRPr sz="2000" kern="1200">
-                <a:solidFill>
-                  <a:schemeClr val="tx1"/>
-                </a:solidFill>
-                <a:latin typeface="+mn-lt"/>
-                <a:ea typeface="+mn-ea"/>
-                <a:cs typeface="+mn-cs"/>
-              </a:defRPr>
-            </a:lvl5pPr>
-            <a:lvl6pPr marL="2514600" indent="-228600" algn="l" defTabSz="914400" rtl="0" eaLnBrk="1" latinLnBrk="1" hangingPunct="1">
-              <a:spcBef>
-                <a:spcPct val="20000"/>
-              </a:spcBef>
-              <a:buFont typeface="Arial" panose="020B0604020202020204" pitchFamily="34" charset="0"/>
-              <a:buChar char="•"/>
-              <a:defRPr sz="2000" kern="1200">
-                <a:solidFill>
-                  <a:schemeClr val="tx1"/>
-                </a:solidFill>
-                <a:latin typeface="+mn-lt"/>
-                <a:ea typeface="+mn-ea"/>
-                <a:cs typeface="+mn-cs"/>
-              </a:defRPr>
-            </a:lvl6pPr>
-            <a:lvl7pPr marL="2971800" indent="-228600" algn="l" defTabSz="914400" rtl="0" eaLnBrk="1" latinLnBrk="1" hangingPunct="1">
-              <a:spcBef>
-                <a:spcPct val="20000"/>
-              </a:spcBef>
-              <a:buFont typeface="Arial" panose="020B0604020202020204" pitchFamily="34" charset="0"/>
-              <a:buChar char="•"/>
-              <a:defRPr sz="2000" kern="1200">
-                <a:solidFill>
-                  <a:schemeClr val="tx1"/>
-                </a:solidFill>
-                <a:latin typeface="+mn-lt"/>
-                <a:ea typeface="+mn-ea"/>
-                <a:cs typeface="+mn-cs"/>
-              </a:defRPr>
-            </a:lvl7pPr>
-            <a:lvl8pPr marL="3429000" indent="-228600" algn="l" defTabSz="914400" rtl="0" eaLnBrk="1" latinLnBrk="1" hangingPunct="1">
-              <a:spcBef>
-                <a:spcPct val="20000"/>
-              </a:spcBef>
-              <a:buFont typeface="Arial" panose="020B0604020202020204" pitchFamily="34" charset="0"/>
-              <a:buChar char="•"/>
-              <a:defRPr sz="2000" kern="1200">
-                <a:solidFill>
-                  <a:schemeClr val="tx1"/>
-                </a:solidFill>
-                <a:latin typeface="+mn-lt"/>
-                <a:ea typeface="+mn-ea"/>
-                <a:cs typeface="+mn-cs"/>
-              </a:defRPr>
-            </a:lvl8pPr>
-            <a:lvl9pPr marL="3886200" indent="-228600" algn="l" defTabSz="914400" rtl="0" eaLnBrk="1" latinLnBrk="1" hangingPunct="1">
-              <a:spcBef>
-                <a:spcPct val="20000"/>
-              </a:spcBef>
-              <a:buFont typeface="Arial" panose="020B0604020202020204" pitchFamily="34" charset="0"/>
-              <a:buChar char="•"/>
-              <a:defRPr sz="2000" kern="1200">
-                <a:solidFill>
-                  <a:schemeClr val="tx1"/>
-                </a:solidFill>
-                <a:latin typeface="+mn-lt"/>
-                <a:ea typeface="+mn-ea"/>
-                <a:cs typeface="+mn-cs"/>
-              </a:defRPr>
-            </a:lvl9pPr>
-          </a:lstStyle>
-          <a:p>
-            <a:pPr marL="0" indent="0">
-              <a:lnSpc>
-                <a:spcPct val="150000"/>
-              </a:lnSpc>
-              <a:buFont typeface="Arial" panose="020B0604020202020204" pitchFamily="34" charset="0"/>
-              <a:buNone/>
-            </a:pPr>
-            <a:r>
-              <a:rPr lang="en-US" altLang="ko-KR" sz="1800" b="1" dirty="0" smtClean="0"/>
-              <a:t>DECODE (</a:t>
-            </a:r>
-            <a:r>
-              <a:rPr lang="ko-KR" altLang="en-US" sz="1800" b="1" dirty="0" err="1" smtClean="0"/>
-              <a:t>열이름</a:t>
-            </a:r>
-            <a:r>
-              <a:rPr lang="en-US" altLang="ko-KR" sz="1800" b="1" dirty="0" smtClean="0"/>
-              <a:t>, </a:t>
-            </a:r>
-            <a:r>
-              <a:rPr lang="ko-KR" altLang="en-US" sz="1800" b="1" dirty="0" smtClean="0"/>
-              <a:t>조건 값</a:t>
-            </a:r>
-            <a:r>
-              <a:rPr lang="en-US" altLang="ko-KR" sz="1800" b="1" dirty="0" smtClean="0"/>
-              <a:t>, </a:t>
-            </a:r>
-            <a:r>
-              <a:rPr lang="ko-KR" altLang="en-US" sz="1800" b="1" dirty="0" smtClean="0">
-                <a:solidFill>
-                  <a:srgbClr val="C00000"/>
-                </a:solidFill>
-              </a:rPr>
-              <a:t>변경 값</a:t>
-            </a:r>
-            <a:r>
-              <a:rPr lang="en-US" altLang="ko-KR" sz="1800" b="1" dirty="0" smtClean="0"/>
-              <a:t>, </a:t>
-            </a:r>
-            <a:r>
-              <a:rPr lang="ko-KR" altLang="en-US" sz="1800" b="1" dirty="0" smtClean="0"/>
-              <a:t>기본값</a:t>
-            </a:r>
-            <a:r>
-              <a:rPr lang="en-US" altLang="ko-KR" sz="1800" b="1" dirty="0" smtClean="0"/>
-              <a:t>)</a:t>
-            </a:r>
-          </a:p>
-        </p:txBody>
-      </p:sp>
-    </p:spTree>
-    <p:extLst>
-      <p:ext uri="{BB962C8B-B14F-4D97-AF65-F5344CB8AC3E}">
-        <p14:creationId xmlns:p14="http://schemas.microsoft.com/office/powerpoint/2010/main" val="2478636118"/>
-      </p:ext>
-    </p:extLst>
-  </p:cSld>
-  <p:clrMapOvr>
-    <a:masterClrMapping/>
-  </p:clrMapOvr>
-  <p:timing>
-    <p:tnLst>
-      <p:par>
-        <p:cTn id="1" dur="indefinite" restart="never" nodeType="tmRoot"/>
-      </p:par>
-    </p:tnLst>
-  </p:timing>
-</p:sld>
-</file>
-
-<file path=ppt/slides/slide27.xml><?xml version="1.0" encoding="utf-8"?>
-<p:sld xmlns:a="http://schemas.openxmlformats.org/drawingml/2006/main" xmlns:r="http://schemas.openxmlformats.org/officeDocument/2006/relationships" xmlns:p="http://schemas.openxmlformats.org/presentationml/2006/main">
-  <p:cSld>
-    <p:spTree>
-      <p:nvGrpSpPr>
-        <p:cNvPr id="1" name=""/>
-        <p:cNvGrpSpPr/>
-        <p:nvPr/>
-      </p:nvGrpSpPr>
-      <p:grpSpPr>
-        <a:xfrm>
-          <a:off x="0" y="0"/>
-          <a:ext cx="0" cy="0"/>
-          <a:chOff x="0" y="0"/>
-          <a:chExt cx="0" cy="0"/>
-        </a:xfrm>
-      </p:grpSpPr>
-      <p:sp>
-        <p:nvSpPr>
-          <p:cNvPr id="2" name="제목 1"/>
-          <p:cNvSpPr>
-            <a:spLocks noGrp="1"/>
-          </p:cNvSpPr>
-          <p:nvPr>
-            <p:ph type="title"/>
-          </p:nvPr>
-        </p:nvSpPr>
-        <p:spPr/>
-        <p:txBody>
-          <a:bodyPr>
-            <a:normAutofit/>
-          </a:bodyPr>
-          <a:lstStyle/>
-          <a:p>
-            <a:r>
-              <a:rPr lang="en-US" altLang="ko-KR" sz="2800" dirty="0" smtClean="0"/>
-              <a:t>  </a:t>
-            </a:r>
-            <a:r>
-              <a:rPr lang="en-US" altLang="ko-KR" sz="2800" b="1" dirty="0"/>
-              <a:t>DECODE </a:t>
-            </a:r>
-            <a:r>
-              <a:rPr lang="ko-KR" altLang="en-US" sz="2800" b="1" dirty="0" smtClean="0"/>
-              <a:t>함수</a:t>
-            </a:r>
-            <a:r>
-              <a:rPr lang="en-US" altLang="ko-KR" sz="2800" b="1" dirty="0" smtClean="0"/>
-              <a:t>()</a:t>
-            </a:r>
-            <a:r>
-              <a:rPr lang="ko-KR" altLang="en-US" sz="2800" b="1" dirty="0" smtClean="0"/>
-              <a:t> </a:t>
-            </a:r>
-            <a:r>
-              <a:rPr lang="en-US" altLang="ko-KR" sz="2800" b="1" dirty="0" smtClean="0"/>
-              <a:t>vs CASE </a:t>
-            </a:r>
-            <a:r>
-              <a:rPr lang="ko-KR" altLang="en-US" sz="2800" b="1" dirty="0" err="1" smtClean="0"/>
-              <a:t>표현식</a:t>
-            </a:r>
-            <a:endParaRPr lang="ko-KR" altLang="en-US" sz="2800" b="1" dirty="0"/>
-          </a:p>
-        </p:txBody>
-      </p:sp>
-      <p:sp>
-        <p:nvSpPr>
-          <p:cNvPr id="4" name="슬라이드 번호 개체 틀 3"/>
-          <p:cNvSpPr>
-            <a:spLocks noGrp="1"/>
-          </p:cNvSpPr>
-          <p:nvPr>
-            <p:ph type="sldNum" sz="quarter" idx="12"/>
-          </p:nvPr>
-        </p:nvSpPr>
-        <p:spPr/>
-        <p:txBody>
-          <a:bodyPr/>
-          <a:lstStyle/>
-          <a:p>
-            <a:fld id="{1BDE3FE7-3AEA-4B05-AC5A-802D1816ACF0}" type="slidenum">
-              <a:rPr lang="ko-KR" altLang="en-US" smtClean="0"/>
-              <a:t>27</a:t>
-            </a:fld>
-            <a:endParaRPr lang="ko-KR" altLang="en-US"/>
-          </a:p>
-        </p:txBody>
-      </p:sp>
-      <p:pic>
-        <p:nvPicPr>
-          <p:cNvPr id="5" name="그림 4"/>
-          <p:cNvPicPr>
-            <a:picLocks noChangeAspect="1"/>
-          </p:cNvPicPr>
-          <p:nvPr/>
-        </p:nvPicPr>
-        <p:blipFill>
-          <a:blip r:embed="rId2">
-            <a:extLst>
-              <a:ext uri="{28A0092B-C50C-407E-A947-70E740481C1C}">
-                <a14:useLocalDpi xmlns:a14="http://schemas.microsoft.com/office/drawing/2010/main" val="0"/>
-              </a:ext>
-            </a:extLst>
-          </a:blip>
-          <a:stretch>
-            <a:fillRect/>
-          </a:stretch>
-        </p:blipFill>
-        <p:spPr>
-          <a:xfrm>
-            <a:off x="3923928" y="1412776"/>
-            <a:ext cx="4419983" cy="4023709"/>
-          </a:xfrm>
-          <a:prstGeom prst="rect">
-            <a:avLst/>
-          </a:prstGeom>
-          <a:ln>
-            <a:solidFill>
-              <a:schemeClr val="bg1">
-                <a:lumMod val="85000"/>
-              </a:schemeClr>
-            </a:solidFill>
-          </a:ln>
-        </p:spPr>
-      </p:pic>
-      <p:pic>
-        <p:nvPicPr>
-          <p:cNvPr id="6" name="그림 5"/>
-          <p:cNvPicPr>
-            <a:picLocks noChangeAspect="1"/>
-          </p:cNvPicPr>
-          <p:nvPr/>
-        </p:nvPicPr>
-        <p:blipFill>
-          <a:blip r:embed="rId3">
-            <a:extLst>
-              <a:ext uri="{28A0092B-C50C-407E-A947-70E740481C1C}">
-                <a14:useLocalDpi xmlns:a14="http://schemas.microsoft.com/office/drawing/2010/main" val="0"/>
-              </a:ext>
-            </a:extLst>
-          </a:blip>
-          <a:stretch>
-            <a:fillRect/>
-          </a:stretch>
-        </p:blipFill>
-        <p:spPr>
-          <a:xfrm>
-            <a:off x="1043608" y="1412776"/>
-            <a:ext cx="2001564" cy="1584176"/>
-          </a:xfrm>
-          <a:prstGeom prst="rect">
-            <a:avLst/>
-          </a:prstGeom>
-          <a:ln>
-            <a:solidFill>
-              <a:schemeClr val="bg1">
-                <a:lumMod val="85000"/>
-              </a:schemeClr>
-            </a:solidFill>
-          </a:ln>
-        </p:spPr>
-      </p:pic>
-    </p:spTree>
-    <p:extLst>
-      <p:ext uri="{BB962C8B-B14F-4D97-AF65-F5344CB8AC3E}">
-        <p14:creationId xmlns:p14="http://schemas.microsoft.com/office/powerpoint/2010/main" val="702316541"/>
       </p:ext>
     </p:extLst>
   </p:cSld>
@@ -14837,7 +15280,7 @@
         </p:blipFill>
         <p:spPr>
           <a:xfrm>
-            <a:off x="1373099" y="1461312"/>
+            <a:off x="1039187" y="1690946"/>
             <a:ext cx="5431149" cy="1368152"/>
           </a:xfrm>
           <a:prstGeom prst="rect">
@@ -14874,8 +15317,45 @@
         </p:blipFill>
         <p:spPr>
           <a:xfrm>
-            <a:off x="5318219" y="3180480"/>
+            <a:off x="6968724" y="1749406"/>
             <a:ext cx="1486029" cy="1112616"/>
+          </a:xfrm>
+          <a:prstGeom prst="rect">
+            <a:avLst/>
+          </a:prstGeom>
+          <a:ln>
+            <a:solidFill>
+              <a:schemeClr val="bg1">
+                <a:lumMod val="85000"/>
+              </a:schemeClr>
+            </a:solidFill>
+          </a:ln>
+        </p:spPr>
+      </p:pic>
+      <p:pic>
+        <p:nvPicPr>
+          <p:cNvPr id="3" name="그림 2"/>
+          <p:cNvPicPr>
+            <a:picLocks noChangeAspect="1"/>
+          </p:cNvPicPr>
+          <p:nvPr/>
+        </p:nvPicPr>
+        <p:blipFill>
+          <a:blip r:embed="rId4">
+            <a:extLst>
+              <a:ext uri="{28A0092B-C50C-407E-A947-70E740481C1C}">
+                <a14:useLocalDpi xmlns:a14="http://schemas.microsoft.com/office/drawing/2010/main" val="0"/>
+              </a:ext>
+            </a:extLst>
+          </a:blip>
+          <a:stretch>
+            <a:fillRect/>
+          </a:stretch>
+        </p:blipFill>
+        <p:spPr>
+          <a:xfrm>
+            <a:off x="1039998" y="3590788"/>
+            <a:ext cx="5959356" cy="1066892"/>
           </a:xfrm>
           <a:prstGeom prst="rect">
             <a:avLst/>
@@ -16700,7 +17180,7 @@
       </p:sp>
       <p:pic>
         <p:nvPicPr>
-          <p:cNvPr id="8" name="그림 7"/>
+          <p:cNvPr id="6" name="그림 5"/>
           <p:cNvPicPr>
             <a:picLocks noChangeAspect="1"/>
           </p:cNvPicPr>
@@ -16720,8 +17200,8 @@
         </p:blipFill>
         <p:spPr>
           <a:xfrm>
-            <a:off x="1017568" y="1912144"/>
-            <a:ext cx="4587638" cy="830652"/>
+            <a:off x="1331640" y="1778698"/>
+            <a:ext cx="4549534" cy="3596952"/>
           </a:xfrm>
           <a:prstGeom prst="rect">
             <a:avLst/>
@@ -16737,7 +17217,7 @@
       </p:pic>
       <p:pic>
         <p:nvPicPr>
-          <p:cNvPr id="9" name="그림 8"/>
+          <p:cNvPr id="14" name="그림 13"/>
           <p:cNvPicPr>
             <a:picLocks noChangeAspect="1"/>
           </p:cNvPicPr>
@@ -16757,155 +17237,8 @@
         </p:blipFill>
         <p:spPr>
           <a:xfrm>
-            <a:off x="1006128" y="3212976"/>
-            <a:ext cx="4999154" cy="914479"/>
-          </a:xfrm>
-          <a:prstGeom prst="rect">
-            <a:avLst/>
-          </a:prstGeom>
-          <a:ln>
-            <a:solidFill>
-              <a:schemeClr val="bg1">
-                <a:lumMod val="85000"/>
-              </a:schemeClr>
-            </a:solidFill>
-          </a:ln>
-        </p:spPr>
-      </p:pic>
-      <p:pic>
-        <p:nvPicPr>
-          <p:cNvPr id="11" name="그림 10"/>
-          <p:cNvPicPr>
-            <a:picLocks noChangeAspect="1"/>
-          </p:cNvPicPr>
-          <p:nvPr/>
-        </p:nvPicPr>
-        <p:blipFill>
-          <a:blip r:embed="rId4">
-            <a:extLst>
-              <a:ext uri="{28A0092B-C50C-407E-A947-70E740481C1C}">
-                <a14:useLocalDpi xmlns:a14="http://schemas.microsoft.com/office/drawing/2010/main" val="0"/>
-              </a:ext>
-            </a:extLst>
-          </a:blip>
-          <a:stretch>
-            <a:fillRect/>
-          </a:stretch>
-        </p:blipFill>
-        <p:spPr>
-          <a:xfrm>
-            <a:off x="6300192" y="3403492"/>
-            <a:ext cx="670618" cy="723963"/>
-          </a:xfrm>
-          <a:prstGeom prst="rect">
-            <a:avLst/>
-          </a:prstGeom>
-          <a:ln>
-            <a:solidFill>
-              <a:schemeClr val="bg1">
-                <a:lumMod val="85000"/>
-              </a:schemeClr>
-            </a:solidFill>
-          </a:ln>
-        </p:spPr>
-      </p:pic>
-      <p:pic>
-        <p:nvPicPr>
-          <p:cNvPr id="13" name="그림 12"/>
-          <p:cNvPicPr>
-            <a:picLocks noChangeAspect="1"/>
-          </p:cNvPicPr>
-          <p:nvPr/>
-        </p:nvPicPr>
-        <p:blipFill>
-          <a:blip r:embed="rId5">
-            <a:extLst>
-              <a:ext uri="{28A0092B-C50C-407E-A947-70E740481C1C}">
-                <a14:useLocalDpi xmlns:a14="http://schemas.microsoft.com/office/drawing/2010/main" val="0"/>
-              </a:ext>
-            </a:extLst>
-          </a:blip>
-          <a:stretch>
-            <a:fillRect/>
-          </a:stretch>
-        </p:blipFill>
-        <p:spPr>
-          <a:xfrm>
-            <a:off x="6125136" y="2204864"/>
+            <a:off x="6228184" y="4581128"/>
             <a:ext cx="1653683" cy="457240"/>
-          </a:xfrm>
-          <a:prstGeom prst="rect">
-            <a:avLst/>
-          </a:prstGeom>
-          <a:ln>
-            <a:solidFill>
-              <a:schemeClr val="bg1">
-                <a:lumMod val="85000"/>
-              </a:schemeClr>
-            </a:solidFill>
-          </a:ln>
-        </p:spPr>
-      </p:pic>
-      <p:pic>
-        <p:nvPicPr>
-          <p:cNvPr id="3" name="그림 2"/>
-          <p:cNvPicPr>
-            <a:picLocks noChangeAspect="1"/>
-          </p:cNvPicPr>
-          <p:nvPr/>
-        </p:nvPicPr>
-        <p:blipFill>
-          <a:blip r:embed="rId6">
-            <a:extLst>
-              <a:ext uri="{28A0092B-C50C-407E-A947-70E740481C1C}">
-                <a14:useLocalDpi xmlns:a14="http://schemas.microsoft.com/office/drawing/2010/main" val="0"/>
-              </a:ext>
-            </a:extLst>
-          </a:blip>
-          <a:stretch>
-            <a:fillRect/>
-          </a:stretch>
-        </p:blipFill>
-        <p:spPr>
-          <a:xfrm>
-            <a:off x="1017568" y="4434799"/>
-            <a:ext cx="4490536" cy="1329435"/>
-          </a:xfrm>
-          <a:prstGeom prst="rect">
-            <a:avLst/>
-          </a:prstGeom>
-          <a:ln>
-            <a:solidFill>
-              <a:schemeClr val="bg1">
-                <a:lumMod val="85000"/>
-              </a:schemeClr>
-            </a:solidFill>
-          </a:ln>
-        </p:spPr>
-      </p:pic>
-      <p:pic>
-        <p:nvPicPr>
-          <p:cNvPr id="5" name="그림 4"/>
-          <p:cNvPicPr>
-            <a:picLocks noChangeAspect="1"/>
-          </p:cNvPicPr>
-          <p:nvPr/>
-        </p:nvPicPr>
-        <p:blipFill rotWithShape="1">
-          <a:blip r:embed="rId7">
-            <a:extLst>
-              <a:ext uri="{28A0092B-C50C-407E-A947-70E740481C1C}">
-                <a14:useLocalDpi xmlns:a14="http://schemas.microsoft.com/office/drawing/2010/main" val="0"/>
-              </a:ext>
-            </a:extLst>
-          </a:blip>
-          <a:srcRect b="46481"/>
-          <a:stretch/>
-        </p:blipFill>
-        <p:spPr>
-          <a:xfrm>
-            <a:off x="5761027" y="4516286"/>
-            <a:ext cx="3200678" cy="1166460"/>
           </a:xfrm>
           <a:prstGeom prst="rect">
             <a:avLst/>
@@ -17014,9 +17347,187 @@
           </a:p>
         </p:txBody>
       </p:sp>
+      <p:sp>
+        <p:nvSpPr>
+          <p:cNvPr id="12" name="내용 개체 틀 2"/>
+          <p:cNvSpPr txBox="1">
+            <a:spLocks/>
+          </p:cNvSpPr>
+          <p:nvPr/>
+        </p:nvSpPr>
+        <p:spPr>
+          <a:xfrm>
+            <a:off x="467544" y="1052736"/>
+            <a:ext cx="2160240" cy="504056"/>
+          </a:xfrm>
+          <a:prstGeom prst="rect">
+            <a:avLst/>
+          </a:prstGeom>
+        </p:spPr>
+        <p:txBody>
+          <a:bodyPr vert="horz" lIns="91440" tIns="45720" rIns="91440" bIns="45720" rtlCol="0">
+            <a:noAutofit/>
+          </a:bodyPr>
+          <a:lstStyle>
+            <a:lvl1pPr marL="342900" indent="-342900" algn="l" defTabSz="914400" rtl="0" eaLnBrk="1" latinLnBrk="1" hangingPunct="1">
+              <a:spcBef>
+                <a:spcPct val="20000"/>
+              </a:spcBef>
+              <a:buFont typeface="Arial" panose="020B0604020202020204" pitchFamily="34" charset="0"/>
+              <a:buChar char="•"/>
+              <a:defRPr sz="3200" kern="1200">
+                <a:solidFill>
+                  <a:schemeClr val="tx1"/>
+                </a:solidFill>
+                <a:latin typeface="+mn-lt"/>
+                <a:ea typeface="+mn-ea"/>
+                <a:cs typeface="+mn-cs"/>
+              </a:defRPr>
+            </a:lvl1pPr>
+            <a:lvl2pPr marL="742950" indent="-285750" algn="l" defTabSz="914400" rtl="0" eaLnBrk="1" latinLnBrk="1" hangingPunct="1">
+              <a:spcBef>
+                <a:spcPct val="20000"/>
+              </a:spcBef>
+              <a:buFont typeface="Arial" panose="020B0604020202020204" pitchFamily="34" charset="0"/>
+              <a:buChar char="–"/>
+              <a:defRPr sz="2800" kern="1200">
+                <a:solidFill>
+                  <a:schemeClr val="tx1"/>
+                </a:solidFill>
+                <a:latin typeface="+mn-lt"/>
+                <a:ea typeface="+mn-ea"/>
+                <a:cs typeface="+mn-cs"/>
+              </a:defRPr>
+            </a:lvl2pPr>
+            <a:lvl3pPr marL="1143000" indent="-228600" algn="l" defTabSz="914400" rtl="0" eaLnBrk="1" latinLnBrk="1" hangingPunct="1">
+              <a:spcBef>
+                <a:spcPct val="20000"/>
+              </a:spcBef>
+              <a:buFont typeface="Arial" panose="020B0604020202020204" pitchFamily="34" charset="0"/>
+              <a:buChar char="•"/>
+              <a:defRPr sz="2400" kern="1200">
+                <a:solidFill>
+                  <a:schemeClr val="tx1"/>
+                </a:solidFill>
+                <a:latin typeface="+mn-lt"/>
+                <a:ea typeface="+mn-ea"/>
+                <a:cs typeface="+mn-cs"/>
+              </a:defRPr>
+            </a:lvl3pPr>
+            <a:lvl4pPr marL="1600200" indent="-228600" algn="l" defTabSz="914400" rtl="0" eaLnBrk="1" latinLnBrk="1" hangingPunct="1">
+              <a:spcBef>
+                <a:spcPct val="20000"/>
+              </a:spcBef>
+              <a:buFont typeface="Arial" panose="020B0604020202020204" pitchFamily="34" charset="0"/>
+              <a:buChar char="–"/>
+              <a:defRPr sz="2000" kern="1200">
+                <a:solidFill>
+                  <a:schemeClr val="tx1"/>
+                </a:solidFill>
+                <a:latin typeface="+mn-lt"/>
+                <a:ea typeface="+mn-ea"/>
+                <a:cs typeface="+mn-cs"/>
+              </a:defRPr>
+            </a:lvl4pPr>
+            <a:lvl5pPr marL="2057400" indent="-228600" algn="l" defTabSz="914400" rtl="0" eaLnBrk="1" latinLnBrk="1" hangingPunct="1">
+              <a:spcBef>
+                <a:spcPct val="20000"/>
+              </a:spcBef>
+              <a:buFont typeface="Arial" panose="020B0604020202020204" pitchFamily="34" charset="0"/>
+              <a:buChar char="»"/>
+              <a:defRPr sz="2000" kern="1200">
+                <a:solidFill>
+                  <a:schemeClr val="tx1"/>
+                </a:solidFill>
+                <a:latin typeface="+mn-lt"/>
+                <a:ea typeface="+mn-ea"/>
+                <a:cs typeface="+mn-cs"/>
+              </a:defRPr>
+            </a:lvl5pPr>
+            <a:lvl6pPr marL="2514600" indent="-228600" algn="l" defTabSz="914400" rtl="0" eaLnBrk="1" latinLnBrk="1" hangingPunct="1">
+              <a:spcBef>
+                <a:spcPct val="20000"/>
+              </a:spcBef>
+              <a:buFont typeface="Arial" panose="020B0604020202020204" pitchFamily="34" charset="0"/>
+              <a:buChar char="•"/>
+              <a:defRPr sz="2000" kern="1200">
+                <a:solidFill>
+                  <a:schemeClr val="tx1"/>
+                </a:solidFill>
+                <a:latin typeface="+mn-lt"/>
+                <a:ea typeface="+mn-ea"/>
+                <a:cs typeface="+mn-cs"/>
+              </a:defRPr>
+            </a:lvl6pPr>
+            <a:lvl7pPr marL="2971800" indent="-228600" algn="l" defTabSz="914400" rtl="0" eaLnBrk="1" latinLnBrk="1" hangingPunct="1">
+              <a:spcBef>
+                <a:spcPct val="20000"/>
+              </a:spcBef>
+              <a:buFont typeface="Arial" panose="020B0604020202020204" pitchFamily="34" charset="0"/>
+              <a:buChar char="•"/>
+              <a:defRPr sz="2000" kern="1200">
+                <a:solidFill>
+                  <a:schemeClr val="tx1"/>
+                </a:solidFill>
+                <a:latin typeface="+mn-lt"/>
+                <a:ea typeface="+mn-ea"/>
+                <a:cs typeface="+mn-cs"/>
+              </a:defRPr>
+            </a:lvl7pPr>
+            <a:lvl8pPr marL="3429000" indent="-228600" algn="l" defTabSz="914400" rtl="0" eaLnBrk="1" latinLnBrk="1" hangingPunct="1">
+              <a:spcBef>
+                <a:spcPct val="20000"/>
+              </a:spcBef>
+              <a:buFont typeface="Arial" panose="020B0604020202020204" pitchFamily="34" charset="0"/>
+              <a:buChar char="•"/>
+              <a:defRPr sz="2000" kern="1200">
+                <a:solidFill>
+                  <a:schemeClr val="tx1"/>
+                </a:solidFill>
+                <a:latin typeface="+mn-lt"/>
+                <a:ea typeface="+mn-ea"/>
+                <a:cs typeface="+mn-cs"/>
+              </a:defRPr>
+            </a:lvl8pPr>
+            <a:lvl9pPr marL="3886200" indent="-228600" algn="l" defTabSz="914400" rtl="0" eaLnBrk="1" latinLnBrk="1" hangingPunct="1">
+              <a:spcBef>
+                <a:spcPct val="20000"/>
+              </a:spcBef>
+              <a:buFont typeface="Arial" panose="020B0604020202020204" pitchFamily="34" charset="0"/>
+              <a:buChar char="•"/>
+              <a:defRPr sz="2000" kern="1200">
+                <a:solidFill>
+                  <a:schemeClr val="tx1"/>
+                </a:solidFill>
+                <a:latin typeface="+mn-lt"/>
+                <a:ea typeface="+mn-ea"/>
+                <a:cs typeface="+mn-cs"/>
+              </a:defRPr>
+            </a:lvl9pPr>
+          </a:lstStyle>
+          <a:p>
+            <a:pPr marL="0" indent="0">
+              <a:lnSpc>
+                <a:spcPct val="150000"/>
+              </a:lnSpc>
+              <a:buFont typeface="Arial" panose="020B0604020202020204" pitchFamily="34" charset="0"/>
+              <a:buNone/>
+            </a:pPr>
+            <a:r>
+              <a:rPr lang="en-US" altLang="ko-KR" sz="1800" dirty="0"/>
+              <a:t> </a:t>
+            </a:r>
+            <a:r>
+              <a:rPr lang="ko-KR" altLang="en-US" sz="2000" b="1" dirty="0" smtClean="0"/>
+              <a:t>문자 타입 함수</a:t>
+            </a:r>
+            <a:endParaRPr lang="en-US" altLang="ko-KR" sz="1800" dirty="0" smtClean="0"/>
+          </a:p>
+        </p:txBody>
+      </p:sp>
       <p:pic>
         <p:nvPicPr>
-          <p:cNvPr id="3" name="그림 2"/>
+          <p:cNvPr id="9" name="그림 8"/>
           <p:cNvPicPr>
             <a:picLocks noChangeAspect="1"/>
           </p:cNvPicPr>
@@ -17036,8 +17547,82 @@
         </p:blipFill>
         <p:spPr>
           <a:xfrm>
-            <a:off x="1187624" y="1484784"/>
-            <a:ext cx="5509738" cy="1455546"/>
+            <a:off x="827584" y="1869469"/>
+            <a:ext cx="5655231" cy="1034493"/>
+          </a:xfrm>
+          <a:prstGeom prst="rect">
+            <a:avLst/>
+          </a:prstGeom>
+          <a:ln>
+            <a:solidFill>
+              <a:schemeClr val="bg1">
+                <a:lumMod val="85000"/>
+              </a:schemeClr>
+            </a:solidFill>
+          </a:ln>
+        </p:spPr>
+      </p:pic>
+      <p:pic>
+        <p:nvPicPr>
+          <p:cNvPr id="11" name="그림 10"/>
+          <p:cNvPicPr>
+            <a:picLocks noChangeAspect="1"/>
+          </p:cNvPicPr>
+          <p:nvPr/>
+        </p:nvPicPr>
+        <p:blipFill>
+          <a:blip r:embed="rId3">
+            <a:extLst>
+              <a:ext uri="{28A0092B-C50C-407E-A947-70E740481C1C}">
+                <a14:useLocalDpi xmlns:a14="http://schemas.microsoft.com/office/drawing/2010/main" val="0"/>
+              </a:ext>
+            </a:extLst>
+          </a:blip>
+          <a:stretch>
+            <a:fillRect/>
+          </a:stretch>
+        </p:blipFill>
+        <p:spPr>
+          <a:xfrm>
+            <a:off x="6915911" y="2179999"/>
+            <a:ext cx="670618" cy="723963"/>
+          </a:xfrm>
+          <a:prstGeom prst="rect">
+            <a:avLst/>
+          </a:prstGeom>
+          <a:ln>
+            <a:solidFill>
+              <a:schemeClr val="bg1">
+                <a:lumMod val="85000"/>
+              </a:schemeClr>
+            </a:solidFill>
+          </a:ln>
+        </p:spPr>
+      </p:pic>
+      <p:pic>
+        <p:nvPicPr>
+          <p:cNvPr id="3" name="그림 2"/>
+          <p:cNvPicPr>
+            <a:picLocks noChangeAspect="1"/>
+          </p:cNvPicPr>
+          <p:nvPr/>
+        </p:nvPicPr>
+        <p:blipFill>
+          <a:blip r:embed="rId4">
+            <a:extLst>
+              <a:ext uri="{28A0092B-C50C-407E-A947-70E740481C1C}">
+                <a14:useLocalDpi xmlns:a14="http://schemas.microsoft.com/office/drawing/2010/main" val="0"/>
+              </a:ext>
+            </a:extLst>
+          </a:blip>
+          <a:stretch>
+            <a:fillRect/>
+          </a:stretch>
+        </p:blipFill>
+        <p:spPr>
+          <a:xfrm>
+            <a:off x="899592" y="3357477"/>
+            <a:ext cx="5175252" cy="1532147"/>
           </a:xfrm>
           <a:prstGeom prst="rect">
             <a:avLst/>
@@ -17059,59 +17644,21 @@
           </p:cNvPicPr>
           <p:nvPr/>
         </p:nvPicPr>
-        <p:blipFill>
-          <a:blip r:embed="rId3">
+        <p:blipFill rotWithShape="1">
+          <a:blip r:embed="rId5">
             <a:extLst>
               <a:ext uri="{28A0092B-C50C-407E-A947-70E740481C1C}">
                 <a14:useLocalDpi xmlns:a14="http://schemas.microsoft.com/office/drawing/2010/main" val="0"/>
               </a:ext>
             </a:extLst>
           </a:blip>
-          <a:stretch>
-            <a:fillRect/>
-          </a:stretch>
+          <a:srcRect b="46481"/>
+          <a:stretch/>
         </p:blipFill>
         <p:spPr>
           <a:xfrm>
-            <a:off x="1218208" y="3501008"/>
-            <a:ext cx="5159187" cy="1668925"/>
-          </a:xfrm>
-          <a:prstGeom prst="rect">
-            <a:avLst/>
-          </a:prstGeom>
-          <a:ln>
-            <a:solidFill>
-              <a:schemeClr val="bg1">
-                <a:lumMod val="85000"/>
-              </a:schemeClr>
-            </a:solidFill>
-          </a:ln>
-        </p:spPr>
-      </p:pic>
-      <p:pic>
-        <p:nvPicPr>
-          <p:cNvPr id="6" name="그림 5"/>
-          <p:cNvPicPr>
-            <a:picLocks noChangeAspect="1"/>
-          </p:cNvPicPr>
-          <p:nvPr/>
-        </p:nvPicPr>
-        <p:blipFill>
-          <a:blip r:embed="rId4">
-            <a:extLst>
-              <a:ext uri="{28A0092B-C50C-407E-A947-70E740481C1C}">
-                <a14:useLocalDpi xmlns:a14="http://schemas.microsoft.com/office/drawing/2010/main" val="0"/>
-              </a:ext>
-            </a:extLst>
-          </a:blip>
-          <a:stretch>
-            <a:fillRect/>
-          </a:stretch>
-        </p:blipFill>
-        <p:spPr>
-          <a:xfrm>
-            <a:off x="6697362" y="3789040"/>
-            <a:ext cx="944962" cy="1303133"/>
+            <a:off x="5601005" y="5085184"/>
+            <a:ext cx="2571395" cy="937123"/>
           </a:xfrm>
           <a:prstGeom prst="rect">
             <a:avLst/>
@@ -17128,7 +17675,7 @@
     </p:spTree>
     <p:extLst>
       <p:ext uri="{BB962C8B-B14F-4D97-AF65-F5344CB8AC3E}">
-        <p14:creationId xmlns:p14="http://schemas.microsoft.com/office/powerpoint/2010/main" val="618482571"/>
+        <p14:creationId xmlns:p14="http://schemas.microsoft.com/office/powerpoint/2010/main" val="2714378023"/>
       </p:ext>
     </p:extLst>
   </p:cSld>
